--- a/chap0x03/PPT/实验三  自顶向下语法分析程序.pptx
+++ b/chap0x03/PPT/实验三  自顶向下语法分析程序.pptx
@@ -6,36 +6,42 @@
     <p:sldMasterId id="2147483667" r:id="rId2"/>
   </p:sldMasterIdLst>
   <p:notesMasterIdLst>
-    <p:notesMasterId r:id="rId25"/>
+    <p:notesMasterId r:id="rId31"/>
   </p:notesMasterIdLst>
   <p:sldIdLst>
     <p:sldId id="264" r:id="rId3"/>
     <p:sldId id="259" r:id="rId4"/>
     <p:sldId id="271" r:id="rId5"/>
     <p:sldId id="273" r:id="rId6"/>
-    <p:sldId id="274" r:id="rId7"/>
-    <p:sldId id="260" r:id="rId8"/>
-    <p:sldId id="269" r:id="rId9"/>
-    <p:sldId id="275" r:id="rId10"/>
-    <p:sldId id="270" r:id="rId11"/>
-    <p:sldId id="276" r:id="rId12"/>
-    <p:sldId id="261" r:id="rId13"/>
-    <p:sldId id="277" r:id="rId14"/>
-    <p:sldId id="292" r:id="rId15"/>
-    <p:sldId id="285" r:id="rId16"/>
-    <p:sldId id="293" r:id="rId17"/>
-    <p:sldId id="286" r:id="rId18"/>
-    <p:sldId id="287" r:id="rId19"/>
-    <p:sldId id="288" r:id="rId20"/>
-    <p:sldId id="289" r:id="rId21"/>
-    <p:sldId id="290" r:id="rId22"/>
-    <p:sldId id="291" r:id="rId23"/>
-    <p:sldId id="262" r:id="rId24"/>
+    <p:sldId id="310" r:id="rId7"/>
+    <p:sldId id="274" r:id="rId8"/>
+    <p:sldId id="260" r:id="rId9"/>
+    <p:sldId id="269" r:id="rId10"/>
+    <p:sldId id="275" r:id="rId11"/>
+    <p:sldId id="270" r:id="rId12"/>
+    <p:sldId id="276" r:id="rId13"/>
+    <p:sldId id="261" r:id="rId14"/>
+    <p:sldId id="277" r:id="rId15"/>
+    <p:sldId id="292" r:id="rId16"/>
+    <p:sldId id="285" r:id="rId17"/>
+    <p:sldId id="293" r:id="rId18"/>
+    <p:sldId id="286" r:id="rId19"/>
+    <p:sldId id="287" r:id="rId20"/>
+    <p:sldId id="288" r:id="rId21"/>
+    <p:sldId id="289" r:id="rId22"/>
+    <p:sldId id="290" r:id="rId23"/>
+    <p:sldId id="291" r:id="rId24"/>
+    <p:sldId id="262" r:id="rId25"/>
+    <p:sldId id="304" r:id="rId26"/>
+    <p:sldId id="305" r:id="rId27"/>
+    <p:sldId id="306" r:id="rId28"/>
+    <p:sldId id="307" r:id="rId29"/>
+    <p:sldId id="309" r:id="rId30"/>
   </p:sldIdLst>
   <p:sldSz cx="12192000" cy="6858000"/>
   <p:notesSz cx="6858000" cy="9144000"/>
   <p:custDataLst>
-    <p:tags r:id="rId26"/>
+    <p:tags r:id="rId32"/>
   </p:custDataLst>
   <p:defaultTextStyle>
     <a:defPPr>
@@ -16950,6 +16956,306 @@
             </a:r>
             <a:r>
               <a:rPr lang="en-US" altLang="zh-CN"/>
+              <a:t>First</a:t>
+            </a:r>
+            <a:r>
+              <a:t>集</a:t>
+            </a:r>
+          </a:p>
+        </p:txBody>
+      </p:sp>
+      <p:pic>
+        <p:nvPicPr>
+          <p:cNvPr id="4" name="图片 3"/>
+          <p:cNvPicPr>
+            <a:picLocks noChangeAspect="1"/>
+          </p:cNvPicPr>
+          <p:nvPr/>
+        </p:nvPicPr>
+        <p:blipFill>
+          <a:blip r:embed="rId2"/>
+          <a:srcRect t="4217"/>
+          <a:stretch>
+            <a:fillRect/>
+          </a:stretch>
+        </p:blipFill>
+        <p:spPr>
+          <a:xfrm>
+            <a:off x="243840" y="2311400"/>
+            <a:ext cx="6965950" cy="4197350"/>
+          </a:xfrm>
+          <a:prstGeom prst="rect">
+            <a:avLst/>
+          </a:prstGeom>
+        </p:spPr>
+      </p:pic>
+      <p:sp>
+        <p:nvSpPr>
+          <p:cNvPr id="6" name="文本框 5"/>
+          <p:cNvSpPr txBox="1"/>
+          <p:nvPr/>
+        </p:nvSpPr>
+        <p:spPr>
+          <a:xfrm>
+            <a:off x="7661275" y="691515"/>
+            <a:ext cx="4064000" cy="6069965"/>
+          </a:xfrm>
+          <a:prstGeom prst="rect">
+            <a:avLst/>
+          </a:prstGeom>
+          <a:noFill/>
+        </p:spPr>
+        <p:txBody>
+          <a:bodyPr wrap="square" rtlCol="0">
+            <a:spAutoFit/>
+          </a:bodyPr>
+          <a:lstStyle/>
+          <a:p>
+            <a:pPr>
+              <a:lnSpc>
+                <a:spcPct val="120000"/>
+              </a:lnSpc>
+            </a:pPr>
+            <a:r>
+              <a:rPr lang="zh-CN" altLang="en-US">
+                <a:solidFill>
+                  <a:schemeClr val="bg1"/>
+                </a:solidFill>
+              </a:rPr>
+              <a:t>非终结符集合non_term：对于每个非终结符X，遍历其对应的产生式集合production[X]中的每个产生式Y。</a:t>
+            </a:r>
+          </a:p>
+          <a:p>
+            <a:pPr>
+              <a:lnSpc>
+                <a:spcPct val="120000"/>
+              </a:lnSpc>
+            </a:pPr>
+            <a:r>
+              <a:rPr lang="zh-CN" altLang="en-US">
+                <a:solidFill>
+                  <a:schemeClr val="bg1"/>
+                </a:solidFill>
+              </a:rPr>
+              <a:t>进入</a:t>
+            </a:r>
+            <a:r>
+              <a:rPr lang="zh-CN" altLang="en-US" b="1">
+                <a:solidFill>
+                  <a:schemeClr val="bg1"/>
+                </a:solidFill>
+              </a:rPr>
+              <a:t>内层循环</a:t>
+            </a:r>
+            <a:r>
+              <a:rPr lang="zh-CN" altLang="en-US">
+                <a:solidFill>
+                  <a:schemeClr val="bg1"/>
+                </a:solidFill>
+              </a:rPr>
+              <a:t>，当标记变量mark为True且i小于产生式Y的长度时：</a:t>
+            </a:r>
+          </a:p>
+          <a:p>
+            <a:pPr indent="457200">
+              <a:lnSpc>
+                <a:spcPct val="120000"/>
+              </a:lnSpc>
+            </a:pPr>
+            <a:r>
+              <a:rPr lang="zh-CN" altLang="en-US">
+                <a:solidFill>
+                  <a:schemeClr val="bg1"/>
+                </a:solidFill>
+              </a:rPr>
+              <a:t>如果First[Y[i]]中的元素减去集合epsilon的结果不是First[X]的子集，说明还存在没有添加到First[X]中的元素。</a:t>
+            </a:r>
+          </a:p>
+          <a:p>
+            <a:pPr indent="457200">
+              <a:lnSpc>
+                <a:spcPct val="120000"/>
+              </a:lnSpc>
+            </a:pPr>
+            <a:r>
+              <a:rPr lang="zh-CN" altLang="en-US">
+                <a:solidFill>
+                  <a:schemeClr val="bg1"/>
+                </a:solidFill>
+              </a:rPr>
+              <a:t>如果First[Y[i]]中不包含epsilon且Y[i]是非终结符且i大于0，则将First[Y[i]]添加到First[X]中。</a:t>
+            </a:r>
+          </a:p>
+          <a:p>
+            <a:pPr indent="457200">
+              <a:lnSpc>
+                <a:spcPct val="120000"/>
+              </a:lnSpc>
+            </a:pPr>
+            <a:r>
+              <a:rPr lang="zh-CN" altLang="en-US">
+                <a:solidFill>
+                  <a:schemeClr val="bg1"/>
+                </a:solidFill>
+              </a:rPr>
+              <a:t>否则，将First[Y[i]]减去集合epsilon后的结果添加到First[X]中。</a:t>
+            </a:r>
+          </a:p>
+          <a:p>
+            <a:pPr>
+              <a:lnSpc>
+                <a:spcPct val="120000"/>
+              </a:lnSpc>
+            </a:pPr>
+            <a:r>
+              <a:rPr lang="zh-CN" altLang="en-US">
+                <a:solidFill>
+                  <a:schemeClr val="bg1"/>
+                </a:solidFill>
+              </a:rPr>
+              <a:t>如果不能退出</a:t>
+            </a:r>
+            <a:r>
+              <a:rPr lang="en-US" altLang="zh-CN">
+                <a:solidFill>
+                  <a:schemeClr val="bg1"/>
+                </a:solidFill>
+              </a:rPr>
+              <a:t>epsilon</a:t>
+            </a:r>
+            <a:r>
+              <a:rPr lang="zh-CN" altLang="en-US">
+                <a:solidFill>
+                  <a:schemeClr val="bg1"/>
+                </a:solidFill>
+              </a:rPr>
+              <a:t>，则将标记变量mark设为False。</a:t>
+            </a:r>
+          </a:p>
+          <a:p>
+            <a:pPr>
+              <a:lnSpc>
+                <a:spcPct val="120000"/>
+              </a:lnSpc>
+            </a:pPr>
+            <a:r>
+              <a:rPr lang="zh-CN" altLang="en-US">
+                <a:solidFill>
+                  <a:schemeClr val="bg1"/>
+                </a:solidFill>
+              </a:rPr>
+              <a:t>如果标记变量mark为True，说明产生式Y可以推导出epsilon，则将epsilon添加到First[X]中。</a:t>
+            </a:r>
+          </a:p>
+        </p:txBody>
+      </p:sp>
+      <p:sp>
+        <p:nvSpPr>
+          <p:cNvPr id="7" name="文本框 6"/>
+          <p:cNvSpPr txBox="1"/>
+          <p:nvPr/>
+        </p:nvSpPr>
+        <p:spPr>
+          <a:xfrm>
+            <a:off x="375920" y="1203960"/>
+            <a:ext cx="6573520" cy="922020"/>
+          </a:xfrm>
+          <a:prstGeom prst="rect">
+            <a:avLst/>
+          </a:prstGeom>
+          <a:noFill/>
+        </p:spPr>
+        <p:txBody>
+          <a:bodyPr wrap="square" rtlCol="0">
+            <a:spAutoFit/>
+          </a:bodyPr>
+          <a:lstStyle/>
+          <a:p>
+            <a:r>
+              <a:rPr lang="zh-CN" altLang="en-US">
+                <a:solidFill>
+                  <a:schemeClr val="bg1"/>
+                </a:solidFill>
+              </a:rPr>
+              <a:t>设计思路：通过遍历文法的产生式，逐步计算每个非终结符的First集合，并在需要的情况下更新First集合，直到所有的First集合不再更新为止，最终得到输入文法的</a:t>
+            </a:r>
+            <a:r>
+              <a:rPr lang="en-US" altLang="zh-CN">
+                <a:solidFill>
+                  <a:schemeClr val="bg1"/>
+                </a:solidFill>
+              </a:rPr>
+              <a:t>First</a:t>
+            </a:r>
+            <a:r>
+              <a:rPr lang="zh-CN" altLang="en-US">
+                <a:solidFill>
+                  <a:schemeClr val="bg1"/>
+                </a:solidFill>
+              </a:rPr>
+              <a:t>集。</a:t>
+            </a:r>
+          </a:p>
+        </p:txBody>
+      </p:sp>
+    </p:spTree>
+  </p:cSld>
+  <p:clrMapOvr>
+    <a:masterClrMapping/>
+  </p:clrMapOvr>
+</p:sld>
+</file>
+
+<file path=ppt/slides/slide11.xml><?xml version="1.0" encoding="utf-8"?>
+<p:sld xmlns:a="http://schemas.openxmlformats.org/drawingml/2006/main" xmlns:r="http://schemas.openxmlformats.org/officeDocument/2006/relationships" xmlns:p="http://schemas.openxmlformats.org/presentationml/2006/main">
+  <p:cSld>
+    <p:spTree>
+      <p:nvGrpSpPr>
+        <p:cNvPr id="1" name=""/>
+        <p:cNvGrpSpPr/>
+        <p:nvPr/>
+      </p:nvGrpSpPr>
+      <p:grpSpPr>
+        <a:xfrm>
+          <a:off x="0" y="0"/>
+          <a:ext cx="0" cy="0"/>
+          <a:chOff x="0" y="0"/>
+          <a:chExt cx="0" cy="0"/>
+        </a:xfrm>
+      </p:grpSpPr>
+      <p:sp>
+        <p:nvSpPr>
+          <p:cNvPr id="2" name="标题 1"/>
+          <p:cNvSpPr>
+            <a:spLocks noGrp="1"/>
+          </p:cNvSpPr>
+          <p:nvPr>
+            <p:ph type="title"/>
+          </p:nvPr>
+        </p:nvSpPr>
+        <p:spPr/>
+        <p:txBody>
+          <a:bodyPr>
+            <a:normAutofit fontScale="90000"/>
+          </a:bodyPr>
+          <a:lstStyle/>
+          <a:p>
+            <a:r>
+              <a:rPr lang="en-US" altLang="zh-CN"/>
+              <a:t>1.2 </a:t>
+            </a:r>
+            <a:r>
+              <a:t>代码实现</a:t>
+            </a:r>
+            <a:r>
+              <a:rPr lang="en-US" altLang="zh-CN"/>
+              <a:t> </a:t>
+            </a:r>
+            <a:r>
+              <a:t>计算</a:t>
+            </a:r>
+            <a:r>
+              <a:rPr lang="en-US" altLang="zh-CN"/>
               <a:t>FOLLOW</a:t>
             </a:r>
             <a:r>
@@ -17145,7 +17451,7 @@
 </p:sld>
 </file>
 
-<file path=ppt/slides/slide11.xml><?xml version="1.0" encoding="utf-8"?>
+<file path=ppt/slides/slide12.xml><?xml version="1.0" encoding="utf-8"?>
 <p:sld xmlns:a="http://schemas.openxmlformats.org/drawingml/2006/main" xmlns:r="http://schemas.openxmlformats.org/officeDocument/2006/relationships" xmlns:p="http://schemas.openxmlformats.org/presentationml/2006/main">
   <p:cSld>
     <p:spTree>
@@ -17264,211 +17570,6 @@
 </p:sld>
 </file>
 
-<file path=ppt/slides/slide12.xml><?xml version="1.0" encoding="utf-8"?>
-<p:sld xmlns:a="http://schemas.openxmlformats.org/drawingml/2006/main" xmlns:r="http://schemas.openxmlformats.org/officeDocument/2006/relationships" xmlns:p="http://schemas.openxmlformats.org/presentationml/2006/main">
-  <p:cSld>
-    <p:spTree>
-      <p:nvGrpSpPr>
-        <p:cNvPr id="1" name=""/>
-        <p:cNvGrpSpPr/>
-        <p:nvPr/>
-      </p:nvGrpSpPr>
-      <p:grpSpPr>
-        <a:xfrm>
-          <a:off x="0" y="0"/>
-          <a:ext cx="0" cy="0"/>
-          <a:chOff x="0" y="0"/>
-          <a:chExt cx="0" cy="0"/>
-        </a:xfrm>
-      </p:grpSpPr>
-      <p:sp>
-        <p:nvSpPr>
-          <p:cNvPr id="2" name="标题 1"/>
-          <p:cNvSpPr>
-            <a:spLocks noGrp="1"/>
-          </p:cNvSpPr>
-          <p:nvPr>
-            <p:ph type="title"/>
-          </p:nvPr>
-        </p:nvSpPr>
-        <p:spPr/>
-        <p:txBody>
-          <a:bodyPr>
-            <a:normAutofit fontScale="90000"/>
-          </a:bodyPr>
-          <a:lstStyle/>
-          <a:p>
-            <a:r>
-              <a:rPr lang="en-US" dirty="0"/>
-              <a:t>2.1 </a:t>
-            </a:r>
-            <a:r>
-              <a:rPr lang="zh-CN" altLang="en-US" dirty="0"/>
-              <a:t>前导知识</a:t>
-            </a:r>
-            <a:r>
-              <a:rPr lang="en-US" altLang="zh-CN" dirty="0"/>
-              <a:t>——</a:t>
-            </a:r>
-            <a:r>
-              <a:rPr lang="zh-CN" altLang="en-US" dirty="0"/>
-              <a:t>语法分析相关知识</a:t>
-            </a:r>
-            <a:endParaRPr dirty="0"/>
-          </a:p>
-        </p:txBody>
-      </p:sp>
-      <p:sp>
-        <p:nvSpPr>
-          <p:cNvPr id="3" name="内容占位符 2"/>
-          <p:cNvSpPr>
-            <a:spLocks noGrp="1"/>
-          </p:cNvSpPr>
-          <p:nvPr>
-            <p:ph idx="1"/>
-          </p:nvPr>
-        </p:nvSpPr>
-        <p:spPr/>
-        <p:txBody>
-          <a:bodyPr>
-            <a:normAutofit fontScale="85000" lnSpcReduction="20000"/>
-          </a:bodyPr>
-          <a:lstStyle/>
-          <a:p>
-            <a:pPr marL="0" indent="0">
-              <a:buNone/>
-            </a:pPr>
-            <a:r>
-              <a:rPr lang="zh-CN" altLang="en-US" sz="2400" b="1" dirty="0">
-                <a:latin typeface="黑体" panose="02010609060101010101" pitchFamily="49" charset="-122"/>
-                <a:ea typeface="黑体" panose="02010609060101010101" pitchFamily="49" charset="-122"/>
-              </a:rPr>
-              <a:t>语法分析就是分析程序的</a:t>
-            </a:r>
-            <a:r>
-              <a:rPr lang="zh-CN" altLang="en-US" sz="2400" b="1" dirty="0">
-                <a:solidFill>
-                  <a:schemeClr val="hlink"/>
-                </a:solidFill>
-                <a:latin typeface="黑体" panose="02010609060101010101" pitchFamily="49" charset="-122"/>
-                <a:ea typeface="黑体" panose="02010609060101010101" pitchFamily="49" charset="-122"/>
-              </a:rPr>
-              <a:t>语法结构</a:t>
-            </a:r>
-            <a:r>
-              <a:rPr lang="zh-CN" altLang="en-US" sz="2400" b="1" dirty="0">
-                <a:latin typeface="黑体" panose="02010609060101010101" pitchFamily="49" charset="-122"/>
-                <a:ea typeface="黑体" panose="02010609060101010101" pitchFamily="49" charset="-122"/>
-              </a:rPr>
-              <a:t>。</a:t>
-            </a:r>
-          </a:p>
-          <a:p>
-            <a:pPr marL="0" indent="0">
-              <a:buNone/>
-            </a:pPr>
-            <a:r>
-              <a:rPr lang="zh-CN" altLang="en-US" sz="2400" dirty="0">
-                <a:solidFill>
-                  <a:schemeClr val="accent6">
-                    <a:lumMod val="75000"/>
-                  </a:schemeClr>
-                </a:solidFill>
-              </a:rPr>
-              <a:t>预测分析法</a:t>
-            </a:r>
-            <a:endParaRPr lang="en-US" altLang="zh-CN" sz="2400" dirty="0">
-              <a:solidFill>
-                <a:schemeClr val="accent6">
-                  <a:lumMod val="75000"/>
-                </a:schemeClr>
-              </a:solidFill>
-            </a:endParaRPr>
-          </a:p>
-          <a:p>
-            <a:pPr marL="0" indent="0">
-              <a:buNone/>
-            </a:pPr>
-            <a:r>
-              <a:rPr lang="zh-CN" altLang="en-US" sz="2400" dirty="0"/>
-              <a:t>从开始符号开始，根据当前句型的最左边的非终结符和分析串中的当前符号，查预测分析表确定下一步推导所要选择的产生式，最终得到输入串的最左推导，完成输入串的语法检查。</a:t>
-            </a:r>
-            <a:endParaRPr lang="en-US" altLang="zh-CN" sz="2400" dirty="0"/>
-          </a:p>
-          <a:p>
-            <a:pPr marL="0" indent="0">
-              <a:buNone/>
-            </a:pPr>
-            <a:r>
-              <a:rPr lang="zh-CN" altLang="en-US" sz="2400" dirty="0">
-                <a:solidFill>
-                  <a:schemeClr val="accent6">
-                    <a:lumMod val="75000"/>
-                  </a:schemeClr>
-                </a:solidFill>
-              </a:rPr>
-              <a:t>递归下降法</a:t>
-            </a:r>
-            <a:endParaRPr lang="en-US" altLang="zh-CN" sz="2400" dirty="0">
-              <a:solidFill>
-                <a:schemeClr val="accent6">
-                  <a:lumMod val="75000"/>
-                </a:schemeClr>
-              </a:solidFill>
-            </a:endParaRPr>
-          </a:p>
-          <a:p>
-            <a:pPr marL="0" indent="0">
-              <a:buNone/>
-            </a:pPr>
-            <a:r>
-              <a:rPr lang="zh-CN" altLang="en-US" sz="2400" dirty="0"/>
-              <a:t>先不考虑左递归，在定义语法分析程序的时候，每一个非终极符都定义成一个过程或者函数：</a:t>
-            </a:r>
-            <a:endParaRPr lang="en-US" altLang="zh-CN" sz="2400" dirty="0"/>
-          </a:p>
-          <a:p>
-            <a:pPr marL="0" indent="0">
-              <a:buNone/>
-            </a:pPr>
-            <a:r>
-              <a:rPr lang="en-US" altLang="zh-CN" sz="2400" dirty="0"/>
-              <a:t>1.</a:t>
-            </a:r>
-            <a:r>
-              <a:rPr lang="zh-CN" altLang="en-US" sz="2400" dirty="0"/>
-              <a:t>每棵子树都是以根节点的非终极符推导出来的短语</a:t>
-            </a:r>
-            <a:endParaRPr lang="en-US" altLang="zh-CN" sz="2400" dirty="0"/>
-          </a:p>
-          <a:p>
-            <a:pPr marL="0" indent="0">
-              <a:buNone/>
-            </a:pPr>
-            <a:r>
-              <a:rPr lang="en-US" altLang="zh-CN" sz="2400" dirty="0"/>
-              <a:t>2.</a:t>
-            </a:r>
-            <a:r>
-              <a:rPr lang="zh-CN" altLang="en-US" sz="2400" dirty="0"/>
-              <a:t>可以考虑每个非终极符构造一个函数，去匹配子树的叶节点从树中即可看出，加入每一个非终极符都定义成一个过程或者是函数，选择一个规则的时候就让它和规则的右边进行匹配，遇到终极符就可能直接匹配上了，遇到非终极符还是要调用该非终极符所对应的过程或者是函数。</a:t>
-            </a:r>
-          </a:p>
-        </p:txBody>
-      </p:sp>
-    </p:spTree>
-    <p:extLst>
-      <p:ext uri="{BB962C8B-B14F-4D97-AF65-F5344CB8AC3E}">
-        <p14:creationId xmlns:p14="http://schemas.microsoft.com/office/powerpoint/2010/main" val="4030014166"/>
-      </p:ext>
-    </p:extLst>
-  </p:cSld>
-  <p:clrMapOvr>
-    <a:masterClrMapping/>
-  </p:clrMapOvr>
-</p:sld>
-</file>
-
 <file path=ppt/slides/slide13.xml><?xml version="1.0" encoding="utf-8"?>
 <p:sld xmlns:a="http://schemas.openxmlformats.org/drawingml/2006/main" xmlns:r="http://schemas.openxmlformats.org/officeDocument/2006/relationships" xmlns:p="http://schemas.openxmlformats.org/presentationml/2006/main">
   <p:cSld>
@@ -17504,21 +17605,22 @@
           <a:lstStyle/>
           <a:p>
             <a:r>
+              <a:rPr lang="en-US" dirty="0"/>
+              <a:t>2.1 </a:t>
+            </a:r>
+            <a:r>
+              <a:rPr lang="zh-CN" altLang="en-US" dirty="0"/>
+              <a:t>前导知识</a:t>
+            </a:r>
+            <a:r>
               <a:rPr lang="en-US" altLang="zh-CN" dirty="0"/>
-              <a:t>2.2 </a:t>
-            </a:r>
-            <a:r>
-              <a:rPr dirty="0"/>
-              <a:t>原理介绍 </a:t>
-            </a:r>
-            <a:r>
-              <a:rPr lang="en-US" altLang="zh-CN" dirty="0"/>
-              <a:t>—— </a:t>
+              <a:t>——</a:t>
             </a:r>
             <a:r>
               <a:rPr lang="zh-CN" altLang="en-US" dirty="0"/>
-              <a:t>预测分析法进行语法分析</a:t>
-            </a:r>
+              <a:t>语法分析相关知识</a:t>
+            </a:r>
+            <a:endParaRPr dirty="0"/>
           </a:p>
         </p:txBody>
       </p:sp>
@@ -17532,368 +17634,135 @@
             <p:ph idx="1"/>
           </p:nvPr>
         </p:nvSpPr>
-        <p:spPr>
-          <a:xfrm>
-            <a:off x="499552" y="1212484"/>
-            <a:ext cx="10852237" cy="5388907"/>
-          </a:xfrm>
-        </p:spPr>
+        <p:spPr/>
         <p:txBody>
           <a:bodyPr>
-            <a:normAutofit/>
+            <a:normAutofit fontScale="85000" lnSpcReduction="20000"/>
           </a:bodyPr>
           <a:lstStyle/>
-          <a:p>
-            <a:pPr algn="l"/>
-            <a:r>
-              <a:rPr lang="zh-CN" altLang="en-US" b="0" i="0" dirty="0">
-                <a:effectLst/>
-                <a:latin typeface="Söhne"/>
-              </a:rPr>
-              <a:t>基于计算得到的 </a:t>
-            </a:r>
-            <a:r>
-              <a:rPr lang="en-US" altLang="zh-CN" b="0" i="0" dirty="0">
-                <a:effectLst/>
-                <a:latin typeface="Söhne"/>
-              </a:rPr>
-              <a:t>First </a:t>
-            </a:r>
-            <a:r>
-              <a:rPr lang="zh-CN" altLang="en-US" b="0" i="0" dirty="0">
-                <a:effectLst/>
-                <a:latin typeface="Söhne"/>
-              </a:rPr>
-              <a:t>集和 </a:t>
-            </a:r>
-            <a:r>
-              <a:rPr lang="en-US" altLang="zh-CN" b="0" i="0" dirty="0">
-                <a:effectLst/>
-                <a:latin typeface="Söhne"/>
-              </a:rPr>
-              <a:t>Follow </a:t>
-            </a:r>
-            <a:r>
-              <a:rPr lang="zh-CN" altLang="en-US" b="0" i="0" dirty="0">
-                <a:effectLst/>
-                <a:latin typeface="Söhne"/>
-              </a:rPr>
-              <a:t>集，</a:t>
-            </a:r>
-            <a:r>
-              <a:rPr lang="zh-CN" altLang="en-US" b="0" i="0" dirty="0">
-                <a:solidFill>
-                  <a:srgbClr val="FF0000"/>
-                </a:solidFill>
-                <a:effectLst/>
-                <a:latin typeface="Söhne"/>
-              </a:rPr>
-              <a:t>构建</a:t>
-            </a:r>
-            <a:r>
-              <a:rPr lang="en-US" altLang="zh-CN" b="0" i="0" dirty="0">
-                <a:solidFill>
-                  <a:srgbClr val="FF0000"/>
-                </a:solidFill>
-                <a:effectLst/>
-                <a:latin typeface="Söhne"/>
-              </a:rPr>
-              <a:t>LL(1)</a:t>
-            </a:r>
-            <a:r>
-              <a:rPr lang="zh-CN" altLang="en-US" b="0" i="0" dirty="0">
-                <a:solidFill>
-                  <a:srgbClr val="FF0000"/>
-                </a:solidFill>
-                <a:effectLst/>
-                <a:latin typeface="Söhne"/>
-              </a:rPr>
-              <a:t>文法的预测分析表</a:t>
-            </a:r>
-            <a:r>
-              <a:rPr lang="zh-CN" altLang="en-US" b="0" i="0" dirty="0">
-                <a:effectLst/>
-                <a:latin typeface="Söhne"/>
-              </a:rPr>
-              <a:t>。表的行对应非终结符，列对应终结符和结束符号，每个表格内包含相应的产生式。预测分析表的构建是</a:t>
-            </a:r>
-            <a:r>
-              <a:rPr lang="en-US" altLang="zh-CN" b="0" i="0" dirty="0">
-                <a:effectLst/>
-                <a:latin typeface="Söhne"/>
-              </a:rPr>
-              <a:t>LL(1)</a:t>
-            </a:r>
-            <a:r>
-              <a:rPr lang="zh-CN" altLang="en-US" b="0" i="0" dirty="0">
-                <a:effectLst/>
-                <a:latin typeface="Söhne"/>
-              </a:rPr>
-              <a:t>文法分析器实现语法分析的核心。在构建预测分析表的过程中，需要处理终结符、非终结符的 </a:t>
-            </a:r>
-            <a:r>
-              <a:rPr lang="en-US" altLang="zh-CN" b="0" i="0" dirty="0">
-                <a:effectLst/>
-                <a:latin typeface="Söhne"/>
-              </a:rPr>
-              <a:t>First </a:t>
-            </a:r>
-            <a:r>
-              <a:rPr lang="zh-CN" altLang="en-US" b="0" i="0" dirty="0">
-                <a:effectLst/>
-                <a:latin typeface="Söhne"/>
-              </a:rPr>
-              <a:t>集和 </a:t>
-            </a:r>
-            <a:r>
-              <a:rPr lang="en-US" altLang="zh-CN" b="0" i="0" dirty="0">
-                <a:effectLst/>
-                <a:latin typeface="Söhne"/>
-              </a:rPr>
-              <a:t>Follow </a:t>
-            </a:r>
-            <a:r>
-              <a:rPr lang="zh-CN" altLang="en-US" b="0" i="0" dirty="0">
-                <a:effectLst/>
-                <a:latin typeface="Söhne"/>
-              </a:rPr>
-              <a:t>集的关系，确保表中的每个表格都是唯一确定的。</a:t>
-            </a:r>
-            <a:endParaRPr lang="zh-CN" altLang="en-US" b="1" i="0" dirty="0">
-              <a:effectLst/>
-              <a:latin typeface="Söhne"/>
-            </a:endParaRPr>
-          </a:p>
-          <a:p>
-            <a:pPr algn="l"/>
-            <a:r>
-              <a:rPr lang="en-US" altLang="zh-CN" b="0" i="0" dirty="0">
-                <a:effectLst/>
-                <a:latin typeface="Söhne"/>
-              </a:rPr>
-              <a:t>LL(1)</a:t>
-            </a:r>
-            <a:r>
-              <a:rPr lang="zh-CN" altLang="en-US" b="0" i="0" dirty="0">
-                <a:effectLst/>
-                <a:latin typeface="Söhne"/>
-              </a:rPr>
-              <a:t>文法语法分析器使用</a:t>
-            </a:r>
-            <a:r>
-              <a:rPr lang="zh-CN" altLang="en-US" b="0" i="0" dirty="0">
-                <a:solidFill>
-                  <a:srgbClr val="FF0000"/>
-                </a:solidFill>
-                <a:effectLst/>
-                <a:latin typeface="Söhne"/>
-              </a:rPr>
-              <a:t>栈</a:t>
-            </a:r>
-            <a:r>
-              <a:rPr lang="zh-CN" altLang="en-US" b="0" i="0" dirty="0">
-                <a:effectLst/>
-                <a:latin typeface="Söhne"/>
-              </a:rPr>
-              <a:t>来模拟分析过程。初始时，将文法开始符号和结束符号入栈。接下来，通过一个循环，不断从输入字符串中读取符号，同时从栈中弹出符号，进行匹配和推导。具体步骤如下：</a:t>
-            </a:r>
-          </a:p>
-          <a:p>
-            <a:pPr algn="l">
-              <a:buFont typeface="Arial" panose="020B0604020202020204" pitchFamily="34" charset="0"/>
-              <a:buChar char="•"/>
-            </a:pPr>
-            <a:r>
-              <a:rPr lang="zh-CN" altLang="en-US" b="0" i="0" dirty="0">
-                <a:effectLst/>
-                <a:latin typeface="Söhne"/>
-              </a:rPr>
-              <a:t>若栈顶符号是</a:t>
-            </a:r>
-            <a:r>
-              <a:rPr lang="zh-CN" altLang="en-US" b="0" i="0" dirty="0">
-                <a:solidFill>
-                  <a:schemeClr val="accent3">
-                    <a:lumMod val="75000"/>
-                  </a:schemeClr>
-                </a:solidFill>
-                <a:effectLst/>
-                <a:latin typeface="Söhne"/>
-              </a:rPr>
-              <a:t>非终结符</a:t>
-            </a:r>
-            <a:r>
-              <a:rPr lang="zh-CN" altLang="en-US" b="0" i="0" dirty="0">
-                <a:effectLst/>
-                <a:latin typeface="Söhne"/>
-              </a:rPr>
-              <a:t>：根据预测分析表中对应位置的产生式，将产生式右侧逆序入栈。</a:t>
-            </a:r>
-          </a:p>
-          <a:p>
-            <a:pPr algn="l">
-              <a:buFont typeface="Arial" panose="020B0604020202020204" pitchFamily="34" charset="0"/>
-              <a:buChar char="•"/>
-            </a:pPr>
-            <a:r>
-              <a:rPr lang="zh-CN" altLang="en-US" b="0" i="0" dirty="0">
-                <a:effectLst/>
-                <a:latin typeface="Söhne"/>
-              </a:rPr>
-              <a:t>若栈顶符号</a:t>
-            </a:r>
-            <a:r>
-              <a:rPr lang="zh-CN" altLang="en-US" b="0" i="0" dirty="0">
-                <a:solidFill>
-                  <a:schemeClr val="accent3">
-                    <a:lumMod val="75000"/>
-                  </a:schemeClr>
-                </a:solidFill>
-                <a:effectLst/>
-                <a:latin typeface="Söhne"/>
-              </a:rPr>
-              <a:t>与输入符号匹配</a:t>
-            </a:r>
-            <a:r>
-              <a:rPr lang="zh-CN" altLang="en-US" b="0" i="0" dirty="0">
-                <a:effectLst/>
-                <a:latin typeface="Söhne"/>
-              </a:rPr>
-              <a:t>：出栈，并从输入字符串中读取下一个符号。</a:t>
-            </a:r>
-          </a:p>
-          <a:p>
-            <a:pPr algn="l">
-              <a:buFont typeface="Arial" panose="020B0604020202020204" pitchFamily="34" charset="0"/>
-              <a:buChar char="•"/>
-            </a:pPr>
-            <a:r>
-              <a:rPr lang="zh-CN" altLang="en-US" b="0" i="0" dirty="0">
-                <a:effectLst/>
-                <a:latin typeface="Söhne"/>
-              </a:rPr>
-              <a:t>若栈顶符号是</a:t>
-            </a:r>
-            <a:r>
-              <a:rPr lang="zh-CN" altLang="en-US" b="0" i="0" dirty="0">
-                <a:solidFill>
-                  <a:schemeClr val="accent3">
-                    <a:lumMod val="75000"/>
-                  </a:schemeClr>
-                </a:solidFill>
-                <a:effectLst/>
-                <a:latin typeface="Söhne"/>
-              </a:rPr>
-              <a:t>结束符号</a:t>
-            </a:r>
-            <a:r>
-              <a:rPr lang="zh-CN" altLang="en-US" b="0" i="0" dirty="0">
-                <a:effectLst/>
-                <a:latin typeface="Söhne"/>
-              </a:rPr>
-              <a:t>：表示输入符合文法规则，分析成功。</a:t>
-            </a:r>
-          </a:p>
-          <a:p>
-            <a:pPr algn="l">
-              <a:buFont typeface="Arial" panose="020B0604020202020204" pitchFamily="34" charset="0"/>
-              <a:buChar char="•"/>
-            </a:pPr>
-            <a:r>
-              <a:rPr lang="zh-CN" altLang="en-US" b="0" i="0" dirty="0">
-                <a:effectLst/>
-                <a:latin typeface="Söhne"/>
-              </a:rPr>
-              <a:t>若栈顶符号</a:t>
-            </a:r>
-            <a:r>
-              <a:rPr lang="zh-CN" altLang="en-US" b="0" i="0" dirty="0">
-                <a:solidFill>
-                  <a:schemeClr val="accent3">
-                    <a:lumMod val="75000"/>
-                  </a:schemeClr>
-                </a:solidFill>
-                <a:effectLst/>
-                <a:latin typeface="Söhne"/>
-              </a:rPr>
-              <a:t>与输入符号不匹配</a:t>
-            </a:r>
-            <a:r>
-              <a:rPr lang="zh-CN" altLang="en-US" b="0" i="0" dirty="0">
-                <a:effectLst/>
-                <a:latin typeface="Söhne"/>
-              </a:rPr>
-              <a:t>：报错，分析失败。</a:t>
-            </a:r>
-          </a:p>
-          <a:p>
-            <a:pPr algn="l"/>
-            <a:r>
-              <a:rPr lang="zh-CN" altLang="en-US" b="0" i="0" dirty="0">
-                <a:effectLst/>
-                <a:latin typeface="Söhne"/>
-              </a:rPr>
-              <a:t>通过不断地栈操作和输入符号的匹配，</a:t>
-            </a:r>
-            <a:r>
-              <a:rPr lang="en-US" altLang="zh-CN" b="0" i="0" dirty="0">
-                <a:effectLst/>
-                <a:latin typeface="Söhne"/>
-              </a:rPr>
-              <a:t>LL(1) </a:t>
-            </a:r>
-            <a:r>
-              <a:rPr lang="zh-CN" altLang="en-US" b="0" i="0" dirty="0">
-                <a:effectLst/>
-                <a:latin typeface="Söhne"/>
-              </a:rPr>
-              <a:t>文法语法分析器</a:t>
-            </a:r>
-            <a:r>
-              <a:rPr lang="zh-CN" altLang="en-US" b="0" i="0" dirty="0">
-                <a:solidFill>
-                  <a:srgbClr val="FF0000"/>
-                </a:solidFill>
-                <a:effectLst/>
-                <a:latin typeface="Söhne"/>
-              </a:rPr>
-              <a:t>逐步推导出输入字符串是否符合给定的文法规则</a:t>
-            </a:r>
-            <a:r>
-              <a:rPr lang="en-US" altLang="zh-CN" b="0" i="0" dirty="0">
-                <a:solidFill>
-                  <a:srgbClr val="FF0000"/>
-                </a:solidFill>
-                <a:effectLst/>
-                <a:latin typeface="Söhne"/>
-              </a:rPr>
-              <a:t>, </a:t>
-            </a:r>
-            <a:r>
-              <a:rPr lang="zh-CN" altLang="en-US" b="0" i="0" dirty="0">
-                <a:solidFill>
-                  <a:srgbClr val="FF0000"/>
-                </a:solidFill>
-                <a:effectLst/>
-                <a:latin typeface="Söhne"/>
-              </a:rPr>
-              <a:t>符合则打印输出结果</a:t>
-            </a:r>
-          </a:p>
           <a:p>
             <a:pPr marL="0" indent="0">
               <a:buNone/>
             </a:pPr>
-            <a:endParaRPr lang="zh-CN" altLang="en-US" sz="2400" dirty="0"/>
+            <a:r>
+              <a:rPr lang="zh-CN" altLang="en-US" sz="2400" b="1" dirty="0">
+                <a:latin typeface="黑体" panose="02010609060101010101" charset="-122"/>
+                <a:ea typeface="黑体" panose="02010609060101010101" charset="-122"/>
+              </a:rPr>
+              <a:t>语法分析就是分析程序的</a:t>
+            </a:r>
+            <a:r>
+              <a:rPr lang="zh-CN" altLang="en-US" sz="2400" b="1" dirty="0">
+                <a:solidFill>
+                  <a:schemeClr val="hlink"/>
+                </a:solidFill>
+                <a:latin typeface="黑体" panose="02010609060101010101" charset="-122"/>
+                <a:ea typeface="黑体" panose="02010609060101010101" charset="-122"/>
+              </a:rPr>
+              <a:t>语法结构</a:t>
+            </a:r>
+            <a:r>
+              <a:rPr lang="zh-CN" altLang="en-US" sz="2400" b="1" dirty="0">
+                <a:latin typeface="黑体" panose="02010609060101010101" charset="-122"/>
+                <a:ea typeface="黑体" panose="02010609060101010101" charset="-122"/>
+              </a:rPr>
+              <a:t>。</a:t>
+            </a:r>
+          </a:p>
+          <a:p>
+            <a:pPr marL="0" indent="0">
+              <a:buNone/>
+            </a:pPr>
+            <a:r>
+              <a:rPr lang="zh-CN" altLang="en-US" sz="2400" dirty="0">
+                <a:solidFill>
+                  <a:schemeClr val="accent6">
+                    <a:lumMod val="75000"/>
+                  </a:schemeClr>
+                </a:solidFill>
+              </a:rPr>
+              <a:t>预测分析法</a:t>
+            </a:r>
+            <a:endParaRPr lang="en-US" altLang="zh-CN" sz="2400" dirty="0">
+              <a:solidFill>
+                <a:schemeClr val="accent6">
+                  <a:lumMod val="75000"/>
+                </a:schemeClr>
+              </a:solidFill>
+            </a:endParaRPr>
+          </a:p>
+          <a:p>
+            <a:pPr marL="0" indent="0">
+              <a:buNone/>
+            </a:pPr>
+            <a:r>
+              <a:rPr lang="zh-CN" altLang="en-US" sz="2400" dirty="0"/>
+              <a:t>从开始符号开始，根据当前句型的最左边的非终结符和分析串中的当前符号，查预测分析表确定下一步推导所要选择的产生式，最终得到输入串的最左推导，完成输入串的语法检查。</a:t>
+            </a:r>
+            <a:endParaRPr lang="en-US" altLang="zh-CN" sz="2400" dirty="0"/>
+          </a:p>
+          <a:p>
+            <a:pPr marL="0" indent="0">
+              <a:buNone/>
+            </a:pPr>
+            <a:r>
+              <a:rPr lang="zh-CN" altLang="en-US" sz="2400" dirty="0">
+                <a:solidFill>
+                  <a:schemeClr val="accent6">
+                    <a:lumMod val="75000"/>
+                  </a:schemeClr>
+                </a:solidFill>
+              </a:rPr>
+              <a:t>递归下降法</a:t>
+            </a:r>
+            <a:endParaRPr lang="en-US" altLang="zh-CN" sz="2400" dirty="0">
+              <a:solidFill>
+                <a:schemeClr val="accent6">
+                  <a:lumMod val="75000"/>
+                </a:schemeClr>
+              </a:solidFill>
+            </a:endParaRPr>
+          </a:p>
+          <a:p>
+            <a:pPr marL="0" indent="0">
+              <a:buNone/>
+            </a:pPr>
+            <a:r>
+              <a:rPr lang="zh-CN" altLang="en-US" sz="2400" dirty="0"/>
+              <a:t>先不考虑左递归，在定义语法分析程序的时候，每一个非终极符都定义成一个过程或者函数：</a:t>
+            </a:r>
+            <a:endParaRPr lang="en-US" altLang="zh-CN" sz="2400" dirty="0"/>
+          </a:p>
+          <a:p>
+            <a:pPr marL="0" indent="0">
+              <a:buNone/>
+            </a:pPr>
+            <a:r>
+              <a:rPr lang="en-US" altLang="zh-CN" sz="2400" dirty="0"/>
+              <a:t>1.</a:t>
+            </a:r>
+            <a:r>
+              <a:rPr lang="zh-CN" altLang="en-US" sz="2400" dirty="0"/>
+              <a:t>每棵子树都是以根节点的非终极符推导出来的短语</a:t>
+            </a:r>
+            <a:endParaRPr lang="en-US" altLang="zh-CN" sz="2400" dirty="0"/>
+          </a:p>
+          <a:p>
+            <a:pPr marL="0" indent="0">
+              <a:buNone/>
+            </a:pPr>
+            <a:r>
+              <a:rPr lang="en-US" altLang="zh-CN" sz="2400" dirty="0"/>
+              <a:t>2.</a:t>
+            </a:r>
+            <a:r>
+              <a:rPr lang="zh-CN" altLang="en-US" sz="2400" dirty="0"/>
+              <a:t>可以考虑每个非终极符构造一个函数，去匹配子树的叶节点从树中即可看出，加入每一个非终极符都定义成一个过程或者是函数，选择一个规则的时候就让它和规则的右边进行匹配，遇到终极符就可能直接匹配上了，遇到非终极符还是要调用该非终极符所对应的过程或者是函数。</a:t>
+            </a:r>
           </a:p>
         </p:txBody>
       </p:sp>
     </p:spTree>
-    <p:extLst>
-      <p:ext uri="{BB962C8B-B14F-4D97-AF65-F5344CB8AC3E}">
-        <p14:creationId xmlns:p14="http://schemas.microsoft.com/office/powerpoint/2010/main" val="506922738"/>
-      </p:ext>
-    </p:extLst>
   </p:cSld>
   <p:clrMapOvr>
     <a:masterClrMapping/>
@@ -17920,13 +17789,7 @@
       </p:grpSpPr>
       <p:sp>
         <p:nvSpPr>
-          <p:cNvPr id="2" name="标题 1">
-            <a:extLst>
-              <a:ext uri="{FF2B5EF4-FFF2-40B4-BE49-F238E27FC236}">
-                <a16:creationId xmlns:a16="http://schemas.microsoft.com/office/drawing/2014/main" id="{ADC0A336-9202-DE2E-BC03-7009D4E1781B}"/>
-              </a:ext>
-            </a:extLst>
-          </p:cNvPr>
+          <p:cNvPr id="2" name="标题 1"/>
           <p:cNvSpPr>
             <a:spLocks noGrp="1"/>
           </p:cNvSpPr>
@@ -17943,32 +17806,453 @@
           <a:p>
             <a:r>
               <a:rPr lang="en-US" altLang="zh-CN" dirty="0"/>
-              <a:t>2.3 </a:t>
+              <a:t>2.2 </a:t>
+            </a:r>
+            <a:r>
+              <a:rPr dirty="0"/>
+              <a:t>原理介绍 </a:t>
+            </a:r>
+            <a:r>
+              <a:rPr lang="en-US" altLang="zh-CN" dirty="0"/>
+              <a:t>—— </a:t>
             </a:r>
             <a:r>
               <a:rPr lang="zh-CN" altLang="en-US" dirty="0"/>
-              <a:t>代码设计 </a:t>
-            </a:r>
-            <a:r>
-              <a:rPr lang="en-US" altLang="zh-CN" dirty="0"/>
-              <a:t>:</a:t>
-            </a:r>
-            <a:r>
-              <a:rPr lang="zh-CN" altLang="en-US" dirty="0"/>
-              <a:t>栈的实现</a:t>
+              <a:t>预测分析法进行语法分析</a:t>
             </a:r>
           </a:p>
         </p:txBody>
       </p:sp>
       <p:sp>
         <p:nvSpPr>
-          <p:cNvPr id="3" name="内容占位符 2">
-            <a:extLst>
-              <a:ext uri="{FF2B5EF4-FFF2-40B4-BE49-F238E27FC236}">
-                <a16:creationId xmlns:a16="http://schemas.microsoft.com/office/drawing/2014/main" id="{7EB257FE-C229-0E97-E12A-4E4A0EACD8B8}"/>
-              </a:ext>
-            </a:extLst>
-          </p:cNvPr>
+          <p:cNvPr id="3" name="内容占位符 2"/>
+          <p:cNvSpPr>
+            <a:spLocks noGrp="1"/>
+          </p:cNvSpPr>
+          <p:nvPr>
+            <p:ph idx="1"/>
+          </p:nvPr>
+        </p:nvSpPr>
+        <p:spPr>
+          <a:xfrm>
+            <a:off x="499552" y="1212484"/>
+            <a:ext cx="10852237" cy="5388907"/>
+          </a:xfrm>
+        </p:spPr>
+        <p:txBody>
+          <a:bodyPr>
+            <a:normAutofit/>
+          </a:bodyPr>
+          <a:lstStyle/>
+          <a:p>
+            <a:pPr algn="l"/>
+            <a:r>
+              <a:rPr lang="zh-CN" altLang="en-US" b="0" i="0" dirty="0">
+                <a:effectLst/>
+                <a:latin typeface="Söhne"/>
+              </a:rPr>
+              <a:t>基于计算得到的 </a:t>
+            </a:r>
+            <a:r>
+              <a:rPr lang="en-US" altLang="zh-CN" b="0" i="0" dirty="0">
+                <a:effectLst/>
+                <a:latin typeface="Söhne"/>
+              </a:rPr>
+              <a:t>First </a:t>
+            </a:r>
+            <a:r>
+              <a:rPr lang="zh-CN" altLang="en-US" b="0" i="0" dirty="0">
+                <a:effectLst/>
+                <a:latin typeface="Söhne"/>
+              </a:rPr>
+              <a:t>集和 </a:t>
+            </a:r>
+            <a:r>
+              <a:rPr lang="en-US" altLang="zh-CN" b="0" i="0" dirty="0">
+                <a:effectLst/>
+                <a:latin typeface="Söhne"/>
+              </a:rPr>
+              <a:t>Follow </a:t>
+            </a:r>
+            <a:r>
+              <a:rPr lang="zh-CN" altLang="en-US" b="0" i="0" dirty="0">
+                <a:effectLst/>
+                <a:latin typeface="Söhne"/>
+              </a:rPr>
+              <a:t>集，</a:t>
+            </a:r>
+            <a:r>
+              <a:rPr lang="zh-CN" altLang="en-US" b="0" i="0" dirty="0">
+                <a:solidFill>
+                  <a:srgbClr val="FF0000"/>
+                </a:solidFill>
+                <a:effectLst/>
+                <a:latin typeface="Söhne"/>
+              </a:rPr>
+              <a:t>构建</a:t>
+            </a:r>
+            <a:r>
+              <a:rPr lang="en-US" altLang="zh-CN" b="0" i="0" dirty="0">
+                <a:solidFill>
+                  <a:srgbClr val="FF0000"/>
+                </a:solidFill>
+                <a:effectLst/>
+                <a:latin typeface="Söhne"/>
+              </a:rPr>
+              <a:t>LL(1)</a:t>
+            </a:r>
+            <a:r>
+              <a:rPr lang="zh-CN" altLang="en-US" b="0" i="0" dirty="0">
+                <a:solidFill>
+                  <a:srgbClr val="FF0000"/>
+                </a:solidFill>
+                <a:effectLst/>
+                <a:latin typeface="Söhne"/>
+              </a:rPr>
+              <a:t>文法的预测分析表</a:t>
+            </a:r>
+            <a:r>
+              <a:rPr lang="zh-CN" altLang="en-US" b="0" i="0" dirty="0">
+                <a:effectLst/>
+                <a:latin typeface="Söhne"/>
+              </a:rPr>
+              <a:t>。表的行对应非终结符，列对应终结符和结束符号，每个表格内包含相应的产生式。预测分析表的构建是</a:t>
+            </a:r>
+            <a:r>
+              <a:rPr lang="en-US" altLang="zh-CN" b="0" i="0" dirty="0">
+                <a:effectLst/>
+                <a:latin typeface="Söhne"/>
+              </a:rPr>
+              <a:t>LL(1)</a:t>
+            </a:r>
+            <a:r>
+              <a:rPr lang="zh-CN" altLang="en-US" b="0" i="0" dirty="0">
+                <a:effectLst/>
+                <a:latin typeface="Söhne"/>
+              </a:rPr>
+              <a:t>文法分析器实现语法分析的核心。在构建预测分析表的过程中，需要处理终结符、非终结符的 </a:t>
+            </a:r>
+            <a:r>
+              <a:rPr lang="en-US" altLang="zh-CN" b="0" i="0" dirty="0">
+                <a:effectLst/>
+                <a:latin typeface="Söhne"/>
+              </a:rPr>
+              <a:t>First </a:t>
+            </a:r>
+            <a:r>
+              <a:rPr lang="zh-CN" altLang="en-US" b="0" i="0" dirty="0">
+                <a:effectLst/>
+                <a:latin typeface="Söhne"/>
+              </a:rPr>
+              <a:t>集和 </a:t>
+            </a:r>
+            <a:r>
+              <a:rPr lang="en-US" altLang="zh-CN" b="0" i="0" dirty="0">
+                <a:effectLst/>
+                <a:latin typeface="Söhne"/>
+              </a:rPr>
+              <a:t>Follow </a:t>
+            </a:r>
+            <a:r>
+              <a:rPr lang="zh-CN" altLang="en-US" b="0" i="0" dirty="0">
+                <a:effectLst/>
+                <a:latin typeface="Söhne"/>
+              </a:rPr>
+              <a:t>集的关系，确保表中的每个表格都是唯一确定的。</a:t>
+            </a:r>
+            <a:endParaRPr lang="zh-CN" altLang="en-US" b="1" i="0" dirty="0">
+              <a:effectLst/>
+              <a:latin typeface="Söhne"/>
+            </a:endParaRPr>
+          </a:p>
+          <a:p>
+            <a:pPr algn="l"/>
+            <a:r>
+              <a:rPr lang="en-US" altLang="zh-CN" b="0" i="0" dirty="0">
+                <a:effectLst/>
+                <a:latin typeface="Söhne"/>
+              </a:rPr>
+              <a:t>LL(1)</a:t>
+            </a:r>
+            <a:r>
+              <a:rPr lang="zh-CN" altLang="en-US" b="0" i="0" dirty="0">
+                <a:effectLst/>
+                <a:latin typeface="Söhne"/>
+              </a:rPr>
+              <a:t>文法语法分析器使用</a:t>
+            </a:r>
+            <a:r>
+              <a:rPr lang="zh-CN" altLang="en-US" b="0" i="0" dirty="0">
+                <a:solidFill>
+                  <a:srgbClr val="FF0000"/>
+                </a:solidFill>
+                <a:effectLst/>
+                <a:latin typeface="Söhne"/>
+              </a:rPr>
+              <a:t>栈</a:t>
+            </a:r>
+            <a:r>
+              <a:rPr lang="zh-CN" altLang="en-US" b="0" i="0" dirty="0">
+                <a:effectLst/>
+                <a:latin typeface="Söhne"/>
+              </a:rPr>
+              <a:t>来模拟分析过程。初始时，将文法开始符号和结束符号入栈。接下来，通过一个循环，不断从输入字符串中读取符号，同时从栈中弹出符号，进行匹配和推导。具体步骤如下：</a:t>
+            </a:r>
+          </a:p>
+          <a:p>
+            <a:pPr algn="l">
+              <a:buFont typeface="Arial" panose="020B0604020202020204" pitchFamily="34" charset="0"/>
+              <a:buChar char="•"/>
+            </a:pPr>
+            <a:r>
+              <a:rPr lang="zh-CN" altLang="en-US" b="0" i="0" dirty="0">
+                <a:effectLst/>
+                <a:latin typeface="Söhne"/>
+              </a:rPr>
+              <a:t>若栈顶符号是</a:t>
+            </a:r>
+            <a:r>
+              <a:rPr lang="zh-CN" altLang="en-US" b="0" i="0" dirty="0">
+                <a:solidFill>
+                  <a:schemeClr val="accent3">
+                    <a:lumMod val="75000"/>
+                  </a:schemeClr>
+                </a:solidFill>
+                <a:effectLst/>
+                <a:latin typeface="Söhne"/>
+              </a:rPr>
+              <a:t>非终结符</a:t>
+            </a:r>
+            <a:r>
+              <a:rPr lang="zh-CN" altLang="en-US" b="0" i="0" dirty="0">
+                <a:effectLst/>
+                <a:latin typeface="Söhne"/>
+              </a:rPr>
+              <a:t>：根据预测分析表中对应位置的产生式，将产生式右侧逆序入栈。</a:t>
+            </a:r>
+          </a:p>
+          <a:p>
+            <a:pPr algn="l">
+              <a:buFont typeface="Arial" panose="020B0604020202020204" pitchFamily="34" charset="0"/>
+              <a:buChar char="•"/>
+            </a:pPr>
+            <a:r>
+              <a:rPr lang="zh-CN" altLang="en-US" b="0" i="0" dirty="0">
+                <a:effectLst/>
+                <a:latin typeface="Söhne"/>
+              </a:rPr>
+              <a:t>若栈顶符号</a:t>
+            </a:r>
+            <a:r>
+              <a:rPr lang="zh-CN" altLang="en-US" b="0" i="0" dirty="0">
+                <a:solidFill>
+                  <a:schemeClr val="accent3">
+                    <a:lumMod val="75000"/>
+                  </a:schemeClr>
+                </a:solidFill>
+                <a:effectLst/>
+                <a:latin typeface="Söhne"/>
+              </a:rPr>
+              <a:t>与输入符号匹配</a:t>
+            </a:r>
+            <a:r>
+              <a:rPr lang="zh-CN" altLang="en-US" b="0" i="0" dirty="0">
+                <a:effectLst/>
+                <a:latin typeface="Söhne"/>
+              </a:rPr>
+              <a:t>：出栈，并从输入字符串中读取下一个符号。</a:t>
+            </a:r>
+          </a:p>
+          <a:p>
+            <a:pPr algn="l">
+              <a:buFont typeface="Arial" panose="020B0604020202020204" pitchFamily="34" charset="0"/>
+              <a:buChar char="•"/>
+            </a:pPr>
+            <a:r>
+              <a:rPr lang="zh-CN" altLang="en-US" b="0" i="0" dirty="0">
+                <a:effectLst/>
+                <a:latin typeface="Söhne"/>
+              </a:rPr>
+              <a:t>若栈顶符号是</a:t>
+            </a:r>
+            <a:r>
+              <a:rPr lang="zh-CN" altLang="en-US" b="0" i="0" dirty="0">
+                <a:solidFill>
+                  <a:schemeClr val="accent3">
+                    <a:lumMod val="75000"/>
+                  </a:schemeClr>
+                </a:solidFill>
+                <a:effectLst/>
+                <a:latin typeface="Söhne"/>
+              </a:rPr>
+              <a:t>结束符号</a:t>
+            </a:r>
+            <a:r>
+              <a:rPr lang="zh-CN" altLang="en-US" b="0" i="0" dirty="0">
+                <a:effectLst/>
+                <a:latin typeface="Söhne"/>
+              </a:rPr>
+              <a:t>：表示输入符合文法规则，分析成功。</a:t>
+            </a:r>
+          </a:p>
+          <a:p>
+            <a:pPr algn="l">
+              <a:buFont typeface="Arial" panose="020B0604020202020204" pitchFamily="34" charset="0"/>
+              <a:buChar char="•"/>
+            </a:pPr>
+            <a:r>
+              <a:rPr lang="zh-CN" altLang="en-US" b="0" i="0" dirty="0">
+                <a:effectLst/>
+                <a:latin typeface="Söhne"/>
+              </a:rPr>
+              <a:t>若栈顶符号</a:t>
+            </a:r>
+            <a:r>
+              <a:rPr lang="zh-CN" altLang="en-US" b="0" i="0" dirty="0">
+                <a:solidFill>
+                  <a:schemeClr val="accent3">
+                    <a:lumMod val="75000"/>
+                  </a:schemeClr>
+                </a:solidFill>
+                <a:effectLst/>
+                <a:latin typeface="Söhne"/>
+              </a:rPr>
+              <a:t>与输入符号不匹配</a:t>
+            </a:r>
+            <a:r>
+              <a:rPr lang="zh-CN" altLang="en-US" b="0" i="0" dirty="0">
+                <a:effectLst/>
+                <a:latin typeface="Söhne"/>
+              </a:rPr>
+              <a:t>：报错，分析失败。</a:t>
+            </a:r>
+          </a:p>
+          <a:p>
+            <a:pPr algn="l"/>
+            <a:r>
+              <a:rPr lang="zh-CN" altLang="en-US" b="0" i="0" dirty="0">
+                <a:effectLst/>
+                <a:latin typeface="Söhne"/>
+              </a:rPr>
+              <a:t>通过不断地栈操作和输入符号的匹配，</a:t>
+            </a:r>
+            <a:r>
+              <a:rPr lang="en-US" altLang="zh-CN" b="0" i="0" dirty="0">
+                <a:effectLst/>
+                <a:latin typeface="Söhne"/>
+              </a:rPr>
+              <a:t>LL(1) </a:t>
+            </a:r>
+            <a:r>
+              <a:rPr lang="zh-CN" altLang="en-US" b="0" i="0" dirty="0">
+                <a:effectLst/>
+                <a:latin typeface="Söhne"/>
+              </a:rPr>
+              <a:t>文法语法分析器</a:t>
+            </a:r>
+            <a:r>
+              <a:rPr lang="zh-CN" altLang="en-US" b="0" i="0" dirty="0">
+                <a:solidFill>
+                  <a:srgbClr val="FF0000"/>
+                </a:solidFill>
+                <a:effectLst/>
+                <a:latin typeface="Söhne"/>
+              </a:rPr>
+              <a:t>逐步推导出输入字符串是否符合给定的文法规则</a:t>
+            </a:r>
+            <a:r>
+              <a:rPr lang="en-US" altLang="zh-CN" b="0" i="0" dirty="0">
+                <a:solidFill>
+                  <a:srgbClr val="FF0000"/>
+                </a:solidFill>
+                <a:effectLst/>
+                <a:latin typeface="Söhne"/>
+              </a:rPr>
+              <a:t>, </a:t>
+            </a:r>
+            <a:r>
+              <a:rPr lang="zh-CN" altLang="en-US" b="0" i="0" dirty="0">
+                <a:solidFill>
+                  <a:srgbClr val="FF0000"/>
+                </a:solidFill>
+                <a:effectLst/>
+                <a:latin typeface="Söhne"/>
+              </a:rPr>
+              <a:t>符合则打印输出结果</a:t>
+            </a:r>
+          </a:p>
+          <a:p>
+            <a:pPr marL="0" indent="0">
+              <a:buNone/>
+            </a:pPr>
+            <a:endParaRPr lang="zh-CN" altLang="en-US" sz="2400" dirty="0"/>
+          </a:p>
+        </p:txBody>
+      </p:sp>
+    </p:spTree>
+  </p:cSld>
+  <p:clrMapOvr>
+    <a:masterClrMapping/>
+  </p:clrMapOvr>
+</p:sld>
+</file>
+
+<file path=ppt/slides/slide15.xml><?xml version="1.0" encoding="utf-8"?>
+<p:sld xmlns:a="http://schemas.openxmlformats.org/drawingml/2006/main" xmlns:r="http://schemas.openxmlformats.org/officeDocument/2006/relationships" xmlns:p="http://schemas.openxmlformats.org/presentationml/2006/main">
+  <p:cSld>
+    <p:spTree>
+      <p:nvGrpSpPr>
+        <p:cNvPr id="1" name=""/>
+        <p:cNvGrpSpPr/>
+        <p:nvPr/>
+      </p:nvGrpSpPr>
+      <p:grpSpPr>
+        <a:xfrm>
+          <a:off x="0" y="0"/>
+          <a:ext cx="0" cy="0"/>
+          <a:chOff x="0" y="0"/>
+          <a:chExt cx="0" cy="0"/>
+        </a:xfrm>
+      </p:grpSpPr>
+      <p:sp>
+        <p:nvSpPr>
+          <p:cNvPr id="2" name="标题 1"/>
+          <p:cNvSpPr>
+            <a:spLocks noGrp="1"/>
+          </p:cNvSpPr>
+          <p:nvPr>
+            <p:ph type="title"/>
+          </p:nvPr>
+        </p:nvSpPr>
+        <p:spPr/>
+        <p:txBody>
+          <a:bodyPr>
+            <a:normAutofit fontScale="90000"/>
+          </a:bodyPr>
+          <a:lstStyle/>
+          <a:p>
+            <a:r>
+              <a:rPr lang="en-US" altLang="zh-CN" dirty="0"/>
+              <a:t>2.3 </a:t>
+            </a:r>
+            <a:r>
+              <a:rPr lang="zh-CN" altLang="en-US" dirty="0"/>
+              <a:t>代码设计 </a:t>
+            </a:r>
+            <a:r>
+              <a:rPr lang="en-US" altLang="zh-CN" dirty="0"/>
+              <a:t>:</a:t>
+            </a:r>
+            <a:r>
+              <a:rPr lang="zh-CN" altLang="en-US" dirty="0"/>
+              <a:t>栈的实现</a:t>
+            </a:r>
+          </a:p>
+        </p:txBody>
+      </p:sp>
+      <p:sp>
+        <p:nvSpPr>
+          <p:cNvPr id="3" name="内容占位符 2"/>
           <p:cNvSpPr>
             <a:spLocks noGrp="1"/>
           </p:cNvSpPr>
@@ -18208,13 +18492,7 @@
       </p:sp>
       <p:pic>
         <p:nvPicPr>
-          <p:cNvPr id="5" name="图片 4">
-            <a:extLst>
-              <a:ext uri="{FF2B5EF4-FFF2-40B4-BE49-F238E27FC236}">
-                <a16:creationId xmlns:a16="http://schemas.microsoft.com/office/drawing/2014/main" id="{812DBF9D-FAB3-5C07-6C78-E122A4C4EF88}"/>
-              </a:ext>
-            </a:extLst>
-          </p:cNvPr>
+          <p:cNvPr id="5" name="图片 4"/>
           <p:cNvPicPr>
             <a:picLocks noChangeAspect="1"/>
           </p:cNvPicPr>
@@ -18237,11 +18515,6 @@
         </p:spPr>
       </p:pic>
     </p:spTree>
-    <p:extLst>
-      <p:ext uri="{BB962C8B-B14F-4D97-AF65-F5344CB8AC3E}">
-        <p14:creationId xmlns:p14="http://schemas.microsoft.com/office/powerpoint/2010/main" val="3501397084"/>
-      </p:ext>
-    </p:extLst>
   </p:cSld>
   <p:clrMapOvr>
     <a:masterClrMapping/>
@@ -18249,7 +18522,7 @@
 </p:sld>
 </file>
 
-<file path=ppt/slides/slide15.xml><?xml version="1.0" encoding="utf-8"?>
+<file path=ppt/slides/slide16.xml><?xml version="1.0" encoding="utf-8"?>
 <p:sld xmlns:a="http://schemas.openxmlformats.org/drawingml/2006/main" xmlns:r="http://schemas.openxmlformats.org/officeDocument/2006/relationships" xmlns:p="http://schemas.openxmlformats.org/presentationml/2006/main">
   <p:cSld>
     <p:spTree>
@@ -18268,13 +18541,7 @@
       </p:grpSpPr>
       <p:sp>
         <p:nvSpPr>
-          <p:cNvPr id="2" name="标题 1">
-            <a:extLst>
-              <a:ext uri="{FF2B5EF4-FFF2-40B4-BE49-F238E27FC236}">
-                <a16:creationId xmlns:a16="http://schemas.microsoft.com/office/drawing/2014/main" id="{60F12518-1D5A-1EF6-7504-84BA0946D970}"/>
-              </a:ext>
-            </a:extLst>
-          </p:cNvPr>
+          <p:cNvPr id="2" name="标题 1"/>
           <p:cNvSpPr>
             <a:spLocks noGrp="1"/>
           </p:cNvSpPr>
@@ -18318,13 +18585,7 @@
       </p:sp>
       <p:sp>
         <p:nvSpPr>
-          <p:cNvPr id="3" name="内容占位符 2">
-            <a:extLst>
-              <a:ext uri="{FF2B5EF4-FFF2-40B4-BE49-F238E27FC236}">
-                <a16:creationId xmlns:a16="http://schemas.microsoft.com/office/drawing/2014/main" id="{B62B716D-DB54-93B7-FCAA-B07FC2C1B828}"/>
-              </a:ext>
-            </a:extLst>
-          </p:cNvPr>
+          <p:cNvPr id="3" name="内容占位符 2"/>
           <p:cNvSpPr>
             <a:spLocks noGrp="1"/>
           </p:cNvSpPr>
@@ -18523,13 +18784,7 @@
       </p:sp>
       <p:pic>
         <p:nvPicPr>
-          <p:cNvPr id="8" name="图片 7">
-            <a:extLst>
-              <a:ext uri="{FF2B5EF4-FFF2-40B4-BE49-F238E27FC236}">
-                <a16:creationId xmlns:a16="http://schemas.microsoft.com/office/drawing/2014/main" id="{71216EED-0406-8F42-2172-BC90DD40F68F}"/>
-              </a:ext>
-            </a:extLst>
-          </p:cNvPr>
+          <p:cNvPr id="8" name="图片 7"/>
           <p:cNvPicPr>
             <a:picLocks noChangeAspect="1"/>
           </p:cNvPicPr>
@@ -18552,429 +18807,6 @@
         </p:spPr>
       </p:pic>
     </p:spTree>
-    <p:extLst>
-      <p:ext uri="{BB962C8B-B14F-4D97-AF65-F5344CB8AC3E}">
-        <p14:creationId xmlns:p14="http://schemas.microsoft.com/office/powerpoint/2010/main" val="1160987434"/>
-      </p:ext>
-    </p:extLst>
-  </p:cSld>
-  <p:clrMapOvr>
-    <a:masterClrMapping/>
-  </p:clrMapOvr>
-</p:sld>
-</file>
-
-<file path=ppt/slides/slide16.xml><?xml version="1.0" encoding="utf-8"?>
-<p:sld xmlns:a="http://schemas.openxmlformats.org/drawingml/2006/main" xmlns:r="http://schemas.openxmlformats.org/officeDocument/2006/relationships" xmlns:p="http://schemas.openxmlformats.org/presentationml/2006/main">
-  <p:cSld>
-    <p:spTree>
-      <p:nvGrpSpPr>
-        <p:cNvPr id="1" name=""/>
-        <p:cNvGrpSpPr/>
-        <p:nvPr/>
-      </p:nvGrpSpPr>
-      <p:grpSpPr>
-        <a:xfrm>
-          <a:off x="0" y="0"/>
-          <a:ext cx="0" cy="0"/>
-          <a:chOff x="0" y="0"/>
-          <a:chExt cx="0" cy="0"/>
-        </a:xfrm>
-      </p:grpSpPr>
-      <p:sp>
-        <p:nvSpPr>
-          <p:cNvPr id="2" name="标题 1">
-            <a:extLst>
-              <a:ext uri="{FF2B5EF4-FFF2-40B4-BE49-F238E27FC236}">
-                <a16:creationId xmlns:a16="http://schemas.microsoft.com/office/drawing/2014/main" id="{60F12518-1D5A-1EF6-7504-84BA0946D970}"/>
-              </a:ext>
-            </a:extLst>
-          </p:cNvPr>
-          <p:cNvSpPr>
-            <a:spLocks noGrp="1"/>
-          </p:cNvSpPr>
-          <p:nvPr>
-            <p:ph type="title"/>
-          </p:nvPr>
-        </p:nvSpPr>
-        <p:spPr>
-          <a:xfrm>
-            <a:off x="669880" y="443595"/>
-            <a:ext cx="10852237" cy="441964"/>
-          </a:xfrm>
-        </p:spPr>
-        <p:txBody>
-          <a:bodyPr>
-            <a:normAutofit fontScale="90000"/>
-          </a:bodyPr>
-          <a:lstStyle/>
-          <a:p>
-            <a:r>
-              <a:rPr lang="en-US" altLang="zh-CN" dirty="0"/>
-              <a:t>2.3 </a:t>
-            </a:r>
-            <a:r>
-              <a:rPr lang="zh-CN" altLang="en-US" dirty="0"/>
-              <a:t>代码设计 </a:t>
-            </a:r>
-            <a:r>
-              <a:rPr lang="en-US" altLang="zh-CN" dirty="0"/>
-              <a:t>: </a:t>
-            </a:r>
-            <a:r>
-              <a:rPr lang="en-US" altLang="zh-CN" dirty="0" err="1"/>
-              <a:t>analysisprocess</a:t>
-            </a:r>
-            <a:r>
-              <a:rPr lang="en-US" altLang="zh-CN" dirty="0"/>
-              <a:t>() </a:t>
-            </a:r>
-            <a:r>
-              <a:rPr lang="zh-CN" altLang="en-US" dirty="0"/>
-              <a:t>函数进行语法分析</a:t>
-            </a:r>
-          </a:p>
-        </p:txBody>
-      </p:sp>
-      <p:sp>
-        <p:nvSpPr>
-          <p:cNvPr id="3" name="内容占位符 2">
-            <a:extLst>
-              <a:ext uri="{FF2B5EF4-FFF2-40B4-BE49-F238E27FC236}">
-                <a16:creationId xmlns:a16="http://schemas.microsoft.com/office/drawing/2014/main" id="{B62B716D-DB54-93B7-FCAA-B07FC2C1B828}"/>
-              </a:ext>
-            </a:extLst>
-          </p:cNvPr>
-          <p:cNvSpPr>
-            <a:spLocks noGrp="1"/>
-          </p:cNvSpPr>
-          <p:nvPr>
-            <p:ph idx="1"/>
-          </p:nvPr>
-        </p:nvSpPr>
-        <p:spPr>
-          <a:xfrm>
-            <a:off x="580234" y="1025498"/>
-            <a:ext cx="10852237" cy="5388907"/>
-          </a:xfrm>
-        </p:spPr>
-        <p:txBody>
-          <a:bodyPr>
-            <a:normAutofit fontScale="77500" lnSpcReduction="20000"/>
-          </a:bodyPr>
-          <a:lstStyle/>
-          <a:p>
-            <a:pPr marL="0" indent="0">
-              <a:buNone/>
-            </a:pPr>
-            <a:r>
-              <a:rPr lang="zh-CN" altLang="en-US" sz="1800" b="0" i="0" dirty="0">
-                <a:effectLst/>
-                <a:latin typeface="Söhne"/>
-              </a:rPr>
-              <a:t>该函数通过模拟分析过程，根据预测分析表逐步推导输入字符串，最终判断输入的字符串是否符合给定的 </a:t>
-            </a:r>
-            <a:r>
-              <a:rPr lang="en-US" altLang="zh-CN" sz="1800" b="0" i="0" dirty="0">
-                <a:effectLst/>
-                <a:latin typeface="Söhne"/>
-              </a:rPr>
-              <a:t>LL(1) </a:t>
-            </a:r>
-            <a:r>
-              <a:rPr lang="zh-CN" altLang="en-US" sz="1800" b="0" i="0" dirty="0">
-                <a:effectLst/>
-                <a:latin typeface="Söhne"/>
-              </a:rPr>
-              <a:t>文法。</a:t>
-            </a:r>
-            <a:endParaRPr lang="en-US" altLang="zh-CN" sz="1800" b="1" i="0" dirty="0">
-              <a:effectLst/>
-              <a:latin typeface="Söhne"/>
-            </a:endParaRPr>
-          </a:p>
-          <a:p>
-            <a:pPr marL="0" indent="0" algn="l">
-              <a:buNone/>
-            </a:pPr>
-            <a:r>
-              <a:rPr lang="en-US" altLang="zh-CN" sz="1800" b="1" i="0" dirty="0">
-                <a:effectLst/>
-                <a:latin typeface="Söhne"/>
-              </a:rPr>
-              <a:t>· </a:t>
-            </a:r>
-            <a:r>
-              <a:rPr lang="zh-CN" altLang="en-US" sz="1800" b="1" i="0" dirty="0">
-                <a:solidFill>
-                  <a:srgbClr val="FF0000"/>
-                </a:solidFill>
-                <a:effectLst/>
-                <a:latin typeface="Söhne"/>
-              </a:rPr>
-              <a:t>初始化</a:t>
-            </a:r>
-            <a:r>
-              <a:rPr lang="zh-CN" altLang="en-US" sz="1800" b="1" i="0" dirty="0">
-                <a:effectLst/>
-                <a:latin typeface="Söhne"/>
-              </a:rPr>
-              <a:t>：</a:t>
-            </a:r>
-            <a:endParaRPr lang="zh-CN" altLang="en-US" sz="1800" b="0" i="0" dirty="0">
-              <a:effectLst/>
-              <a:latin typeface="Söhne"/>
-            </a:endParaRPr>
-          </a:p>
-          <a:p>
-            <a:pPr marL="742950" lvl="1" indent="-285750" algn="l">
-              <a:buFont typeface="+mj-lt"/>
-              <a:buAutoNum type="arabicPeriod"/>
-            </a:pPr>
-            <a:r>
-              <a:rPr lang="zh-CN" altLang="en-US" sz="1800" b="0" i="0" dirty="0">
-                <a:effectLst/>
-                <a:latin typeface="Söhne"/>
-              </a:rPr>
-              <a:t>读取输入的字符串，初始化输入字符串和分析栈</a:t>
-            </a:r>
-          </a:p>
-          <a:p>
-            <a:pPr marL="742950" lvl="1" indent="-285750" algn="l">
-              <a:buFont typeface="+mj-lt"/>
-              <a:buAutoNum type="arabicPeriod"/>
-            </a:pPr>
-            <a:r>
-              <a:rPr lang="zh-CN" altLang="en-US" sz="1800" b="0" i="0" dirty="0">
-                <a:effectLst/>
-                <a:latin typeface="Söhne"/>
-              </a:rPr>
-              <a:t>将输入字符串末尾添加结束符号，并初始化分析栈，将结束符号和文法开始符号入栈</a:t>
-            </a:r>
-          </a:p>
-          <a:p>
-            <a:pPr marL="0" indent="0" algn="l">
-              <a:buNone/>
-            </a:pPr>
-            <a:r>
-              <a:rPr lang="en-US" altLang="zh-CN" sz="1800" b="1" i="0" dirty="0">
-                <a:effectLst/>
-                <a:latin typeface="Söhne"/>
-              </a:rPr>
-              <a:t>· </a:t>
-            </a:r>
-            <a:r>
-              <a:rPr lang="zh-CN" altLang="en-US" sz="1800" b="1" i="0" dirty="0">
-                <a:solidFill>
-                  <a:srgbClr val="FF0000"/>
-                </a:solidFill>
-                <a:effectLst/>
-                <a:latin typeface="Söhne"/>
-              </a:rPr>
-              <a:t>分析过程</a:t>
-            </a:r>
-            <a:r>
-              <a:rPr lang="zh-CN" altLang="en-US" sz="1800" b="1" i="0" dirty="0">
-                <a:effectLst/>
-                <a:latin typeface="Söhne"/>
-              </a:rPr>
-              <a:t>（</a:t>
-            </a:r>
-            <a:r>
-              <a:rPr lang="zh-CN" altLang="en-US" sz="1800" b="1" i="0" dirty="0">
-                <a:solidFill>
-                  <a:schemeClr val="accent3">
-                    <a:lumMod val="75000"/>
-                  </a:schemeClr>
-                </a:solidFill>
-                <a:effectLst/>
-                <a:latin typeface="Söhne"/>
-              </a:rPr>
-              <a:t>如图</a:t>
-            </a:r>
-            <a:r>
-              <a:rPr lang="zh-CN" altLang="en-US" sz="1800" b="1" i="0" dirty="0">
-                <a:effectLst/>
-                <a:latin typeface="Söhne"/>
-              </a:rPr>
-              <a:t>）：</a:t>
-            </a:r>
-            <a:endParaRPr lang="zh-CN" altLang="en-US" sz="1800" b="0" i="0" dirty="0">
-              <a:effectLst/>
-              <a:latin typeface="Söhne"/>
-            </a:endParaRPr>
-          </a:p>
-          <a:p>
-            <a:pPr marL="457200" lvl="1" indent="0" algn="l">
-              <a:buNone/>
-            </a:pPr>
-            <a:r>
-              <a:rPr lang="zh-CN" altLang="en-US" sz="1800" b="0" i="0" dirty="0">
-                <a:effectLst/>
-                <a:latin typeface="Söhne"/>
-              </a:rPr>
-              <a:t>在一个循环中，不断执行以下步骤，直到分析栈为空：</a:t>
-            </a:r>
-          </a:p>
-          <a:p>
-            <a:pPr marL="1143000" lvl="2" indent="-228600" algn="l">
-              <a:buFont typeface="+mj-lt"/>
-              <a:buAutoNum type="arabicPeriod"/>
-            </a:pPr>
-            <a:r>
-              <a:rPr lang="zh-CN" altLang="en-US" sz="1800" b="0" i="0" dirty="0">
-                <a:effectLst/>
-                <a:latin typeface="Söhne"/>
-              </a:rPr>
-              <a:t>获取分析栈的栈顶符号和输入字符串的当前符号</a:t>
-            </a:r>
-          </a:p>
-          <a:p>
-            <a:pPr marL="1143000" lvl="2" indent="-228600" algn="l">
-              <a:buFont typeface="+mj-lt"/>
-              <a:buAutoNum type="arabicPeriod"/>
-            </a:pPr>
-            <a:r>
-              <a:rPr lang="zh-CN" altLang="en-US" sz="1800" b="0" i="0" dirty="0">
-                <a:effectLst/>
-                <a:latin typeface="Söhne"/>
-              </a:rPr>
-              <a:t>如果栈顶符号是非终结符，查找预测分析表，获取对应的产生式</a:t>
-            </a:r>
-          </a:p>
-          <a:p>
-            <a:pPr marL="1143000" lvl="2" indent="-228600" algn="l">
-              <a:buFont typeface="+mj-lt"/>
-              <a:buAutoNum type="arabicPeriod"/>
-            </a:pPr>
-            <a:r>
-              <a:rPr lang="zh-CN" altLang="en-US" sz="1800" b="0" i="0" dirty="0">
-                <a:effectLst/>
-                <a:latin typeface="Söhne"/>
-              </a:rPr>
-              <a:t>如果栈顶符号与当前输入符号匹配，出栈</a:t>
-            </a:r>
-          </a:p>
-          <a:p>
-            <a:pPr marL="1143000" lvl="2" indent="-228600" algn="l">
-              <a:buFont typeface="+mj-lt"/>
-              <a:buAutoNum type="arabicPeriod"/>
-            </a:pPr>
-            <a:r>
-              <a:rPr lang="zh-CN" altLang="en-US" sz="1800" b="0" i="0" dirty="0">
-                <a:effectLst/>
-                <a:latin typeface="Söhne"/>
-              </a:rPr>
-              <a:t>如果栈顶符号和当前输入符号不匹配，报错并结束分析</a:t>
-            </a:r>
-          </a:p>
-          <a:p>
-            <a:pPr marL="1143000" lvl="2" indent="-228600" algn="l">
-              <a:buFont typeface="+mj-lt"/>
-              <a:buAutoNum type="arabicPeriod"/>
-            </a:pPr>
-            <a:r>
-              <a:rPr lang="zh-CN" altLang="en-US" sz="1800" b="0" i="0" dirty="0">
-                <a:effectLst/>
-                <a:latin typeface="Söhne"/>
-              </a:rPr>
-              <a:t>如果栈顶符号是结束符号，表示输入符合文法，输出</a:t>
-            </a:r>
-            <a:r>
-              <a:rPr lang="en-US" altLang="zh-CN" sz="1800" b="0" i="0" dirty="0">
-                <a:effectLst/>
-                <a:latin typeface="Söhne"/>
-              </a:rPr>
-              <a:t>"</a:t>
-            </a:r>
-            <a:r>
-              <a:rPr lang="zh-CN" altLang="en-US" sz="1800" b="0" i="0" dirty="0">
-                <a:effectLst/>
-                <a:latin typeface="Söhne"/>
-              </a:rPr>
-              <a:t>接受</a:t>
-            </a:r>
-            <a:r>
-              <a:rPr lang="en-US" altLang="zh-CN" sz="1800" b="0" i="0" dirty="0">
-                <a:effectLst/>
-                <a:latin typeface="Söhne"/>
-              </a:rPr>
-              <a:t>"</a:t>
-            </a:r>
-            <a:endParaRPr lang="zh-CN" altLang="en-US" sz="1800" b="0" i="0" dirty="0">
-              <a:effectLst/>
-              <a:latin typeface="Söhne"/>
-            </a:endParaRPr>
-          </a:p>
-          <a:p>
-            <a:pPr marL="1143000" lvl="2" indent="-228600" algn="l">
-              <a:buFont typeface="+mj-lt"/>
-              <a:buAutoNum type="arabicPeriod"/>
-            </a:pPr>
-            <a:r>
-              <a:rPr lang="zh-CN" altLang="en-US" sz="1800" b="0" i="0" dirty="0">
-                <a:effectLst/>
-                <a:latin typeface="Söhne"/>
-              </a:rPr>
-              <a:t>否则，输出使用的产生式，并将产生式右侧逆序入栈</a:t>
-            </a:r>
-          </a:p>
-          <a:p>
-            <a:pPr marL="0" indent="0" algn="l">
-              <a:buNone/>
-            </a:pPr>
-            <a:r>
-              <a:rPr lang="en-US" altLang="zh-CN" sz="1800" b="1" i="0" dirty="0">
-                <a:effectLst/>
-                <a:latin typeface="Söhne"/>
-              </a:rPr>
-              <a:t>· </a:t>
-            </a:r>
-            <a:r>
-              <a:rPr lang="zh-CN" altLang="en-US" sz="1800" b="1" i="0" dirty="0">
-                <a:solidFill>
-                  <a:srgbClr val="FF0000"/>
-                </a:solidFill>
-                <a:effectLst/>
-                <a:latin typeface="Söhne"/>
-              </a:rPr>
-              <a:t>分析结果输出</a:t>
-            </a:r>
-            <a:r>
-              <a:rPr lang="zh-CN" altLang="en-US" sz="1800" b="1" i="0" dirty="0">
-                <a:effectLst/>
-                <a:latin typeface="Söhne"/>
-              </a:rPr>
-              <a:t>：</a:t>
-            </a:r>
-            <a:endParaRPr lang="zh-CN" altLang="en-US" sz="1800" b="0" i="0" dirty="0">
-              <a:effectLst/>
-              <a:latin typeface="Söhne"/>
-            </a:endParaRPr>
-          </a:p>
-          <a:p>
-            <a:pPr marL="457200" lvl="1" indent="0" algn="l">
-              <a:buNone/>
-            </a:pPr>
-            <a:r>
-              <a:rPr lang="zh-CN" altLang="en-US" sz="1800" b="0" i="0" dirty="0">
-                <a:effectLst/>
-                <a:latin typeface="Söhne"/>
-              </a:rPr>
-              <a:t>根据分析过程的结果，输出分析成功或失败的信息</a:t>
-            </a:r>
-          </a:p>
-          <a:p>
-            <a:endParaRPr lang="zh-CN" altLang="en-US" dirty="0"/>
-          </a:p>
-        </p:txBody>
-      </p:sp>
-    </p:spTree>
-    <p:extLst>
-      <p:ext uri="{BB962C8B-B14F-4D97-AF65-F5344CB8AC3E}">
-        <p14:creationId xmlns:p14="http://schemas.microsoft.com/office/powerpoint/2010/main" val="1561497854"/>
-      </p:ext>
-    </p:extLst>
   </p:cSld>
   <p:clrMapOvr>
     <a:masterClrMapping/>
@@ -19001,13 +18833,408 @@
       </p:grpSpPr>
       <p:sp>
         <p:nvSpPr>
-          <p:cNvPr id="2" name="标题 1">
-            <a:extLst>
-              <a:ext uri="{FF2B5EF4-FFF2-40B4-BE49-F238E27FC236}">
-                <a16:creationId xmlns:a16="http://schemas.microsoft.com/office/drawing/2014/main" id="{ADC0A336-9202-DE2E-BC03-7009D4E1781B}"/>
-              </a:ext>
-            </a:extLst>
-          </p:cNvPr>
+          <p:cNvPr id="2" name="标题 1"/>
+          <p:cNvSpPr>
+            <a:spLocks noGrp="1"/>
+          </p:cNvSpPr>
+          <p:nvPr>
+            <p:ph type="title"/>
+          </p:nvPr>
+        </p:nvSpPr>
+        <p:spPr>
+          <a:xfrm>
+            <a:off x="669880" y="443595"/>
+            <a:ext cx="10852237" cy="441964"/>
+          </a:xfrm>
+        </p:spPr>
+        <p:txBody>
+          <a:bodyPr>
+            <a:normAutofit fontScale="90000"/>
+          </a:bodyPr>
+          <a:lstStyle/>
+          <a:p>
+            <a:r>
+              <a:rPr lang="en-US" altLang="zh-CN" dirty="0"/>
+              <a:t>2.3 </a:t>
+            </a:r>
+            <a:r>
+              <a:rPr lang="zh-CN" altLang="en-US" dirty="0"/>
+              <a:t>代码设计 </a:t>
+            </a:r>
+            <a:r>
+              <a:rPr lang="en-US" altLang="zh-CN" dirty="0"/>
+              <a:t>: </a:t>
+            </a:r>
+            <a:r>
+              <a:rPr lang="en-US" altLang="zh-CN" dirty="0" err="1"/>
+              <a:t>analysisprocess</a:t>
+            </a:r>
+            <a:r>
+              <a:rPr lang="en-US" altLang="zh-CN" dirty="0"/>
+              <a:t>() </a:t>
+            </a:r>
+            <a:r>
+              <a:rPr lang="zh-CN" altLang="en-US" dirty="0"/>
+              <a:t>函数进行语法分析</a:t>
+            </a:r>
+          </a:p>
+        </p:txBody>
+      </p:sp>
+      <p:sp>
+        <p:nvSpPr>
+          <p:cNvPr id="3" name="内容占位符 2"/>
+          <p:cNvSpPr>
+            <a:spLocks noGrp="1"/>
+          </p:cNvSpPr>
+          <p:nvPr>
+            <p:ph idx="1"/>
+          </p:nvPr>
+        </p:nvSpPr>
+        <p:spPr>
+          <a:xfrm>
+            <a:off x="580234" y="1025498"/>
+            <a:ext cx="10852237" cy="5388907"/>
+          </a:xfrm>
+        </p:spPr>
+        <p:txBody>
+          <a:bodyPr>
+            <a:normAutofit fontScale="77500" lnSpcReduction="20000"/>
+          </a:bodyPr>
+          <a:lstStyle/>
+          <a:p>
+            <a:pPr marL="0" indent="0">
+              <a:buNone/>
+            </a:pPr>
+            <a:r>
+              <a:rPr lang="zh-CN" altLang="en-US" sz="1800" b="0" i="0" dirty="0">
+                <a:effectLst/>
+                <a:latin typeface="Söhne"/>
+              </a:rPr>
+              <a:t>该函数通过模拟分析过程，根据预测分析表逐步推导输入字符串，最终判断输入的字符串是否符合给定的 </a:t>
+            </a:r>
+            <a:r>
+              <a:rPr lang="en-US" altLang="zh-CN" sz="1800" b="0" i="0" dirty="0">
+                <a:effectLst/>
+                <a:latin typeface="Söhne"/>
+              </a:rPr>
+              <a:t>LL(1) </a:t>
+            </a:r>
+            <a:r>
+              <a:rPr lang="zh-CN" altLang="en-US" sz="1800" b="0" i="0" dirty="0">
+                <a:effectLst/>
+                <a:latin typeface="Söhne"/>
+              </a:rPr>
+              <a:t>文法。</a:t>
+            </a:r>
+            <a:endParaRPr lang="en-US" altLang="zh-CN" sz="1800" b="1" i="0" dirty="0">
+              <a:effectLst/>
+              <a:latin typeface="Söhne"/>
+            </a:endParaRPr>
+          </a:p>
+          <a:p>
+            <a:pPr marL="0" indent="0" algn="l">
+              <a:buNone/>
+            </a:pPr>
+            <a:r>
+              <a:rPr lang="en-US" altLang="zh-CN" sz="1800" b="1" i="0" dirty="0">
+                <a:effectLst/>
+                <a:latin typeface="Söhne"/>
+              </a:rPr>
+              <a:t>· </a:t>
+            </a:r>
+            <a:r>
+              <a:rPr lang="zh-CN" altLang="en-US" sz="1800" b="1" i="0" dirty="0">
+                <a:solidFill>
+                  <a:srgbClr val="FF0000"/>
+                </a:solidFill>
+                <a:effectLst/>
+                <a:latin typeface="Söhne"/>
+              </a:rPr>
+              <a:t>初始化</a:t>
+            </a:r>
+            <a:r>
+              <a:rPr lang="zh-CN" altLang="en-US" sz="1800" b="1" i="0" dirty="0">
+                <a:effectLst/>
+                <a:latin typeface="Söhne"/>
+              </a:rPr>
+              <a:t>：</a:t>
+            </a:r>
+            <a:endParaRPr lang="zh-CN" altLang="en-US" sz="1800" b="0" i="0" dirty="0">
+              <a:effectLst/>
+              <a:latin typeface="Söhne"/>
+            </a:endParaRPr>
+          </a:p>
+          <a:p>
+            <a:pPr marL="742950" lvl="1" indent="-285750" algn="l">
+              <a:buFont typeface="+mj-lt"/>
+              <a:buAutoNum type="arabicPeriod"/>
+            </a:pPr>
+            <a:r>
+              <a:rPr lang="zh-CN" altLang="en-US" sz="1800" b="0" i="0" dirty="0">
+                <a:effectLst/>
+                <a:latin typeface="Söhne"/>
+              </a:rPr>
+              <a:t>读取输入的字符串，初始化输入字符串和分析栈</a:t>
+            </a:r>
+          </a:p>
+          <a:p>
+            <a:pPr marL="742950" lvl="1" indent="-285750" algn="l">
+              <a:buFont typeface="+mj-lt"/>
+              <a:buAutoNum type="arabicPeriod"/>
+            </a:pPr>
+            <a:r>
+              <a:rPr lang="zh-CN" altLang="en-US" sz="1800" b="0" i="0" dirty="0">
+                <a:effectLst/>
+                <a:latin typeface="Söhne"/>
+              </a:rPr>
+              <a:t>将输入字符串末尾添加结束符号，并初始化分析栈，将结束符号和文法开始符号入栈</a:t>
+            </a:r>
+          </a:p>
+          <a:p>
+            <a:pPr marL="0" indent="0" algn="l">
+              <a:buNone/>
+            </a:pPr>
+            <a:r>
+              <a:rPr lang="en-US" altLang="zh-CN" sz="1800" b="1" i="0" dirty="0">
+                <a:effectLst/>
+                <a:latin typeface="Söhne"/>
+              </a:rPr>
+              <a:t>· </a:t>
+            </a:r>
+            <a:r>
+              <a:rPr lang="zh-CN" altLang="en-US" sz="1800" b="1" i="0" dirty="0">
+                <a:solidFill>
+                  <a:srgbClr val="FF0000"/>
+                </a:solidFill>
+                <a:effectLst/>
+                <a:latin typeface="Söhne"/>
+              </a:rPr>
+              <a:t>分析过程</a:t>
+            </a:r>
+            <a:r>
+              <a:rPr lang="zh-CN" altLang="en-US" sz="1800" b="1" i="0" dirty="0">
+                <a:effectLst/>
+                <a:latin typeface="Söhne"/>
+              </a:rPr>
+              <a:t>（</a:t>
+            </a:r>
+            <a:r>
+              <a:rPr lang="zh-CN" altLang="en-US" sz="1800" b="1" i="0" dirty="0">
+                <a:solidFill>
+                  <a:schemeClr val="accent3">
+                    <a:lumMod val="75000"/>
+                  </a:schemeClr>
+                </a:solidFill>
+                <a:effectLst/>
+                <a:latin typeface="Söhne"/>
+              </a:rPr>
+              <a:t>如图</a:t>
+            </a:r>
+            <a:r>
+              <a:rPr lang="zh-CN" altLang="en-US" sz="1800" b="1" i="0" dirty="0">
+                <a:effectLst/>
+                <a:latin typeface="Söhne"/>
+              </a:rPr>
+              <a:t>）：</a:t>
+            </a:r>
+            <a:endParaRPr lang="zh-CN" altLang="en-US" sz="1800" b="0" i="0" dirty="0">
+              <a:effectLst/>
+              <a:latin typeface="Söhne"/>
+            </a:endParaRPr>
+          </a:p>
+          <a:p>
+            <a:pPr marL="457200" lvl="1" indent="0" algn="l">
+              <a:buNone/>
+            </a:pPr>
+            <a:r>
+              <a:rPr lang="zh-CN" altLang="en-US" sz="1800" b="0" i="0" dirty="0">
+                <a:effectLst/>
+                <a:latin typeface="Söhne"/>
+              </a:rPr>
+              <a:t>在一个循环中，不断执行以下步骤，直到分析栈为空：</a:t>
+            </a:r>
+          </a:p>
+          <a:p>
+            <a:pPr marL="1143000" lvl="2" indent="-228600" algn="l">
+              <a:buFont typeface="+mj-lt"/>
+              <a:buAutoNum type="arabicPeriod"/>
+            </a:pPr>
+            <a:r>
+              <a:rPr lang="zh-CN" altLang="en-US" sz="1800" b="0" i="0" dirty="0">
+                <a:effectLst/>
+                <a:latin typeface="Söhne"/>
+              </a:rPr>
+              <a:t>获取分析栈的栈顶符号和输入字符串的当前符号</a:t>
+            </a:r>
+          </a:p>
+          <a:p>
+            <a:pPr marL="1143000" lvl="2" indent="-228600" algn="l">
+              <a:buFont typeface="+mj-lt"/>
+              <a:buAutoNum type="arabicPeriod"/>
+            </a:pPr>
+            <a:r>
+              <a:rPr lang="zh-CN" altLang="en-US" sz="1800" b="0" i="0" dirty="0">
+                <a:effectLst/>
+                <a:latin typeface="Söhne"/>
+              </a:rPr>
+              <a:t>如果栈顶符号是非终结符，查找预测分析表，获取对应的产生式</a:t>
+            </a:r>
+          </a:p>
+          <a:p>
+            <a:pPr marL="1143000" lvl="2" indent="-228600" algn="l">
+              <a:buFont typeface="+mj-lt"/>
+              <a:buAutoNum type="arabicPeriod"/>
+            </a:pPr>
+            <a:r>
+              <a:rPr lang="zh-CN" altLang="en-US" sz="1800" b="0" i="0" dirty="0">
+                <a:effectLst/>
+                <a:latin typeface="Söhne"/>
+              </a:rPr>
+              <a:t>如果栈顶符号与当前输入符号匹配，出栈</a:t>
+            </a:r>
+          </a:p>
+          <a:p>
+            <a:pPr marL="1143000" lvl="2" indent="-228600" algn="l">
+              <a:buFont typeface="+mj-lt"/>
+              <a:buAutoNum type="arabicPeriod"/>
+            </a:pPr>
+            <a:r>
+              <a:rPr lang="zh-CN" altLang="en-US" sz="1800" b="0" i="0" dirty="0">
+                <a:effectLst/>
+                <a:latin typeface="Söhne"/>
+              </a:rPr>
+              <a:t>如果栈顶符号和当前输入符号不匹配，报错并结束分析</a:t>
+            </a:r>
+          </a:p>
+          <a:p>
+            <a:pPr marL="1143000" lvl="2" indent="-228600" algn="l">
+              <a:buFont typeface="+mj-lt"/>
+              <a:buAutoNum type="arabicPeriod"/>
+            </a:pPr>
+            <a:r>
+              <a:rPr lang="zh-CN" altLang="en-US" sz="1800" b="0" i="0" dirty="0">
+                <a:effectLst/>
+                <a:latin typeface="Söhne"/>
+              </a:rPr>
+              <a:t>如果栈顶符号是结束符号，表示输入符合文法，输出</a:t>
+            </a:r>
+            <a:r>
+              <a:rPr lang="en-US" altLang="zh-CN" sz="1800" b="0" i="0" dirty="0">
+                <a:effectLst/>
+                <a:latin typeface="Söhne"/>
+              </a:rPr>
+              <a:t>"</a:t>
+            </a:r>
+            <a:r>
+              <a:rPr lang="zh-CN" altLang="en-US" sz="1800" b="0" i="0" dirty="0">
+                <a:effectLst/>
+                <a:latin typeface="Söhne"/>
+              </a:rPr>
+              <a:t>接受</a:t>
+            </a:r>
+            <a:r>
+              <a:rPr lang="en-US" altLang="zh-CN" sz="1800" b="0" i="0" dirty="0">
+                <a:effectLst/>
+                <a:latin typeface="Söhne"/>
+              </a:rPr>
+              <a:t>"</a:t>
+            </a:r>
+            <a:endParaRPr lang="zh-CN" altLang="en-US" sz="1800" b="0" i="0" dirty="0">
+              <a:effectLst/>
+              <a:latin typeface="Söhne"/>
+            </a:endParaRPr>
+          </a:p>
+          <a:p>
+            <a:pPr marL="1143000" lvl="2" indent="-228600" algn="l">
+              <a:buFont typeface="+mj-lt"/>
+              <a:buAutoNum type="arabicPeriod"/>
+            </a:pPr>
+            <a:r>
+              <a:rPr lang="zh-CN" altLang="en-US" sz="1800" b="0" i="0" dirty="0">
+                <a:effectLst/>
+                <a:latin typeface="Söhne"/>
+              </a:rPr>
+              <a:t>否则，输出使用的产生式，并将产生式右侧逆序入栈</a:t>
+            </a:r>
+          </a:p>
+          <a:p>
+            <a:pPr marL="0" indent="0" algn="l">
+              <a:buNone/>
+            </a:pPr>
+            <a:r>
+              <a:rPr lang="en-US" altLang="zh-CN" sz="1800" b="1" i="0" dirty="0">
+                <a:effectLst/>
+                <a:latin typeface="Söhne"/>
+              </a:rPr>
+              <a:t>· </a:t>
+            </a:r>
+            <a:r>
+              <a:rPr lang="zh-CN" altLang="en-US" sz="1800" b="1" i="0" dirty="0">
+                <a:solidFill>
+                  <a:srgbClr val="FF0000"/>
+                </a:solidFill>
+                <a:effectLst/>
+                <a:latin typeface="Söhne"/>
+              </a:rPr>
+              <a:t>分析结果输出</a:t>
+            </a:r>
+            <a:r>
+              <a:rPr lang="zh-CN" altLang="en-US" sz="1800" b="1" i="0" dirty="0">
+                <a:effectLst/>
+                <a:latin typeface="Söhne"/>
+              </a:rPr>
+              <a:t>：</a:t>
+            </a:r>
+            <a:endParaRPr lang="zh-CN" altLang="en-US" sz="1800" b="0" i="0" dirty="0">
+              <a:effectLst/>
+              <a:latin typeface="Söhne"/>
+            </a:endParaRPr>
+          </a:p>
+          <a:p>
+            <a:pPr marL="457200" lvl="1" indent="0" algn="l">
+              <a:buNone/>
+            </a:pPr>
+            <a:r>
+              <a:rPr lang="zh-CN" altLang="en-US" sz="1800" b="0" i="0" dirty="0">
+                <a:effectLst/>
+                <a:latin typeface="Söhne"/>
+              </a:rPr>
+              <a:t>根据分析过程的结果，输出分析成功或失败的信息</a:t>
+            </a:r>
+          </a:p>
+          <a:p>
+            <a:endParaRPr lang="zh-CN" altLang="en-US" dirty="0"/>
+          </a:p>
+        </p:txBody>
+      </p:sp>
+    </p:spTree>
+  </p:cSld>
+  <p:clrMapOvr>
+    <a:masterClrMapping/>
+  </p:clrMapOvr>
+</p:sld>
+</file>
+
+<file path=ppt/slides/slide18.xml><?xml version="1.0" encoding="utf-8"?>
+<p:sld xmlns:a="http://schemas.openxmlformats.org/drawingml/2006/main" xmlns:r="http://schemas.openxmlformats.org/officeDocument/2006/relationships" xmlns:p="http://schemas.openxmlformats.org/presentationml/2006/main">
+  <p:cSld>
+    <p:spTree>
+      <p:nvGrpSpPr>
+        <p:cNvPr id="1" name=""/>
+        <p:cNvGrpSpPr/>
+        <p:nvPr/>
+      </p:nvGrpSpPr>
+      <p:grpSpPr>
+        <a:xfrm>
+          <a:off x="0" y="0"/>
+          <a:ext cx="0" cy="0"/>
+          <a:chOff x="0" y="0"/>
+          <a:chExt cx="0" cy="0"/>
+        </a:xfrm>
+      </p:grpSpPr>
+      <p:sp>
+        <p:nvSpPr>
+          <p:cNvPr id="2" name="标题 1"/>
           <p:cNvSpPr>
             <a:spLocks noGrp="1"/>
           </p:cNvSpPr>
@@ -19051,13 +19278,7 @@
       </p:sp>
       <p:sp>
         <p:nvSpPr>
-          <p:cNvPr id="3" name="内容占位符 2">
-            <a:extLst>
-              <a:ext uri="{FF2B5EF4-FFF2-40B4-BE49-F238E27FC236}">
-                <a16:creationId xmlns:a16="http://schemas.microsoft.com/office/drawing/2014/main" id="{7EB257FE-C229-0E97-E12A-4E4A0EACD8B8}"/>
-              </a:ext>
-            </a:extLst>
-          </p:cNvPr>
+          <p:cNvPr id="3" name="内容占位符 2"/>
           <p:cNvSpPr>
             <a:spLocks noGrp="1"/>
           </p:cNvSpPr>
@@ -19125,13 +19346,7 @@
       </p:sp>
       <p:pic>
         <p:nvPicPr>
-          <p:cNvPr id="8" name="图片 7">
-            <a:extLst>
-              <a:ext uri="{FF2B5EF4-FFF2-40B4-BE49-F238E27FC236}">
-                <a16:creationId xmlns:a16="http://schemas.microsoft.com/office/drawing/2014/main" id="{19B5DE8D-909B-29F2-56FC-D55E9975DEB6}"/>
-              </a:ext>
-            </a:extLst>
-          </p:cNvPr>
+          <p:cNvPr id="8" name="图片 7"/>
           <p:cNvPicPr>
             <a:picLocks noChangeAspect="1"/>
           </p:cNvPicPr>
@@ -19154,11 +19369,6 @@
         </p:spPr>
       </p:pic>
     </p:spTree>
-    <p:extLst>
-      <p:ext uri="{BB962C8B-B14F-4D97-AF65-F5344CB8AC3E}">
-        <p14:creationId xmlns:p14="http://schemas.microsoft.com/office/powerpoint/2010/main" val="1761997944"/>
-      </p:ext>
-    </p:extLst>
   </p:cSld>
   <p:clrMapOvr>
     <a:masterClrMapping/>
@@ -19166,7 +19376,7 @@
 </p:sld>
 </file>
 
-<file path=ppt/slides/slide18.xml><?xml version="1.0" encoding="utf-8"?>
+<file path=ppt/slides/slide19.xml><?xml version="1.0" encoding="utf-8"?>
 <p:sld xmlns:a="http://schemas.openxmlformats.org/drawingml/2006/main" xmlns:r="http://schemas.openxmlformats.org/officeDocument/2006/relationships" xmlns:p="http://schemas.openxmlformats.org/presentationml/2006/main">
   <p:cSld>
     <p:spTree>
@@ -19185,13 +19395,7 @@
       </p:grpSpPr>
       <p:pic>
         <p:nvPicPr>
-          <p:cNvPr id="5" name="图片 4">
-            <a:extLst>
-              <a:ext uri="{FF2B5EF4-FFF2-40B4-BE49-F238E27FC236}">
-                <a16:creationId xmlns:a16="http://schemas.microsoft.com/office/drawing/2014/main" id="{6117749A-AA75-CF84-AA6B-DDBC2B46773C}"/>
-              </a:ext>
-            </a:extLst>
-          </p:cNvPr>
+          <p:cNvPr id="5" name="图片 4"/>
           <p:cNvPicPr>
             <a:picLocks noChangeAspect="1"/>
           </p:cNvPicPr>
@@ -19215,13 +19419,7 @@
       </p:pic>
       <p:sp>
         <p:nvSpPr>
-          <p:cNvPr id="2" name="标题 1">
-            <a:extLst>
-              <a:ext uri="{FF2B5EF4-FFF2-40B4-BE49-F238E27FC236}">
-                <a16:creationId xmlns:a16="http://schemas.microsoft.com/office/drawing/2014/main" id="{ADC0A336-9202-DE2E-BC03-7009D4E1781B}"/>
-              </a:ext>
-            </a:extLst>
-          </p:cNvPr>
+          <p:cNvPr id="2" name="标题 1"/>
           <p:cNvSpPr>
             <a:spLocks noGrp="1"/>
           </p:cNvSpPr>
@@ -19265,13 +19463,7 @@
       </p:sp>
       <p:sp>
         <p:nvSpPr>
-          <p:cNvPr id="3" name="内容占位符 2">
-            <a:extLst>
-              <a:ext uri="{FF2B5EF4-FFF2-40B4-BE49-F238E27FC236}">
-                <a16:creationId xmlns:a16="http://schemas.microsoft.com/office/drawing/2014/main" id="{7EB257FE-C229-0E97-E12A-4E4A0EACD8B8}"/>
-              </a:ext>
-            </a:extLst>
-          </p:cNvPr>
+          <p:cNvPr id="3" name="内容占位符 2"/>
           <p:cNvSpPr>
             <a:spLocks noGrp="1"/>
           </p:cNvSpPr>
@@ -19379,271 +19571,6 @@
         </p:txBody>
       </p:sp>
     </p:spTree>
-    <p:extLst>
-      <p:ext uri="{BB962C8B-B14F-4D97-AF65-F5344CB8AC3E}">
-        <p14:creationId xmlns:p14="http://schemas.microsoft.com/office/powerpoint/2010/main" val="2838705127"/>
-      </p:ext>
-    </p:extLst>
-  </p:cSld>
-  <p:clrMapOvr>
-    <a:masterClrMapping/>
-  </p:clrMapOvr>
-</p:sld>
-</file>
-
-<file path=ppt/slides/slide19.xml><?xml version="1.0" encoding="utf-8"?>
-<p:sld xmlns:a="http://schemas.openxmlformats.org/drawingml/2006/main" xmlns:r="http://schemas.openxmlformats.org/officeDocument/2006/relationships" xmlns:p="http://schemas.openxmlformats.org/presentationml/2006/main">
-  <p:cSld>
-    <p:spTree>
-      <p:nvGrpSpPr>
-        <p:cNvPr id="1" name=""/>
-        <p:cNvGrpSpPr/>
-        <p:nvPr/>
-      </p:nvGrpSpPr>
-      <p:grpSpPr>
-        <a:xfrm>
-          <a:off x="0" y="0"/>
-          <a:ext cx="0" cy="0"/>
-          <a:chOff x="0" y="0"/>
-          <a:chExt cx="0" cy="0"/>
-        </a:xfrm>
-      </p:grpSpPr>
-      <p:sp>
-        <p:nvSpPr>
-          <p:cNvPr id="2" name="标题 1">
-            <a:extLst>
-              <a:ext uri="{FF2B5EF4-FFF2-40B4-BE49-F238E27FC236}">
-                <a16:creationId xmlns:a16="http://schemas.microsoft.com/office/drawing/2014/main" id="{ADC0A336-9202-DE2E-BC03-7009D4E1781B}"/>
-              </a:ext>
-            </a:extLst>
-          </p:cNvPr>
-          <p:cNvSpPr>
-            <a:spLocks noGrp="1"/>
-          </p:cNvSpPr>
-          <p:nvPr>
-            <p:ph type="title"/>
-          </p:nvPr>
-        </p:nvSpPr>
-        <p:spPr/>
-        <p:txBody>
-          <a:bodyPr>
-            <a:normAutofit fontScale="90000"/>
-          </a:bodyPr>
-          <a:lstStyle/>
-          <a:p>
-            <a:r>
-              <a:rPr lang="en-US" altLang="zh-CN" dirty="0"/>
-              <a:t>2.3 </a:t>
-            </a:r>
-            <a:r>
-              <a:rPr lang="zh-CN" altLang="en-US" dirty="0"/>
-              <a:t>代码设计 </a:t>
-            </a:r>
-            <a:r>
-              <a:rPr lang="en-US" altLang="zh-CN" dirty="0"/>
-              <a:t>: </a:t>
-            </a:r>
-            <a:r>
-              <a:rPr lang="en-US" altLang="zh-CN" dirty="0" err="1"/>
-              <a:t>analysisprocess</a:t>
-            </a:r>
-            <a:r>
-              <a:rPr lang="en-US" altLang="zh-CN" dirty="0"/>
-              <a:t>() </a:t>
-            </a:r>
-            <a:r>
-              <a:rPr lang="zh-CN" altLang="en-US" dirty="0"/>
-              <a:t>函数进行语法分析</a:t>
-            </a:r>
-          </a:p>
-        </p:txBody>
-      </p:sp>
-      <p:sp>
-        <p:nvSpPr>
-          <p:cNvPr id="3" name="内容占位符 2">
-            <a:extLst>
-              <a:ext uri="{FF2B5EF4-FFF2-40B4-BE49-F238E27FC236}">
-                <a16:creationId xmlns:a16="http://schemas.microsoft.com/office/drawing/2014/main" id="{7EB257FE-C229-0E97-E12A-4E4A0EACD8B8}"/>
-              </a:ext>
-            </a:extLst>
-          </p:cNvPr>
-          <p:cNvSpPr>
-            <a:spLocks noGrp="1"/>
-          </p:cNvSpPr>
-          <p:nvPr>
-            <p:ph idx="1"/>
-          </p:nvPr>
-        </p:nvSpPr>
-        <p:spPr>
-          <a:xfrm>
-            <a:off x="6096000" y="1038687"/>
-            <a:ext cx="5426119" cy="5535737"/>
-          </a:xfrm>
-        </p:spPr>
-        <p:txBody>
-          <a:bodyPr>
-            <a:normAutofit lnSpcReduction="10000"/>
-          </a:bodyPr>
-          <a:lstStyle/>
-          <a:p>
-            <a:r>
-              <a:rPr lang="zh-CN" altLang="en-US" dirty="0"/>
-              <a:t>若</a:t>
-            </a:r>
-            <a:r>
-              <a:rPr lang="en-US" altLang="zh-CN" dirty="0" err="1"/>
-              <a:t>current_input</a:t>
-            </a:r>
-            <a:r>
-              <a:rPr lang="zh-CN" altLang="en-US" dirty="0"/>
-              <a:t>在第二层字典的键中，将两个键值输入，然后得到对应的产生式存储到</a:t>
-            </a:r>
-            <a:r>
-              <a:rPr lang="en-US" altLang="zh-CN" dirty="0" err="1"/>
-              <a:t>production_str</a:t>
-            </a:r>
-            <a:r>
-              <a:rPr lang="zh-CN" altLang="en-US" dirty="0"/>
-              <a:t>中。</a:t>
-            </a:r>
-            <a:endParaRPr lang="en-US" altLang="zh-CN" dirty="0"/>
-          </a:p>
-          <a:p>
-            <a:r>
-              <a:rPr lang="zh-CN" altLang="en-US" dirty="0"/>
-              <a:t>只要产生式不为空，输出使用产生式，</a:t>
-            </a:r>
-            <a:r>
-              <a:rPr lang="en-US" altLang="zh-CN" dirty="0"/>
-              <a:t> </a:t>
-            </a:r>
-            <a:r>
-              <a:rPr lang="en-US" altLang="zh-CN" dirty="0" err="1"/>
-              <a:t>production_str</a:t>
-            </a:r>
-            <a:r>
-              <a:rPr lang="zh-CN" altLang="en-US" dirty="0"/>
-              <a:t>，然后弹出上一个非终结符，将产生式右侧逆序压入栈中。</a:t>
-            </a:r>
-            <a:endParaRPr lang="en-US" altLang="zh-CN" dirty="0"/>
-          </a:p>
-          <a:p>
-            <a:r>
-              <a:rPr lang="zh-CN" altLang="en-US" dirty="0"/>
-              <a:t>如果产生式为空，输出分析失败，无法找到对应产生式。</a:t>
-            </a:r>
-            <a:endParaRPr lang="en-US" altLang="zh-CN" dirty="0"/>
-          </a:p>
-          <a:p>
-            <a:r>
-              <a:rPr lang="zh-CN" altLang="en-US" dirty="0"/>
-              <a:t>如果</a:t>
-            </a:r>
-            <a:r>
-              <a:rPr lang="en-US" altLang="zh-CN" dirty="0" err="1"/>
-              <a:t>current_input</a:t>
-            </a:r>
-            <a:r>
-              <a:rPr lang="zh-CN" altLang="en-US" dirty="0"/>
-              <a:t>直接不在第二层字典的减重，无法找到对应的终结符，直接输出失败，返回。</a:t>
-            </a:r>
-            <a:endParaRPr lang="en-US" altLang="zh-CN" dirty="0"/>
-          </a:p>
-          <a:p>
-            <a:r>
-              <a:rPr lang="zh-CN" altLang="en-US" dirty="0"/>
-              <a:t>当栈顶元素与</a:t>
-            </a:r>
-            <a:r>
-              <a:rPr lang="en-US" altLang="zh-CN" dirty="0" err="1"/>
-              <a:t>current_input</a:t>
-            </a:r>
-            <a:r>
-              <a:rPr lang="zh-CN" altLang="en-US" dirty="0"/>
-              <a:t>第</a:t>
-            </a:r>
-            <a:r>
-              <a:rPr lang="en-US" altLang="zh-CN" dirty="0" err="1"/>
-              <a:t>input_index</a:t>
-            </a:r>
-            <a:r>
-              <a:rPr lang="zh-CN" altLang="en-US" dirty="0"/>
-              <a:t>个字符相等，将这个终结符出栈，同时输出接受。</a:t>
-            </a:r>
-            <a:endParaRPr lang="en-US" altLang="zh-CN" dirty="0"/>
-          </a:p>
-          <a:p>
-            <a:r>
-              <a:rPr lang="zh-CN" altLang="en-US" dirty="0"/>
-              <a:t>然后将索引</a:t>
-            </a:r>
-            <a:r>
-              <a:rPr lang="en-US" altLang="zh-CN" dirty="0"/>
-              <a:t>input_index+1</a:t>
-            </a:r>
-            <a:r>
-              <a:rPr lang="zh-CN" altLang="en-US" dirty="0"/>
-              <a:t>，进行下一个循环。</a:t>
-            </a:r>
-            <a:endParaRPr lang="en-US" altLang="zh-CN" dirty="0"/>
-          </a:p>
-          <a:p>
-            <a:r>
-              <a:rPr lang="zh-CN" altLang="en-US" dirty="0"/>
-              <a:t>如果栈顶符号是终结符，但与输入符号不匹配分析失败，返回。</a:t>
-            </a:r>
-            <a:endParaRPr lang="en-US" altLang="zh-CN" dirty="0"/>
-          </a:p>
-          <a:p>
-            <a:pPr marL="0" indent="0">
-              <a:buNone/>
-            </a:pPr>
-            <a:endParaRPr lang="en-US" altLang="zh-CN" dirty="0"/>
-          </a:p>
-          <a:p>
-            <a:endParaRPr lang="en-US" altLang="zh-CN" dirty="0"/>
-          </a:p>
-          <a:p>
-            <a:endParaRPr lang="en-US" altLang="zh-CN" dirty="0"/>
-          </a:p>
-        </p:txBody>
-      </p:sp>
-      <p:pic>
-        <p:nvPicPr>
-          <p:cNvPr id="4" name="图片 3">
-            <a:extLst>
-              <a:ext uri="{FF2B5EF4-FFF2-40B4-BE49-F238E27FC236}">
-                <a16:creationId xmlns:a16="http://schemas.microsoft.com/office/drawing/2014/main" id="{079E425F-1CAB-CC98-0961-27A3EFB6A05F}"/>
-              </a:ext>
-            </a:extLst>
-          </p:cNvPr>
-          <p:cNvPicPr>
-            <a:picLocks noChangeAspect="1"/>
-          </p:cNvPicPr>
-          <p:nvPr/>
-        </p:nvPicPr>
-        <p:blipFill>
-          <a:blip r:embed="rId2"/>
-          <a:stretch>
-            <a:fillRect/>
-          </a:stretch>
-        </p:blipFill>
-        <p:spPr>
-          <a:xfrm>
-            <a:off x="669881" y="820154"/>
-            <a:ext cx="4471069" cy="5972802"/>
-          </a:xfrm>
-          <a:prstGeom prst="rect">
-            <a:avLst/>
-          </a:prstGeom>
-        </p:spPr>
-      </p:pic>
-    </p:spTree>
-    <p:extLst>
-      <p:ext uri="{BB962C8B-B14F-4D97-AF65-F5344CB8AC3E}">
-        <p14:creationId xmlns:p14="http://schemas.microsoft.com/office/powerpoint/2010/main" val="71659349"/>
-      </p:ext>
-    </p:extLst>
   </p:cSld>
   <p:clrMapOvr>
     <a:masterClrMapping/>
@@ -23231,18 +23158,9 @@
   <p:clrMapOvr>
     <a:masterClrMapping/>
   </p:clrMapOvr>
-  <mc:AlternateContent xmlns:mc="http://schemas.openxmlformats.org/markup-compatibility/2006" xmlns:p14="http://schemas.microsoft.com/office/powerpoint/2010/main">
-    <mc:Choice Requires="p14">
-      <p:transition spd="slow">
-        <p:wipe dir="r"/>
-      </p:transition>
-    </mc:Choice>
-    <mc:Fallback xmlns="">
-      <p:transition spd="slow">
-        <p:wipe dir="r"/>
-      </p:transition>
-    </mc:Fallback>
-  </mc:AlternateContent>
+  <p:transition spd="slow">
+    <p:wipe dir="r"/>
+  </p:transition>
 </p:sld>
 </file>
 
@@ -23265,13 +23183,7 @@
       </p:grpSpPr>
       <p:sp>
         <p:nvSpPr>
-          <p:cNvPr id="2" name="标题 1">
-            <a:extLst>
-              <a:ext uri="{FF2B5EF4-FFF2-40B4-BE49-F238E27FC236}">
-                <a16:creationId xmlns:a16="http://schemas.microsoft.com/office/drawing/2014/main" id="{ADC0A336-9202-DE2E-BC03-7009D4E1781B}"/>
-              </a:ext>
-            </a:extLst>
-          </p:cNvPr>
+          <p:cNvPr id="2" name="标题 1"/>
           <p:cNvSpPr>
             <a:spLocks noGrp="1"/>
           </p:cNvSpPr>
@@ -23315,13 +23227,7 @@
       </p:sp>
       <p:sp>
         <p:nvSpPr>
-          <p:cNvPr id="3" name="内容占位符 2">
-            <a:extLst>
-              <a:ext uri="{FF2B5EF4-FFF2-40B4-BE49-F238E27FC236}">
-                <a16:creationId xmlns:a16="http://schemas.microsoft.com/office/drawing/2014/main" id="{7EB257FE-C229-0E97-E12A-4E4A0EACD8B8}"/>
-              </a:ext>
-            </a:extLst>
-          </p:cNvPr>
+          <p:cNvPr id="3" name="内容占位符 2"/>
           <p:cNvSpPr>
             <a:spLocks noGrp="1"/>
           </p:cNvSpPr>
@@ -23331,51 +23237,129 @@
         </p:nvSpPr>
         <p:spPr>
           <a:xfrm>
-            <a:off x="5228949" y="2666674"/>
-            <a:ext cx="7109677" cy="1681411"/>
+            <a:off x="6096000" y="1038687"/>
+            <a:ext cx="5426119" cy="5535737"/>
           </a:xfrm>
         </p:spPr>
         <p:txBody>
           <a:bodyPr>
-            <a:normAutofit fontScale="70000" lnSpcReduction="20000"/>
+            <a:normAutofit lnSpcReduction="10000"/>
           </a:bodyPr>
           <a:lstStyle/>
           <a:p>
             <a:r>
-              <a:rPr lang="zh-CN" altLang="en-US" sz="2300" dirty="0"/>
-              <a:t>当栈是空，且索引（索引由于输出</a:t>
-            </a:r>
-            <a:r>
-              <a:rPr lang="en-US" altLang="zh-CN" sz="2300" dirty="0"/>
-              <a:t>#</a:t>
-            </a:r>
-            <a:r>
-              <a:rPr lang="zh-CN" altLang="en-US" sz="2300" dirty="0"/>
-              <a:t>多输出一次，初值为</a:t>
-            </a:r>
-            <a:r>
-              <a:rPr lang="en-US" altLang="zh-CN" sz="2300" dirty="0"/>
-              <a:t>0</a:t>
-            </a:r>
-            <a:r>
-              <a:rPr lang="zh-CN" altLang="en-US" sz="2300" dirty="0"/>
-              <a:t>是正确的）等于字符串长度时，分析成功，符号文法</a:t>
-            </a:r>
-            <a:endParaRPr lang="en-US" altLang="zh-CN" sz="2300" dirty="0"/>
-          </a:p>
-          <a:p>
-            <a:r>
-              <a:rPr lang="zh-CN" altLang="en-US" sz="2300" dirty="0"/>
-              <a:t>若否，分析失败，不符合文法</a:t>
-            </a:r>
-            <a:endParaRPr lang="en-US" altLang="zh-CN" sz="2300" dirty="0"/>
-          </a:p>
-          <a:p>
-            <a:r>
-              <a:rPr lang="zh-CN" altLang="en-US" sz="2300" dirty="0"/>
-              <a:t>返回上一个函数。</a:t>
-            </a:r>
-            <a:endParaRPr lang="en-US" altLang="zh-CN" sz="2300" dirty="0"/>
+              <a:rPr lang="zh-CN" altLang="en-US" dirty="0"/>
+              <a:t>若</a:t>
+            </a:r>
+            <a:r>
+              <a:rPr lang="en-US" altLang="zh-CN" dirty="0" err="1"/>
+              <a:t>current_input</a:t>
+            </a:r>
+            <a:r>
+              <a:rPr lang="zh-CN" altLang="en-US" dirty="0"/>
+              <a:t>在第二层字典的键中，将两个键值输入，然后得到对应的产生式存储到</a:t>
+            </a:r>
+            <a:r>
+              <a:rPr lang="en-US" altLang="zh-CN" dirty="0" err="1"/>
+              <a:t>production_str</a:t>
+            </a:r>
+            <a:r>
+              <a:rPr lang="zh-CN" altLang="en-US" dirty="0"/>
+              <a:t>中。</a:t>
+            </a:r>
+            <a:endParaRPr lang="en-US" altLang="zh-CN" dirty="0"/>
+          </a:p>
+          <a:p>
+            <a:r>
+              <a:rPr lang="zh-CN" altLang="en-US" dirty="0"/>
+              <a:t>只要产生式不为空，输出使用产生式，</a:t>
+            </a:r>
+            <a:r>
+              <a:rPr lang="en-US" altLang="zh-CN" dirty="0"/>
+              <a:t> </a:t>
+            </a:r>
+            <a:r>
+              <a:rPr lang="en-US" altLang="zh-CN" dirty="0" err="1"/>
+              <a:t>production_str</a:t>
+            </a:r>
+            <a:r>
+              <a:rPr lang="zh-CN" altLang="en-US" dirty="0"/>
+              <a:t>，然后弹出上一个非终结符，将产生式右侧逆序压入栈中。</a:t>
+            </a:r>
+            <a:endParaRPr lang="en-US" altLang="zh-CN" dirty="0"/>
+          </a:p>
+          <a:p>
+            <a:r>
+              <a:rPr lang="zh-CN" altLang="en-US" dirty="0"/>
+              <a:t>如果产生式为空，输出分析失败，无法找到对应产生式。</a:t>
+            </a:r>
+            <a:endParaRPr lang="en-US" altLang="zh-CN" dirty="0"/>
+          </a:p>
+          <a:p>
+            <a:r>
+              <a:rPr lang="zh-CN" altLang="en-US" dirty="0"/>
+              <a:t>如果</a:t>
+            </a:r>
+            <a:r>
+              <a:rPr lang="en-US" altLang="zh-CN" dirty="0" err="1"/>
+              <a:t>current_input</a:t>
+            </a:r>
+            <a:r>
+              <a:rPr lang="zh-CN" altLang="en-US" dirty="0"/>
+              <a:t>直接不在第二层字典的减重，无法找到对应的终结符，直接输出失败，返回。</a:t>
+            </a:r>
+            <a:endParaRPr lang="en-US" altLang="zh-CN" dirty="0"/>
+          </a:p>
+          <a:p>
+            <a:r>
+              <a:rPr lang="zh-CN" altLang="en-US" dirty="0"/>
+              <a:t>当栈顶元素与</a:t>
+            </a:r>
+            <a:r>
+              <a:rPr lang="en-US" altLang="zh-CN" dirty="0" err="1"/>
+              <a:t>current_input</a:t>
+            </a:r>
+            <a:r>
+              <a:rPr lang="zh-CN" altLang="en-US" dirty="0"/>
+              <a:t>第</a:t>
+            </a:r>
+            <a:r>
+              <a:rPr lang="en-US" altLang="zh-CN" dirty="0" err="1"/>
+              <a:t>input_index</a:t>
+            </a:r>
+            <a:r>
+              <a:rPr lang="zh-CN" altLang="en-US" dirty="0"/>
+              <a:t>个字符相等，将这个终结符出栈，同时输出接受。</a:t>
+            </a:r>
+            <a:endParaRPr lang="en-US" altLang="zh-CN" dirty="0"/>
+          </a:p>
+          <a:p>
+            <a:r>
+              <a:rPr lang="zh-CN" altLang="en-US" dirty="0"/>
+              <a:t>然后将索引</a:t>
+            </a:r>
+            <a:r>
+              <a:rPr lang="en-US" altLang="zh-CN" dirty="0"/>
+              <a:t>input_index+1</a:t>
+            </a:r>
+            <a:r>
+              <a:rPr lang="zh-CN" altLang="en-US" dirty="0"/>
+              <a:t>，进行下一个循环。</a:t>
+            </a:r>
+            <a:endParaRPr lang="en-US" altLang="zh-CN" dirty="0"/>
+          </a:p>
+          <a:p>
+            <a:r>
+              <a:rPr lang="zh-CN" altLang="en-US" dirty="0"/>
+              <a:t>如果栈顶符号是终结符，但与输入符号不匹配分析失败，返回。</a:t>
+            </a:r>
+            <a:endParaRPr lang="en-US" altLang="zh-CN" dirty="0"/>
+          </a:p>
+          <a:p>
+            <a:pPr marL="0" indent="0">
+              <a:buNone/>
+            </a:pPr>
+            <a:endParaRPr lang="en-US" altLang="zh-CN" dirty="0"/>
           </a:p>
           <a:p>
             <a:endParaRPr lang="en-US" altLang="zh-CN" dirty="0"/>
@@ -23387,27 +23371,22 @@
       </p:sp>
       <p:pic>
         <p:nvPicPr>
-          <p:cNvPr id="5" name="图片 4">
-            <a:extLst>
-              <a:ext uri="{FF2B5EF4-FFF2-40B4-BE49-F238E27FC236}">
-                <a16:creationId xmlns:a16="http://schemas.microsoft.com/office/drawing/2014/main" id="{788DEC1A-EC4D-979D-683A-3C85BEFA30F4}"/>
-              </a:ext>
-            </a:extLst>
-          </p:cNvPr>
+          <p:cNvPr id="4" name="图片 3"/>
           <p:cNvPicPr>
             <a:picLocks noChangeAspect="1"/>
           </p:cNvPicPr>
           <p:nvPr/>
         </p:nvPicPr>
-        <p:blipFill rotWithShape="1">
+        <p:blipFill>
           <a:blip r:embed="rId2"/>
-          <a:srcRect r="11698"/>
-          <a:stretch/>
+          <a:stretch>
+            <a:fillRect/>
+          </a:stretch>
         </p:blipFill>
         <p:spPr>
           <a:xfrm>
-            <a:off x="765162" y="2180739"/>
-            <a:ext cx="4463787" cy="2496522"/>
+            <a:off x="669881" y="820154"/>
+            <a:ext cx="4471069" cy="5972802"/>
           </a:xfrm>
           <a:prstGeom prst="rect">
             <a:avLst/>
@@ -23415,11 +23394,6 @@
         </p:spPr>
       </p:pic>
     </p:spTree>
-    <p:extLst>
-      <p:ext uri="{BB962C8B-B14F-4D97-AF65-F5344CB8AC3E}">
-        <p14:creationId xmlns:p14="http://schemas.microsoft.com/office/powerpoint/2010/main" val="3188192652"/>
-      </p:ext>
-    </p:extLst>
   </p:cSld>
   <p:clrMapOvr>
     <a:masterClrMapping/>
@@ -23446,13 +23420,7 @@
       </p:grpSpPr>
       <p:sp>
         <p:nvSpPr>
-          <p:cNvPr id="2" name="标题 1">
-            <a:extLst>
-              <a:ext uri="{FF2B5EF4-FFF2-40B4-BE49-F238E27FC236}">
-                <a16:creationId xmlns:a16="http://schemas.microsoft.com/office/drawing/2014/main" id="{ADC0A336-9202-DE2E-BC03-7009D4E1781B}"/>
-              </a:ext>
-            </a:extLst>
-          </p:cNvPr>
+          <p:cNvPr id="2" name="标题 1"/>
           <p:cNvSpPr>
             <a:spLocks noGrp="1"/>
           </p:cNvSpPr>
@@ -23496,13 +23464,167 @@
       </p:sp>
       <p:sp>
         <p:nvSpPr>
-          <p:cNvPr id="3" name="内容占位符 2">
-            <a:extLst>
-              <a:ext uri="{FF2B5EF4-FFF2-40B4-BE49-F238E27FC236}">
-                <a16:creationId xmlns:a16="http://schemas.microsoft.com/office/drawing/2014/main" id="{7EB257FE-C229-0E97-E12A-4E4A0EACD8B8}"/>
-              </a:ext>
-            </a:extLst>
-          </p:cNvPr>
+          <p:cNvPr id="3" name="内容占位符 2"/>
+          <p:cNvSpPr>
+            <a:spLocks noGrp="1"/>
+          </p:cNvSpPr>
+          <p:nvPr>
+            <p:ph idx="1"/>
+          </p:nvPr>
+        </p:nvSpPr>
+        <p:spPr>
+          <a:xfrm>
+            <a:off x="5228949" y="2666674"/>
+            <a:ext cx="7109677" cy="1681411"/>
+          </a:xfrm>
+        </p:spPr>
+        <p:txBody>
+          <a:bodyPr>
+            <a:normAutofit fontScale="70000" lnSpcReduction="20000"/>
+          </a:bodyPr>
+          <a:lstStyle/>
+          <a:p>
+            <a:r>
+              <a:rPr lang="zh-CN" altLang="en-US" sz="2300" dirty="0"/>
+              <a:t>当栈是空，且索引（索引由于输出</a:t>
+            </a:r>
+            <a:r>
+              <a:rPr lang="en-US" altLang="zh-CN" sz="2300" dirty="0"/>
+              <a:t>#</a:t>
+            </a:r>
+            <a:r>
+              <a:rPr lang="zh-CN" altLang="en-US" sz="2300" dirty="0"/>
+              <a:t>多输出一次，初值为</a:t>
+            </a:r>
+            <a:r>
+              <a:rPr lang="en-US" altLang="zh-CN" sz="2300" dirty="0"/>
+              <a:t>0</a:t>
+            </a:r>
+            <a:r>
+              <a:rPr lang="zh-CN" altLang="en-US" sz="2300" dirty="0"/>
+              <a:t>是正确的）等于字符串长度时，分析成功，符号文法</a:t>
+            </a:r>
+            <a:endParaRPr lang="en-US" altLang="zh-CN" sz="2300" dirty="0"/>
+          </a:p>
+          <a:p>
+            <a:r>
+              <a:rPr lang="zh-CN" altLang="en-US" sz="2300" dirty="0"/>
+              <a:t>若否，分析失败，不符合文法</a:t>
+            </a:r>
+            <a:endParaRPr lang="en-US" altLang="zh-CN" sz="2300" dirty="0"/>
+          </a:p>
+          <a:p>
+            <a:r>
+              <a:rPr lang="zh-CN" altLang="en-US" sz="2300" dirty="0"/>
+              <a:t>返回上一个函数。</a:t>
+            </a:r>
+            <a:endParaRPr lang="en-US" altLang="zh-CN" sz="2300" dirty="0"/>
+          </a:p>
+          <a:p>
+            <a:endParaRPr lang="en-US" altLang="zh-CN" dirty="0"/>
+          </a:p>
+          <a:p>
+            <a:endParaRPr lang="en-US" altLang="zh-CN" dirty="0"/>
+          </a:p>
+        </p:txBody>
+      </p:sp>
+      <p:pic>
+        <p:nvPicPr>
+          <p:cNvPr id="5" name="图片 4"/>
+          <p:cNvPicPr>
+            <a:picLocks noChangeAspect="1"/>
+          </p:cNvPicPr>
+          <p:nvPr/>
+        </p:nvPicPr>
+        <p:blipFill rotWithShape="1">
+          <a:blip r:embed="rId2"/>
+          <a:srcRect r="11698"/>
+          <a:stretch>
+            <a:fillRect/>
+          </a:stretch>
+        </p:blipFill>
+        <p:spPr>
+          <a:xfrm>
+            <a:off x="765162" y="2180739"/>
+            <a:ext cx="4463787" cy="2496522"/>
+          </a:xfrm>
+          <a:prstGeom prst="rect">
+            <a:avLst/>
+          </a:prstGeom>
+        </p:spPr>
+      </p:pic>
+    </p:spTree>
+  </p:cSld>
+  <p:clrMapOvr>
+    <a:masterClrMapping/>
+  </p:clrMapOvr>
+</p:sld>
+</file>
+
+<file path=ppt/slides/slide22.xml><?xml version="1.0" encoding="utf-8"?>
+<p:sld xmlns:a="http://schemas.openxmlformats.org/drawingml/2006/main" xmlns:r="http://schemas.openxmlformats.org/officeDocument/2006/relationships" xmlns:p="http://schemas.openxmlformats.org/presentationml/2006/main">
+  <p:cSld>
+    <p:spTree>
+      <p:nvGrpSpPr>
+        <p:cNvPr id="1" name=""/>
+        <p:cNvGrpSpPr/>
+        <p:nvPr/>
+      </p:nvGrpSpPr>
+      <p:grpSpPr>
+        <a:xfrm>
+          <a:off x="0" y="0"/>
+          <a:ext cx="0" cy="0"/>
+          <a:chOff x="0" y="0"/>
+          <a:chExt cx="0" cy="0"/>
+        </a:xfrm>
+      </p:grpSpPr>
+      <p:sp>
+        <p:nvSpPr>
+          <p:cNvPr id="2" name="标题 1"/>
+          <p:cNvSpPr>
+            <a:spLocks noGrp="1"/>
+          </p:cNvSpPr>
+          <p:nvPr>
+            <p:ph type="title"/>
+          </p:nvPr>
+        </p:nvSpPr>
+        <p:spPr/>
+        <p:txBody>
+          <a:bodyPr>
+            <a:normAutofit fontScale="90000"/>
+          </a:bodyPr>
+          <a:lstStyle/>
+          <a:p>
+            <a:r>
+              <a:rPr lang="en-US" altLang="zh-CN" dirty="0"/>
+              <a:t>2.3 </a:t>
+            </a:r>
+            <a:r>
+              <a:rPr lang="zh-CN" altLang="en-US" dirty="0"/>
+              <a:t>代码设计 </a:t>
+            </a:r>
+            <a:r>
+              <a:rPr lang="en-US" altLang="zh-CN" dirty="0"/>
+              <a:t>: </a:t>
+            </a:r>
+            <a:r>
+              <a:rPr lang="en-US" altLang="zh-CN" dirty="0" err="1"/>
+              <a:t>analysisprocess</a:t>
+            </a:r>
+            <a:r>
+              <a:rPr lang="en-US" altLang="zh-CN" dirty="0"/>
+              <a:t>() </a:t>
+            </a:r>
+            <a:r>
+              <a:rPr lang="zh-CN" altLang="en-US" dirty="0"/>
+              <a:t>函数进行语法分析</a:t>
+            </a:r>
+          </a:p>
+        </p:txBody>
+      </p:sp>
+      <p:sp>
+        <p:nvSpPr>
+          <p:cNvPr id="3" name="内容占位符 2"/>
           <p:cNvSpPr>
             <a:spLocks noGrp="1"/>
           </p:cNvSpPr>
@@ -23543,13 +23665,7 @@
       </p:sp>
       <p:pic>
         <p:nvPicPr>
-          <p:cNvPr id="8" name="图片 7">
-            <a:extLst>
-              <a:ext uri="{FF2B5EF4-FFF2-40B4-BE49-F238E27FC236}">
-                <a16:creationId xmlns:a16="http://schemas.microsoft.com/office/drawing/2014/main" id="{E62FA8DC-0CD4-B8D4-FED8-33BAC9641361}"/>
-              </a:ext>
-            </a:extLst>
-          </p:cNvPr>
+          <p:cNvPr id="8" name="图片 7"/>
           <p:cNvPicPr>
             <a:picLocks noChangeAspect="1"/>
           </p:cNvPicPr>
@@ -23572,11 +23688,6 @@
         </p:spPr>
       </p:pic>
     </p:spTree>
-    <p:extLst>
-      <p:ext uri="{BB962C8B-B14F-4D97-AF65-F5344CB8AC3E}">
-        <p14:creationId xmlns:p14="http://schemas.microsoft.com/office/powerpoint/2010/main" val="832173587"/>
-      </p:ext>
-    </p:extLst>
   </p:cSld>
   <p:clrMapOvr>
     <a:masterClrMapping/>
@@ -23584,7 +23695,7 @@
 </p:sld>
 </file>
 
-<file path=ppt/slides/slide22.xml><?xml version="1.0" encoding="utf-8"?>
+<file path=ppt/slides/slide23.xml><?xml version="1.0" encoding="utf-8"?>
 <p:sld xmlns:a="http://schemas.openxmlformats.org/drawingml/2006/main" xmlns:r="http://schemas.openxmlformats.org/officeDocument/2006/relationships" xmlns:p="http://schemas.openxmlformats.org/presentationml/2006/main">
   <p:cSld>
     <p:spTree>
@@ -23696,6 +23807,1928 @@
     <p:custDataLst>
       <p:tags r:id="rId1"/>
     </p:custDataLst>
+  </p:cSld>
+  <p:clrMapOvr>
+    <a:masterClrMapping/>
+  </p:clrMapOvr>
+</p:sld>
+</file>
+
+<file path=ppt/slides/slide24.xml><?xml version="1.0" encoding="utf-8"?>
+<p:sld xmlns:a="http://schemas.openxmlformats.org/drawingml/2006/main" xmlns:r="http://schemas.openxmlformats.org/officeDocument/2006/relationships" xmlns:p="http://schemas.openxmlformats.org/presentationml/2006/main">
+  <p:cSld>
+    <p:spTree>
+      <p:nvGrpSpPr>
+        <p:cNvPr id="1" name=""/>
+        <p:cNvGrpSpPr/>
+        <p:nvPr/>
+      </p:nvGrpSpPr>
+      <p:grpSpPr>
+        <a:xfrm>
+          <a:off x="0" y="0"/>
+          <a:ext cx="0" cy="0"/>
+          <a:chOff x="0" y="0"/>
+          <a:chExt cx="0" cy="0"/>
+        </a:xfrm>
+      </p:grpSpPr>
+      <p:sp>
+        <p:nvSpPr>
+          <p:cNvPr id="2" name="标题 1"/>
+          <p:cNvSpPr>
+            <a:spLocks noGrp="1"/>
+          </p:cNvSpPr>
+          <p:nvPr>
+            <p:ph type="title"/>
+          </p:nvPr>
+        </p:nvSpPr>
+        <p:spPr/>
+        <p:txBody>
+          <a:bodyPr>
+            <a:normAutofit fontScale="90000"/>
+          </a:bodyPr>
+          <a:lstStyle/>
+          <a:p>
+            <a:r>
+              <a:rPr lang="en-US" altLang="zh-CN">
+                <a:sym typeface="+mn-ea"/>
+              </a:rPr>
+              <a:t>3.1 </a:t>
+            </a:r>
+            <a:r>
+              <a:rPr>
+                <a:sym typeface="+mn-ea"/>
+              </a:rPr>
+              <a:t>原理</a:t>
+            </a:r>
+          </a:p>
+        </p:txBody>
+      </p:sp>
+      <p:sp>
+        <p:nvSpPr>
+          <p:cNvPr id="3" name="内容占位符 2"/>
+          <p:cNvSpPr>
+            <a:spLocks noGrp="1"/>
+          </p:cNvSpPr>
+          <p:nvPr>
+            <p:ph idx="1"/>
+          </p:nvPr>
+        </p:nvSpPr>
+        <p:spPr/>
+        <p:txBody>
+          <a:bodyPr/>
+          <a:lstStyle/>
+          <a:p>
+            <a:pPr marL="0" indent="0">
+              <a:buNone/>
+            </a:pPr>
+            <a:r>
+              <a:rPr b="1">
+                <a:latin typeface="黑体" panose="02010609060101010101" charset="-122"/>
+                <a:ea typeface="黑体" panose="02010609060101010101" charset="-122"/>
+                <a:sym typeface="+mn-ea"/>
+              </a:rPr>
+              <a:t>某些文法虽然不是</a:t>
+            </a:r>
+            <a:r>
+              <a:rPr lang="en-US" altLang="zh-CN" b="1">
+                <a:latin typeface="黑体" panose="02010609060101010101" charset="-122"/>
+                <a:ea typeface="黑体" panose="02010609060101010101" charset="-122"/>
+                <a:sym typeface="+mn-ea"/>
+              </a:rPr>
+              <a:t>LL(1)</a:t>
+            </a:r>
+            <a:r>
+              <a:rPr b="1">
+                <a:latin typeface="黑体" panose="02010609060101010101" charset="-122"/>
+                <a:ea typeface="黑体" panose="02010609060101010101" charset="-122"/>
+                <a:sym typeface="+mn-ea"/>
+              </a:rPr>
+              <a:t>的，但可以通过文法变换，使其等价地变换为</a:t>
+            </a:r>
+            <a:r>
+              <a:rPr lang="en-US" altLang="zh-CN" b="1">
+                <a:latin typeface="黑体" panose="02010609060101010101" charset="-122"/>
+                <a:ea typeface="黑体" panose="02010609060101010101" charset="-122"/>
+                <a:sym typeface="+mn-ea"/>
+              </a:rPr>
+              <a:t>LL(1)</a:t>
+            </a:r>
+            <a:r>
+              <a:rPr b="1">
+                <a:latin typeface="黑体" panose="02010609060101010101" charset="-122"/>
+                <a:ea typeface="黑体" panose="02010609060101010101" charset="-122"/>
+                <a:sym typeface="+mn-ea"/>
+              </a:rPr>
+              <a:t>的。而对另外一些文法，却无法使其等价地变换为</a:t>
+            </a:r>
+            <a:r>
+              <a:rPr lang="en-US" altLang="zh-CN" b="1">
+                <a:latin typeface="黑体" panose="02010609060101010101" charset="-122"/>
+                <a:ea typeface="黑体" panose="02010609060101010101" charset="-122"/>
+                <a:sym typeface="+mn-ea"/>
+              </a:rPr>
+              <a:t>LL(1)</a:t>
+            </a:r>
+            <a:r>
+              <a:rPr b="1">
+                <a:latin typeface="黑体" panose="02010609060101010101" charset="-122"/>
+                <a:ea typeface="黑体" panose="02010609060101010101" charset="-122"/>
+                <a:sym typeface="+mn-ea"/>
+              </a:rPr>
+              <a:t>的。</a:t>
+            </a:r>
+          </a:p>
+          <a:p>
+            <a:pPr marL="0" indent="0">
+              <a:buNone/>
+            </a:pPr>
+            <a:r>
+              <a:rPr lang="zh-CN" altLang="en-US" b="1" dirty="0">
+                <a:latin typeface="黑体" panose="02010609060101010101" charset="-122"/>
+                <a:ea typeface="黑体" panose="02010609060101010101" charset="-122"/>
+              </a:rPr>
+              <a:t>（</a:t>
+            </a:r>
+            <a:r>
+              <a:rPr lang="en-US" altLang="zh-CN" b="1" dirty="0">
+                <a:latin typeface="黑体" panose="02010609060101010101" charset="-122"/>
+                <a:ea typeface="黑体" panose="02010609060101010101" charset="-122"/>
+              </a:rPr>
+              <a:t>1</a:t>
+            </a:r>
+            <a:r>
+              <a:rPr lang="zh-CN" altLang="en-US" b="1" dirty="0">
+                <a:latin typeface="黑体" panose="02010609060101010101" charset="-122"/>
+                <a:ea typeface="黑体" panose="02010609060101010101" charset="-122"/>
+              </a:rPr>
+              <a:t>）</a:t>
+            </a:r>
+            <a:r>
+              <a:rPr b="1">
+                <a:latin typeface="黑体" panose="02010609060101010101" charset="-122"/>
+                <a:ea typeface="黑体" panose="02010609060101010101" charset="-122"/>
+                <a:sym typeface="+mn-ea"/>
+              </a:rPr>
+              <a:t>提左公因子</a:t>
+            </a:r>
+            <a:endParaRPr lang="zh-CN" altLang="en-US" b="1" dirty="0">
+              <a:latin typeface="黑体" panose="02010609060101010101" charset="-122"/>
+              <a:ea typeface="黑体" panose="02010609060101010101" charset="-122"/>
+            </a:endParaRPr>
+          </a:p>
+          <a:p>
+            <a:pPr marL="0" indent="0">
+              <a:buNone/>
+            </a:pPr>
+            <a:endParaRPr lang="zh-CN" altLang="en-US" b="1" dirty="0">
+              <a:latin typeface="黑体" panose="02010609060101010101" charset="-122"/>
+              <a:ea typeface="黑体" panose="02010609060101010101" charset="-122"/>
+            </a:endParaRPr>
+          </a:p>
+        </p:txBody>
+      </p:sp>
+      <p:pic>
+        <p:nvPicPr>
+          <p:cNvPr id="4" name="图片 3"/>
+          <p:cNvPicPr>
+            <a:picLocks noChangeAspect="1"/>
+          </p:cNvPicPr>
+          <p:nvPr>
+            <p:custDataLst>
+              <p:tags r:id="rId1"/>
+            </p:custDataLst>
+          </p:nvPr>
+        </p:nvPicPr>
+        <p:blipFill>
+          <a:blip r:embed="rId3"/>
+          <a:stretch>
+            <a:fillRect/>
+          </a:stretch>
+        </p:blipFill>
+        <p:spPr>
+          <a:xfrm>
+            <a:off x="833755" y="2265045"/>
+            <a:ext cx="5953760" cy="1831975"/>
+          </a:xfrm>
+          <a:prstGeom prst="rect">
+            <a:avLst/>
+          </a:prstGeom>
+        </p:spPr>
+      </p:pic>
+      <p:sp>
+        <p:nvSpPr>
+          <p:cNvPr id="7" name="文本框 6"/>
+          <p:cNvSpPr txBox="1"/>
+          <p:nvPr/>
+        </p:nvSpPr>
+        <p:spPr>
+          <a:xfrm>
+            <a:off x="932815" y="4384040"/>
+            <a:ext cx="3562985" cy="368300"/>
+          </a:xfrm>
+          <a:prstGeom prst="rect">
+            <a:avLst/>
+          </a:prstGeom>
+          <a:noFill/>
+        </p:spPr>
+        <p:txBody>
+          <a:bodyPr wrap="square" rtlCol="0">
+            <a:spAutoFit/>
+          </a:bodyPr>
+          <a:lstStyle/>
+          <a:p>
+            <a:r>
+              <a:rPr lang="en-US" altLang="zh-CN">
+                <a:solidFill>
+                  <a:schemeClr val="bg1"/>
+                </a:solidFill>
+              </a:rPr>
+              <a:t>(2)</a:t>
+            </a:r>
+            <a:r>
+              <a:rPr lang="zh-CN" altLang="en-US" b="1" dirty="0">
+                <a:solidFill>
+                  <a:schemeClr val="bg1"/>
+                </a:solidFill>
+                <a:latin typeface="黑体" panose="02010609060101010101" charset="-122"/>
+                <a:ea typeface="黑体" panose="02010609060101010101" charset="-122"/>
+                <a:sym typeface="+mn-ea"/>
+              </a:rPr>
+              <a:t>消去直接左递归</a:t>
+            </a:r>
+          </a:p>
+        </p:txBody>
+      </p:sp>
+      <p:sp>
+        <p:nvSpPr>
+          <p:cNvPr id="8" name="文本框 7"/>
+          <p:cNvSpPr txBox="1"/>
+          <p:nvPr/>
+        </p:nvSpPr>
+        <p:spPr>
+          <a:xfrm>
+            <a:off x="977900" y="4813300"/>
+            <a:ext cx="6858635" cy="2030095"/>
+          </a:xfrm>
+          <a:prstGeom prst="rect">
+            <a:avLst/>
+          </a:prstGeom>
+          <a:noFill/>
+        </p:spPr>
+        <p:txBody>
+          <a:bodyPr wrap="square" rtlCol="0">
+            <a:spAutoFit/>
+          </a:bodyPr>
+          <a:lstStyle/>
+          <a:p>
+            <a:pPr marL="0" indent="0">
+              <a:spcBef>
+                <a:spcPct val="0"/>
+              </a:spcBef>
+              <a:buClrTx/>
+              <a:buSzTx/>
+              <a:buFontTx/>
+              <a:buNone/>
+            </a:pPr>
+            <a:r>
+              <a:rPr lang="zh-CN" altLang="en-US" b="1" dirty="0">
+                <a:solidFill>
+                  <a:schemeClr val="bg1"/>
+                </a:solidFill>
+                <a:latin typeface="黑体" panose="02010609060101010101" charset="-122"/>
+                <a:ea typeface="黑体" panose="02010609060101010101" charset="-122"/>
+                <a:sym typeface="+mn-ea"/>
+              </a:rPr>
+              <a:t>形如 </a:t>
+            </a:r>
+            <a:r>
+              <a:rPr lang="en-US" altLang="zh-CN" b="1" dirty="0">
+                <a:solidFill>
+                  <a:schemeClr val="bg1"/>
+                </a:solidFill>
+                <a:latin typeface="黑体" panose="02010609060101010101" charset="-122"/>
+                <a:ea typeface="黑体" panose="02010609060101010101" charset="-122"/>
+                <a:sym typeface="+mn-ea"/>
+              </a:rPr>
+              <a:t>S → S β </a:t>
+            </a:r>
+            <a:r>
+              <a:rPr lang="zh-CN" altLang="en-US" b="1" dirty="0">
+                <a:solidFill>
+                  <a:schemeClr val="bg1"/>
+                </a:solidFill>
+                <a:latin typeface="黑体" panose="02010609060101010101" charset="-122"/>
+                <a:ea typeface="黑体" panose="02010609060101010101" charset="-122"/>
+                <a:sym typeface="+mn-ea"/>
+              </a:rPr>
+              <a:t>的产生式称为直接左递归产生式。</a:t>
+            </a:r>
+            <a:endParaRPr lang="zh-CN" altLang="en-US" b="1" dirty="0">
+              <a:solidFill>
+                <a:schemeClr val="bg1"/>
+              </a:solidFill>
+              <a:latin typeface="黑体" panose="02010609060101010101" charset="-122"/>
+              <a:ea typeface="黑体" panose="02010609060101010101" charset="-122"/>
+            </a:endParaRPr>
+          </a:p>
+          <a:p>
+            <a:pPr marL="0" indent="0">
+              <a:spcBef>
+                <a:spcPct val="0"/>
+              </a:spcBef>
+              <a:buClrTx/>
+              <a:buSzTx/>
+              <a:buFontTx/>
+              <a:buNone/>
+            </a:pPr>
+            <a:r>
+              <a:rPr lang="zh-CN" altLang="en-US" b="1" dirty="0">
+                <a:solidFill>
+                  <a:schemeClr val="bg1"/>
+                </a:solidFill>
+                <a:latin typeface="黑体" panose="02010609060101010101" charset="-122"/>
+                <a:ea typeface="黑体" panose="02010609060101010101" charset="-122"/>
+                <a:sym typeface="+mn-ea"/>
+              </a:rPr>
+              <a:t>包含直接左递归产生式的文法称为直接左递归文法。</a:t>
+            </a:r>
+            <a:endParaRPr lang="zh-CN" altLang="en-US" b="1" dirty="0">
+              <a:solidFill>
+                <a:schemeClr val="bg1"/>
+              </a:solidFill>
+              <a:latin typeface="黑体" panose="02010609060101010101" charset="-122"/>
+              <a:ea typeface="黑体" panose="02010609060101010101" charset="-122"/>
+            </a:endParaRPr>
+          </a:p>
+          <a:p>
+            <a:pPr marL="0" indent="0">
+              <a:spcBef>
+                <a:spcPct val="0"/>
+              </a:spcBef>
+              <a:buClrTx/>
+              <a:buSzTx/>
+              <a:buFontTx/>
+              <a:buNone/>
+            </a:pPr>
+            <a:r>
+              <a:rPr lang="zh-CN" altLang="en-US" b="1" dirty="0">
+                <a:solidFill>
+                  <a:schemeClr val="bg1"/>
+                </a:solidFill>
+                <a:latin typeface="宋体" panose="02010600030101010101" pitchFamily="2" charset="-122"/>
+                <a:sym typeface="+mn-ea"/>
+              </a:rPr>
+              <a:t>对一般的情况：</a:t>
+            </a:r>
+            <a:endParaRPr lang="zh-CN" altLang="en-US" b="1" dirty="0">
+              <a:solidFill>
+                <a:schemeClr val="bg1"/>
+              </a:solidFill>
+              <a:latin typeface="宋体" panose="02010600030101010101" pitchFamily="2" charset="-122"/>
+            </a:endParaRPr>
+          </a:p>
+          <a:p>
+            <a:pPr marL="0" indent="0">
+              <a:spcBef>
+                <a:spcPct val="0"/>
+              </a:spcBef>
+              <a:buClrTx/>
+              <a:buSzTx/>
+              <a:buFontTx/>
+              <a:buNone/>
+            </a:pPr>
+            <a:r>
+              <a:rPr lang="zh-CN" altLang="en-US" b="1" dirty="0">
+                <a:solidFill>
+                  <a:schemeClr val="bg1"/>
+                </a:solidFill>
+                <a:latin typeface="宋体" panose="02010600030101010101" pitchFamily="2" charset="-122"/>
+                <a:sym typeface="+mn-ea"/>
+              </a:rPr>
+              <a:t>    </a:t>
+            </a:r>
+            <a:r>
+              <a:rPr lang="en-US" altLang="zh-CN" b="1" dirty="0">
+                <a:solidFill>
+                  <a:schemeClr val="bg1"/>
+                </a:solidFill>
+                <a:latin typeface="宋体" panose="02010600030101010101" pitchFamily="2" charset="-122"/>
+                <a:sym typeface="+mn-ea"/>
+              </a:rPr>
+              <a:t>S → S β</a:t>
+            </a:r>
+            <a:r>
+              <a:rPr lang="en-US" altLang="zh-CN" b="1" baseline="-25000" dirty="0">
+                <a:solidFill>
+                  <a:schemeClr val="bg1"/>
+                </a:solidFill>
+                <a:latin typeface="宋体" panose="02010600030101010101" pitchFamily="2" charset="-122"/>
+                <a:sym typeface="+mn-ea"/>
+              </a:rPr>
+              <a:t>1</a:t>
+            </a:r>
+            <a:r>
+              <a:rPr lang="en-US" altLang="zh-CN" b="1" dirty="0">
+                <a:solidFill>
+                  <a:schemeClr val="bg1"/>
+                </a:solidFill>
+                <a:latin typeface="宋体" panose="02010600030101010101" pitchFamily="2" charset="-122"/>
+                <a:sym typeface="+mn-ea"/>
+              </a:rPr>
+              <a:t>| S β</a:t>
+            </a:r>
+            <a:r>
+              <a:rPr lang="en-US" altLang="zh-CN" b="1" baseline="-25000" dirty="0">
+                <a:solidFill>
+                  <a:schemeClr val="bg1"/>
+                </a:solidFill>
+                <a:latin typeface="宋体" panose="02010600030101010101" pitchFamily="2" charset="-122"/>
+                <a:sym typeface="+mn-ea"/>
+              </a:rPr>
+              <a:t>2</a:t>
+            </a:r>
+            <a:r>
+              <a:rPr lang="en-US" altLang="zh-CN" b="1" dirty="0">
+                <a:solidFill>
+                  <a:schemeClr val="bg1"/>
+                </a:solidFill>
+                <a:latin typeface="宋体" panose="02010600030101010101" pitchFamily="2" charset="-122"/>
+                <a:sym typeface="+mn-ea"/>
+              </a:rPr>
+              <a:t>|</a:t>
+            </a:r>
+            <a:r>
+              <a:rPr lang="en-US" altLang="zh-CN" b="1" dirty="0">
+                <a:solidFill>
+                  <a:schemeClr val="bg1"/>
+                </a:solidFill>
+                <a:latin typeface="Times New Roman" panose="02020603050405020304" pitchFamily="18" charset="0"/>
+                <a:sym typeface="+mn-ea"/>
+              </a:rPr>
+              <a:t>…</a:t>
+            </a:r>
+            <a:r>
+              <a:rPr lang="en-US" altLang="zh-CN" b="1" dirty="0">
+                <a:solidFill>
+                  <a:schemeClr val="bg1"/>
+                </a:solidFill>
+                <a:latin typeface="宋体" panose="02010600030101010101" pitchFamily="2" charset="-122"/>
+                <a:sym typeface="+mn-ea"/>
+              </a:rPr>
+              <a:t>| S β</a:t>
+            </a:r>
+            <a:r>
+              <a:rPr lang="en-US" altLang="zh-CN" b="1" baseline="-25000" dirty="0">
+                <a:solidFill>
+                  <a:schemeClr val="bg1"/>
+                </a:solidFill>
+                <a:latin typeface="宋体" panose="02010600030101010101" pitchFamily="2" charset="-122"/>
+                <a:sym typeface="+mn-ea"/>
+              </a:rPr>
+              <a:t>n</a:t>
+            </a:r>
+            <a:r>
+              <a:rPr lang="en-US" altLang="zh-CN" b="1" dirty="0">
+                <a:solidFill>
+                  <a:schemeClr val="bg1"/>
+                </a:solidFill>
+                <a:latin typeface="宋体" panose="02010600030101010101" pitchFamily="2" charset="-122"/>
+                <a:sym typeface="+mn-ea"/>
+              </a:rPr>
+              <a:t> |α</a:t>
+            </a:r>
+            <a:r>
+              <a:rPr lang="en-US" altLang="zh-CN" b="1" baseline="-25000" dirty="0">
+                <a:solidFill>
+                  <a:schemeClr val="bg1"/>
+                </a:solidFill>
+                <a:latin typeface="宋体" panose="02010600030101010101" pitchFamily="2" charset="-122"/>
+                <a:sym typeface="+mn-ea"/>
+              </a:rPr>
+              <a:t>1</a:t>
+            </a:r>
+            <a:r>
+              <a:rPr lang="en-US" altLang="zh-CN" b="1" dirty="0">
+                <a:solidFill>
+                  <a:schemeClr val="bg1"/>
+                </a:solidFill>
+                <a:latin typeface="宋体" panose="02010600030101010101" pitchFamily="2" charset="-122"/>
+                <a:sym typeface="+mn-ea"/>
+              </a:rPr>
+              <a:t>| α</a:t>
+            </a:r>
+            <a:r>
+              <a:rPr lang="en-US" altLang="zh-CN" b="1" baseline="-25000" dirty="0">
+                <a:solidFill>
+                  <a:schemeClr val="bg1"/>
+                </a:solidFill>
+                <a:latin typeface="宋体" panose="02010600030101010101" pitchFamily="2" charset="-122"/>
+                <a:sym typeface="+mn-ea"/>
+              </a:rPr>
+              <a:t>2</a:t>
+            </a:r>
+            <a:r>
+              <a:rPr lang="en-US" altLang="zh-CN" b="1" dirty="0">
+                <a:solidFill>
+                  <a:schemeClr val="bg1"/>
+                </a:solidFill>
+                <a:latin typeface="宋体" panose="02010600030101010101" pitchFamily="2" charset="-122"/>
+                <a:sym typeface="+mn-ea"/>
+              </a:rPr>
+              <a:t>|</a:t>
+            </a:r>
+            <a:r>
+              <a:rPr lang="en-US" altLang="zh-CN" b="1" dirty="0">
+                <a:solidFill>
+                  <a:schemeClr val="bg1"/>
+                </a:solidFill>
+                <a:latin typeface="Times New Roman" panose="02020603050405020304" pitchFamily="18" charset="0"/>
+                <a:sym typeface="+mn-ea"/>
+              </a:rPr>
+              <a:t>…</a:t>
+            </a:r>
+            <a:r>
+              <a:rPr lang="en-US" altLang="zh-CN" b="1" dirty="0">
+                <a:solidFill>
+                  <a:schemeClr val="bg1"/>
+                </a:solidFill>
+                <a:latin typeface="宋体" panose="02010600030101010101" pitchFamily="2" charset="-122"/>
+                <a:sym typeface="+mn-ea"/>
+              </a:rPr>
+              <a:t>| α</a:t>
+            </a:r>
+            <a:r>
+              <a:rPr lang="en-US" altLang="zh-CN" b="1" baseline="-25000" dirty="0">
+                <a:solidFill>
+                  <a:schemeClr val="bg1"/>
+                </a:solidFill>
+                <a:latin typeface="宋体" panose="02010600030101010101" pitchFamily="2" charset="-122"/>
+                <a:sym typeface="+mn-ea"/>
+              </a:rPr>
+              <a:t>m</a:t>
+            </a:r>
+            <a:endParaRPr lang="en-US" altLang="zh-CN" b="1" dirty="0">
+              <a:solidFill>
+                <a:schemeClr val="bg1"/>
+              </a:solidFill>
+              <a:latin typeface="宋体" panose="02010600030101010101" pitchFamily="2" charset="-122"/>
+            </a:endParaRPr>
+          </a:p>
+          <a:p>
+            <a:pPr marL="0" indent="0">
+              <a:spcBef>
+                <a:spcPct val="0"/>
+              </a:spcBef>
+              <a:buClrTx/>
+              <a:buSzTx/>
+              <a:buFontTx/>
+              <a:buNone/>
+            </a:pPr>
+            <a:r>
+              <a:rPr lang="zh-CN" altLang="en-US" b="1" dirty="0">
+                <a:solidFill>
+                  <a:schemeClr val="bg1"/>
+                </a:solidFill>
+                <a:latin typeface="宋体" panose="02010600030101010101" pitchFamily="2" charset="-122"/>
+                <a:sym typeface="+mn-ea"/>
+              </a:rPr>
+              <a:t>则消除直接左递归的等价规则为：</a:t>
+            </a:r>
+            <a:endParaRPr lang="zh-CN" altLang="en-US" b="1" dirty="0">
+              <a:solidFill>
+                <a:schemeClr val="bg1"/>
+              </a:solidFill>
+              <a:latin typeface="宋体" panose="02010600030101010101" pitchFamily="2" charset="-122"/>
+            </a:endParaRPr>
+          </a:p>
+          <a:p>
+            <a:pPr marL="0" indent="0">
+              <a:spcBef>
+                <a:spcPct val="0"/>
+              </a:spcBef>
+              <a:buClrTx/>
+              <a:buSzTx/>
+              <a:buFontTx/>
+              <a:buNone/>
+            </a:pPr>
+            <a:r>
+              <a:rPr lang="zh-CN" altLang="en-US" b="1" dirty="0">
+                <a:solidFill>
+                  <a:schemeClr val="bg1"/>
+                </a:solidFill>
+                <a:latin typeface="宋体" panose="02010600030101010101" pitchFamily="2" charset="-122"/>
+                <a:sym typeface="+mn-ea"/>
+              </a:rPr>
+              <a:t>    </a:t>
+            </a:r>
+            <a:r>
+              <a:rPr lang="en-US" altLang="zh-CN" b="1" dirty="0">
+                <a:solidFill>
+                  <a:schemeClr val="bg1"/>
+                </a:solidFill>
+                <a:latin typeface="宋体" panose="02010600030101010101" pitchFamily="2" charset="-122"/>
+                <a:sym typeface="+mn-ea"/>
+              </a:rPr>
+              <a:t>S → α</a:t>
+            </a:r>
+            <a:r>
+              <a:rPr lang="en-US" altLang="zh-CN" b="1" baseline="-25000" dirty="0">
+                <a:solidFill>
+                  <a:schemeClr val="bg1"/>
+                </a:solidFill>
+                <a:latin typeface="宋体" panose="02010600030101010101" pitchFamily="2" charset="-122"/>
+                <a:sym typeface="+mn-ea"/>
+              </a:rPr>
+              <a:t>1</a:t>
+            </a:r>
+            <a:r>
+              <a:rPr lang="en-US" altLang="zh-CN" b="1" dirty="0">
+                <a:solidFill>
+                  <a:schemeClr val="bg1"/>
+                </a:solidFill>
+                <a:latin typeface="宋体" panose="02010600030101010101" pitchFamily="2" charset="-122"/>
+                <a:sym typeface="+mn-ea"/>
+              </a:rPr>
+              <a:t>S</a:t>
+            </a:r>
+            <a:r>
+              <a:rPr lang="en-US" altLang="zh-CN" b="1" dirty="0">
+                <a:solidFill>
+                  <a:schemeClr val="bg1"/>
+                </a:solidFill>
+                <a:latin typeface="Times New Roman" panose="02020603050405020304" pitchFamily="18" charset="0"/>
+                <a:sym typeface="+mn-ea"/>
+              </a:rPr>
+              <a:t>’</a:t>
+            </a:r>
+            <a:r>
+              <a:rPr lang="en-US" altLang="zh-CN" b="1" dirty="0">
+                <a:solidFill>
+                  <a:schemeClr val="bg1"/>
+                </a:solidFill>
+                <a:latin typeface="宋体" panose="02010600030101010101" pitchFamily="2" charset="-122"/>
+                <a:sym typeface="+mn-ea"/>
+              </a:rPr>
+              <a:t> | α</a:t>
+            </a:r>
+            <a:r>
+              <a:rPr lang="en-US" altLang="zh-CN" b="1" baseline="-25000" dirty="0">
+                <a:solidFill>
+                  <a:schemeClr val="bg1"/>
+                </a:solidFill>
+                <a:latin typeface="宋体" panose="02010600030101010101" pitchFamily="2" charset="-122"/>
+                <a:sym typeface="+mn-ea"/>
+              </a:rPr>
+              <a:t>2</a:t>
+            </a:r>
+            <a:r>
+              <a:rPr lang="en-US" altLang="zh-CN" b="1" dirty="0">
+                <a:solidFill>
+                  <a:schemeClr val="bg1"/>
+                </a:solidFill>
+                <a:latin typeface="宋体" panose="02010600030101010101" pitchFamily="2" charset="-122"/>
+                <a:sym typeface="+mn-ea"/>
+              </a:rPr>
+              <a:t>S</a:t>
+            </a:r>
+            <a:r>
+              <a:rPr lang="en-US" altLang="zh-CN" b="1" dirty="0">
+                <a:solidFill>
+                  <a:schemeClr val="bg1"/>
+                </a:solidFill>
+                <a:latin typeface="Times New Roman" panose="02020603050405020304" pitchFamily="18" charset="0"/>
+                <a:sym typeface="+mn-ea"/>
+              </a:rPr>
+              <a:t>’</a:t>
+            </a:r>
+            <a:r>
+              <a:rPr lang="en-US" altLang="zh-CN" b="1" dirty="0">
+                <a:solidFill>
+                  <a:schemeClr val="bg1"/>
+                </a:solidFill>
+                <a:latin typeface="宋体" panose="02010600030101010101" pitchFamily="2" charset="-122"/>
+                <a:sym typeface="+mn-ea"/>
+              </a:rPr>
+              <a:t>| </a:t>
+            </a:r>
+            <a:r>
+              <a:rPr lang="en-US" altLang="zh-CN" b="1" dirty="0">
+                <a:solidFill>
+                  <a:schemeClr val="bg1"/>
+                </a:solidFill>
+                <a:latin typeface="Times New Roman" panose="02020603050405020304" pitchFamily="18" charset="0"/>
+                <a:sym typeface="+mn-ea"/>
+              </a:rPr>
+              <a:t>…</a:t>
+            </a:r>
+            <a:r>
+              <a:rPr lang="en-US" altLang="zh-CN" b="1" dirty="0">
+                <a:solidFill>
+                  <a:schemeClr val="bg1"/>
+                </a:solidFill>
+                <a:latin typeface="宋体" panose="02010600030101010101" pitchFamily="2" charset="-122"/>
+                <a:sym typeface="+mn-ea"/>
+              </a:rPr>
+              <a:t> | α</a:t>
+            </a:r>
+            <a:r>
+              <a:rPr lang="en-US" altLang="zh-CN" b="1" baseline="-25000" dirty="0">
+                <a:solidFill>
+                  <a:schemeClr val="bg1"/>
+                </a:solidFill>
+                <a:latin typeface="宋体" panose="02010600030101010101" pitchFamily="2" charset="-122"/>
+                <a:sym typeface="+mn-ea"/>
+              </a:rPr>
+              <a:t>m</a:t>
+            </a:r>
+            <a:r>
+              <a:rPr lang="en-US" altLang="zh-CN" b="1" dirty="0">
+                <a:solidFill>
+                  <a:schemeClr val="bg1"/>
+                </a:solidFill>
+                <a:latin typeface="宋体" panose="02010600030101010101" pitchFamily="2" charset="-122"/>
+                <a:sym typeface="+mn-ea"/>
+              </a:rPr>
+              <a:t>S</a:t>
+            </a:r>
+            <a:r>
+              <a:rPr lang="en-US" altLang="zh-CN" b="1" dirty="0">
+                <a:solidFill>
+                  <a:schemeClr val="bg1"/>
+                </a:solidFill>
+                <a:latin typeface="Times New Roman" panose="02020603050405020304" pitchFamily="18" charset="0"/>
+                <a:sym typeface="+mn-ea"/>
+              </a:rPr>
+              <a:t>’</a:t>
+            </a:r>
+            <a:endParaRPr lang="en-US" altLang="zh-CN" b="1" dirty="0">
+              <a:solidFill>
+                <a:schemeClr val="bg1"/>
+              </a:solidFill>
+              <a:latin typeface="宋体" panose="02010600030101010101" pitchFamily="2" charset="-122"/>
+            </a:endParaRPr>
+          </a:p>
+          <a:p>
+            <a:pPr marL="0" indent="0">
+              <a:spcBef>
+                <a:spcPct val="0"/>
+              </a:spcBef>
+              <a:buClrTx/>
+              <a:buSzTx/>
+              <a:buFontTx/>
+              <a:buNone/>
+            </a:pPr>
+            <a:r>
+              <a:rPr lang="en-US" altLang="zh-CN" b="1" dirty="0">
+                <a:solidFill>
+                  <a:schemeClr val="bg1"/>
+                </a:solidFill>
+                <a:latin typeface="宋体" panose="02010600030101010101" pitchFamily="2" charset="-122"/>
+                <a:sym typeface="+mn-ea"/>
+              </a:rPr>
+              <a:t>    S</a:t>
+            </a:r>
+            <a:r>
+              <a:rPr lang="en-US" altLang="zh-CN" b="1" dirty="0">
+                <a:solidFill>
+                  <a:schemeClr val="bg1"/>
+                </a:solidFill>
+                <a:latin typeface="Times New Roman" panose="02020603050405020304" pitchFamily="18" charset="0"/>
+                <a:sym typeface="+mn-ea"/>
+              </a:rPr>
+              <a:t>’</a:t>
+            </a:r>
+            <a:r>
+              <a:rPr lang="en-US" altLang="zh-CN" b="1" dirty="0">
+                <a:solidFill>
+                  <a:schemeClr val="bg1"/>
+                </a:solidFill>
+                <a:latin typeface="宋体" panose="02010600030101010101" pitchFamily="2" charset="-122"/>
+                <a:sym typeface="+mn-ea"/>
+              </a:rPr>
+              <a:t> → β</a:t>
+            </a:r>
+            <a:r>
+              <a:rPr lang="en-US" altLang="zh-CN" b="1" baseline="-25000" dirty="0">
+                <a:solidFill>
+                  <a:schemeClr val="bg1"/>
+                </a:solidFill>
+                <a:latin typeface="宋体" panose="02010600030101010101" pitchFamily="2" charset="-122"/>
+                <a:sym typeface="+mn-ea"/>
+              </a:rPr>
+              <a:t>1</a:t>
+            </a:r>
+            <a:r>
+              <a:rPr lang="en-US" altLang="zh-CN" b="1" dirty="0">
+                <a:solidFill>
+                  <a:schemeClr val="bg1"/>
+                </a:solidFill>
+                <a:latin typeface="宋体" panose="02010600030101010101" pitchFamily="2" charset="-122"/>
+                <a:sym typeface="+mn-ea"/>
+              </a:rPr>
+              <a:t>S</a:t>
+            </a:r>
+            <a:r>
+              <a:rPr lang="en-US" altLang="zh-CN" b="1" dirty="0">
+                <a:solidFill>
+                  <a:schemeClr val="bg1"/>
+                </a:solidFill>
+                <a:latin typeface="Times New Roman" panose="02020603050405020304" pitchFamily="18" charset="0"/>
+                <a:sym typeface="+mn-ea"/>
+              </a:rPr>
+              <a:t>’</a:t>
+            </a:r>
+            <a:r>
+              <a:rPr lang="en-US" altLang="zh-CN" b="1" dirty="0">
+                <a:solidFill>
+                  <a:schemeClr val="bg1"/>
+                </a:solidFill>
+                <a:latin typeface="宋体" panose="02010600030101010101" pitchFamily="2" charset="-122"/>
+                <a:sym typeface="+mn-ea"/>
+              </a:rPr>
+              <a:t> | β</a:t>
+            </a:r>
+            <a:r>
+              <a:rPr lang="en-US" altLang="zh-CN" b="1" baseline="-25000" dirty="0">
+                <a:solidFill>
+                  <a:schemeClr val="bg1"/>
+                </a:solidFill>
+                <a:latin typeface="宋体" panose="02010600030101010101" pitchFamily="2" charset="-122"/>
+                <a:sym typeface="+mn-ea"/>
+              </a:rPr>
+              <a:t>2</a:t>
+            </a:r>
+            <a:r>
+              <a:rPr lang="en-US" altLang="zh-CN" b="1" dirty="0">
+                <a:solidFill>
+                  <a:schemeClr val="bg1"/>
+                </a:solidFill>
+                <a:latin typeface="宋体" panose="02010600030101010101" pitchFamily="2" charset="-122"/>
+                <a:sym typeface="+mn-ea"/>
+              </a:rPr>
+              <a:t>S</a:t>
+            </a:r>
+            <a:r>
+              <a:rPr lang="en-US" altLang="zh-CN" b="1" dirty="0">
+                <a:solidFill>
+                  <a:schemeClr val="bg1"/>
+                </a:solidFill>
+                <a:latin typeface="Times New Roman" panose="02020603050405020304" pitchFamily="18" charset="0"/>
+                <a:sym typeface="+mn-ea"/>
+              </a:rPr>
+              <a:t>’</a:t>
+            </a:r>
+            <a:r>
+              <a:rPr lang="en-US" altLang="zh-CN" b="1" dirty="0">
+                <a:solidFill>
+                  <a:schemeClr val="bg1"/>
+                </a:solidFill>
+                <a:latin typeface="宋体" panose="02010600030101010101" pitchFamily="2" charset="-122"/>
+                <a:sym typeface="+mn-ea"/>
+              </a:rPr>
+              <a:t> | </a:t>
+            </a:r>
+            <a:r>
+              <a:rPr lang="en-US" altLang="zh-CN" b="1" dirty="0">
+                <a:solidFill>
+                  <a:schemeClr val="bg1"/>
+                </a:solidFill>
+                <a:latin typeface="Times New Roman" panose="02020603050405020304" pitchFamily="18" charset="0"/>
+                <a:sym typeface="+mn-ea"/>
+              </a:rPr>
+              <a:t>…</a:t>
+            </a:r>
+            <a:r>
+              <a:rPr lang="en-US" altLang="zh-CN" b="1" dirty="0">
+                <a:solidFill>
+                  <a:schemeClr val="bg1"/>
+                </a:solidFill>
+                <a:latin typeface="宋体" panose="02010600030101010101" pitchFamily="2" charset="-122"/>
+                <a:sym typeface="+mn-ea"/>
+              </a:rPr>
+              <a:t> | β</a:t>
+            </a:r>
+            <a:r>
+              <a:rPr lang="en-US" altLang="zh-CN" b="1" baseline="-25000" dirty="0">
+                <a:solidFill>
+                  <a:schemeClr val="bg1"/>
+                </a:solidFill>
+                <a:latin typeface="宋体" panose="02010600030101010101" pitchFamily="2" charset="-122"/>
+                <a:sym typeface="+mn-ea"/>
+              </a:rPr>
+              <a:t>n</a:t>
+            </a:r>
+            <a:r>
+              <a:rPr lang="en-US" altLang="zh-CN" b="1" dirty="0">
+                <a:solidFill>
+                  <a:schemeClr val="bg1"/>
+                </a:solidFill>
+                <a:latin typeface="宋体" panose="02010600030101010101" pitchFamily="2" charset="-122"/>
+                <a:sym typeface="+mn-ea"/>
+              </a:rPr>
+              <a:t>S</a:t>
+            </a:r>
+            <a:r>
+              <a:rPr lang="en-US" altLang="zh-CN" b="1" dirty="0">
+                <a:solidFill>
+                  <a:schemeClr val="bg1"/>
+                </a:solidFill>
+                <a:latin typeface="Times New Roman" panose="02020603050405020304" pitchFamily="18" charset="0"/>
+                <a:sym typeface="+mn-ea"/>
+              </a:rPr>
+              <a:t>’</a:t>
+            </a:r>
+            <a:r>
+              <a:rPr lang="en-US" altLang="zh-CN" b="1" dirty="0">
+                <a:solidFill>
+                  <a:schemeClr val="bg1"/>
+                </a:solidFill>
+                <a:latin typeface="宋体" panose="02010600030101010101" pitchFamily="2" charset="-122"/>
+                <a:sym typeface="+mn-ea"/>
+              </a:rPr>
+              <a:t> | ε</a:t>
+            </a:r>
+            <a:endParaRPr lang="en-US" altLang="zh-CN" b="1" dirty="0">
+              <a:solidFill>
+                <a:schemeClr val="bg1"/>
+              </a:solidFill>
+              <a:latin typeface="宋体" panose="02010600030101010101" pitchFamily="2" charset="-122"/>
+              <a:ea typeface="黑体" panose="02010609060101010101" charset="-122"/>
+              <a:sym typeface="+mn-ea"/>
+            </a:endParaRPr>
+          </a:p>
+        </p:txBody>
+      </p:sp>
+    </p:spTree>
+  </p:cSld>
+  <p:clrMapOvr>
+    <a:masterClrMapping/>
+  </p:clrMapOvr>
+</p:sld>
+</file>
+
+<file path=ppt/slides/slide25.xml><?xml version="1.0" encoding="utf-8"?>
+<p:sld xmlns:a="http://schemas.openxmlformats.org/drawingml/2006/main" xmlns:r="http://schemas.openxmlformats.org/officeDocument/2006/relationships" xmlns:p="http://schemas.openxmlformats.org/presentationml/2006/main">
+  <p:cSld>
+    <p:spTree>
+      <p:nvGrpSpPr>
+        <p:cNvPr id="1" name=""/>
+        <p:cNvGrpSpPr/>
+        <p:nvPr/>
+      </p:nvGrpSpPr>
+      <p:grpSpPr>
+        <a:xfrm>
+          <a:off x="0" y="0"/>
+          <a:ext cx="0" cy="0"/>
+          <a:chOff x="0" y="0"/>
+          <a:chExt cx="0" cy="0"/>
+        </a:xfrm>
+      </p:grpSpPr>
+      <p:sp>
+        <p:nvSpPr>
+          <p:cNvPr id="2" name="标题 1"/>
+          <p:cNvSpPr>
+            <a:spLocks noGrp="1"/>
+          </p:cNvSpPr>
+          <p:nvPr>
+            <p:ph type="title"/>
+          </p:nvPr>
+        </p:nvSpPr>
+        <p:spPr/>
+        <p:txBody>
+          <a:bodyPr>
+            <a:normAutofit fontScale="90000"/>
+          </a:bodyPr>
+          <a:lstStyle/>
+          <a:p>
+            <a:r>
+              <a:rPr lang="en-US" altLang="zh-CN"/>
+              <a:t>3.2  </a:t>
+            </a:r>
+            <a:r>
+              <a:t>代码实现</a:t>
+            </a:r>
+            <a:r>
+              <a:rPr lang="en-US" altLang="zh-CN"/>
+              <a:t>——</a:t>
+            </a:r>
+            <a:r>
+              <a:t>判断</a:t>
+            </a:r>
+          </a:p>
+        </p:txBody>
+      </p:sp>
+      <p:pic>
+        <p:nvPicPr>
+          <p:cNvPr id="4" name="内容占位符 3"/>
+          <p:cNvPicPr>
+            <a:picLocks noGrp="1" noChangeAspect="1"/>
+          </p:cNvPicPr>
+          <p:nvPr>
+            <p:ph idx="1"/>
+            <p:custDataLst>
+              <p:tags r:id="rId1"/>
+            </p:custDataLst>
+          </p:nvPr>
+        </p:nvPicPr>
+        <p:blipFill>
+          <a:blip r:embed="rId3"/>
+          <a:stretch>
+            <a:fillRect/>
+          </a:stretch>
+        </p:blipFill>
+        <p:spPr>
+          <a:xfrm>
+            <a:off x="669925" y="1005840"/>
+            <a:ext cx="4438650" cy="4540250"/>
+          </a:xfrm>
+          <a:prstGeom prst="rect">
+            <a:avLst/>
+          </a:prstGeom>
+        </p:spPr>
+      </p:pic>
+      <p:sp>
+        <p:nvSpPr>
+          <p:cNvPr id="5" name="文本框 4"/>
+          <p:cNvSpPr txBox="1"/>
+          <p:nvPr/>
+        </p:nvSpPr>
+        <p:spPr>
+          <a:xfrm>
+            <a:off x="5673725" y="1102360"/>
+            <a:ext cx="6058535" cy="2861310"/>
+          </a:xfrm>
+          <a:prstGeom prst="rect">
+            <a:avLst/>
+          </a:prstGeom>
+          <a:noFill/>
+        </p:spPr>
+        <p:txBody>
+          <a:bodyPr wrap="square" rtlCol="0">
+            <a:spAutoFit/>
+          </a:bodyPr>
+          <a:lstStyle/>
+          <a:p>
+            <a:r>
+              <a:rPr lang="en-US" altLang="zh-CN">
+                <a:solidFill>
+                  <a:schemeClr val="bg1"/>
+                </a:solidFill>
+              </a:rPr>
+              <a:t>1.</a:t>
+            </a:r>
+            <a:r>
+              <a:rPr lang="zh-CN" altLang="en-US">
+                <a:solidFill>
+                  <a:schemeClr val="bg1"/>
+                </a:solidFill>
+              </a:rPr>
+              <a:t>直接左递归判断</a:t>
+            </a:r>
+          </a:p>
+          <a:p>
+            <a:r>
+              <a:rPr lang="zh-CN" altLang="en-US">
+                <a:solidFill>
+                  <a:schemeClr val="bg1"/>
+                </a:solidFill>
+              </a:rPr>
+              <a:t>遍历文法，检查是否存在左递归。如果产生式的左部第一个符号等于右部的第一个符号，那么存在左递归。</a:t>
+            </a:r>
+          </a:p>
+          <a:p>
+            <a:r>
+              <a:rPr lang="en-US" altLang="zh-CN">
+                <a:solidFill>
+                  <a:schemeClr val="bg1"/>
+                </a:solidFill>
+              </a:rPr>
+              <a:t>2.</a:t>
+            </a:r>
+            <a:r>
+              <a:rPr lang="zh-CN" altLang="en-US">
+                <a:solidFill>
+                  <a:schemeClr val="bg1"/>
+                </a:solidFill>
+              </a:rPr>
+              <a:t>左公因子判断</a:t>
+            </a:r>
+          </a:p>
+          <a:p>
+            <a:r>
+              <a:rPr lang="zh-CN" altLang="en-US">
+                <a:solidFill>
+                  <a:schemeClr val="bg1"/>
+                </a:solidFill>
+              </a:rPr>
+              <a:t>遍历文法中当前产生式后的产生式，如果两个产生式有相同的左部，则可能存在左公因子</a:t>
+            </a:r>
+          </a:p>
+          <a:p>
+            <a:r>
+              <a:rPr lang="zh-CN" altLang="en-US">
+                <a:solidFill>
+                  <a:schemeClr val="bg1"/>
+                </a:solidFill>
+              </a:rPr>
+              <a:t>比较两个产生式的右部，找到它们的相同部分，如果有一个产生式是另一个产生式的前缀，返回 1 表示存在左公因子</a:t>
+            </a:r>
+          </a:p>
+          <a:p>
+            <a:endParaRPr lang="zh-CN" altLang="en-US">
+              <a:solidFill>
+                <a:schemeClr val="bg1"/>
+              </a:solidFill>
+            </a:endParaRPr>
+          </a:p>
+        </p:txBody>
+      </p:sp>
+    </p:spTree>
+  </p:cSld>
+  <p:clrMapOvr>
+    <a:masterClrMapping/>
+  </p:clrMapOvr>
+</p:sld>
+</file>
+
+<file path=ppt/slides/slide26.xml><?xml version="1.0" encoding="utf-8"?>
+<p:sld xmlns:a="http://schemas.openxmlformats.org/drawingml/2006/main" xmlns:r="http://schemas.openxmlformats.org/officeDocument/2006/relationships" xmlns:p="http://schemas.openxmlformats.org/presentationml/2006/main">
+  <p:cSld>
+    <p:spTree>
+      <p:nvGrpSpPr>
+        <p:cNvPr id="1" name=""/>
+        <p:cNvGrpSpPr/>
+        <p:nvPr/>
+      </p:nvGrpSpPr>
+      <p:grpSpPr>
+        <a:xfrm>
+          <a:off x="0" y="0"/>
+          <a:ext cx="0" cy="0"/>
+          <a:chOff x="0" y="0"/>
+          <a:chExt cx="0" cy="0"/>
+        </a:xfrm>
+      </p:grpSpPr>
+      <p:sp>
+        <p:nvSpPr>
+          <p:cNvPr id="2" name="标题 1"/>
+          <p:cNvSpPr>
+            <a:spLocks noGrp="1"/>
+          </p:cNvSpPr>
+          <p:nvPr>
+            <p:ph type="title"/>
+          </p:nvPr>
+        </p:nvSpPr>
+        <p:spPr/>
+        <p:txBody>
+          <a:bodyPr>
+            <a:normAutofit fontScale="90000"/>
+          </a:bodyPr>
+          <a:lstStyle/>
+          <a:p>
+            <a:r>
+              <a:rPr lang="en-US" altLang="zh-CN"/>
+              <a:t>3.3</a:t>
+            </a:r>
+            <a:r>
+              <a:t>代码实现</a:t>
+            </a:r>
+            <a:r>
+              <a:rPr lang="en-US" altLang="zh-CN"/>
+              <a:t>——</a:t>
+            </a:r>
+            <a:r>
+              <a:t>修改</a:t>
+            </a:r>
+          </a:p>
+        </p:txBody>
+      </p:sp>
+      <p:sp>
+        <p:nvSpPr>
+          <p:cNvPr id="5" name="文本框 4"/>
+          <p:cNvSpPr txBox="1"/>
+          <p:nvPr/>
+        </p:nvSpPr>
+        <p:spPr>
+          <a:xfrm>
+            <a:off x="4236720" y="2005965"/>
+            <a:ext cx="7733030" cy="1753235"/>
+          </a:xfrm>
+          <a:prstGeom prst="rect">
+            <a:avLst/>
+          </a:prstGeom>
+          <a:noFill/>
+        </p:spPr>
+        <p:txBody>
+          <a:bodyPr wrap="square" rtlCol="0">
+            <a:spAutoFit/>
+          </a:bodyPr>
+          <a:lstStyle/>
+          <a:p>
+            <a:r>
+              <a:rPr lang="en-US" altLang="zh-CN">
+                <a:solidFill>
+                  <a:schemeClr val="bg1"/>
+                </a:solidFill>
+              </a:rPr>
+              <a:t>1.</a:t>
+            </a:r>
+            <a:r>
+              <a:rPr lang="zh-CN" altLang="en-US">
+                <a:solidFill>
+                  <a:schemeClr val="bg1"/>
+                </a:solidFill>
+              </a:rPr>
+              <a:t>左递归修改</a:t>
+            </a:r>
+          </a:p>
+          <a:p>
+            <a:r>
+              <a:rPr lang="zh-CN" altLang="en-US">
+                <a:solidFill>
+                  <a:schemeClr val="bg1"/>
+                </a:solidFill>
+              </a:rPr>
+              <a:t>检查是否是左递归。如果左部的第一个字符和右部的第四个字符相同，表示存在左递归。</a:t>
+            </a:r>
+          </a:p>
+          <a:p>
+            <a:r>
+              <a:rPr lang="zh-CN" altLang="en-US">
+                <a:solidFill>
+                  <a:schemeClr val="bg1"/>
+                </a:solidFill>
+              </a:rPr>
+              <a:t>遍历文法找到是否还有相同的左部，再将原产生式右部添加上其他产生式的右部，用 | 分隔</a:t>
+            </a:r>
+          </a:p>
+          <a:p>
+            <a:endParaRPr lang="zh-CN" altLang="en-US">
+              <a:solidFill>
+                <a:schemeClr val="bg1"/>
+              </a:solidFill>
+            </a:endParaRPr>
+          </a:p>
+        </p:txBody>
+      </p:sp>
+      <p:pic>
+        <p:nvPicPr>
+          <p:cNvPr id="7" name="内容占位符 6"/>
+          <p:cNvPicPr>
+            <a:picLocks noGrp="1" noChangeAspect="1"/>
+          </p:cNvPicPr>
+          <p:nvPr>
+            <p:ph idx="1"/>
+            <p:custDataLst>
+              <p:tags r:id="rId1"/>
+            </p:custDataLst>
+          </p:nvPr>
+        </p:nvPicPr>
+        <p:blipFill>
+          <a:blip r:embed="rId3"/>
+          <a:stretch>
+            <a:fillRect/>
+          </a:stretch>
+        </p:blipFill>
+        <p:spPr>
+          <a:xfrm>
+            <a:off x="96520" y="1109980"/>
+            <a:ext cx="4140200" cy="3740150"/>
+          </a:xfrm>
+          <a:prstGeom prst="rect">
+            <a:avLst/>
+          </a:prstGeom>
+        </p:spPr>
+      </p:pic>
+    </p:spTree>
+  </p:cSld>
+  <p:clrMapOvr>
+    <a:masterClrMapping/>
+  </p:clrMapOvr>
+</p:sld>
+</file>
+
+<file path=ppt/slides/slide27.xml><?xml version="1.0" encoding="utf-8"?>
+<p:sld xmlns:a="http://schemas.openxmlformats.org/drawingml/2006/main" xmlns:r="http://schemas.openxmlformats.org/officeDocument/2006/relationships" xmlns:p="http://schemas.openxmlformats.org/presentationml/2006/main">
+  <p:cSld>
+    <p:spTree>
+      <p:nvGrpSpPr>
+        <p:cNvPr id="1" name=""/>
+        <p:cNvGrpSpPr/>
+        <p:nvPr/>
+      </p:nvGrpSpPr>
+      <p:grpSpPr>
+        <a:xfrm>
+          <a:off x="0" y="0"/>
+          <a:ext cx="0" cy="0"/>
+          <a:chOff x="0" y="0"/>
+          <a:chExt cx="0" cy="0"/>
+        </a:xfrm>
+      </p:grpSpPr>
+      <p:sp>
+        <p:nvSpPr>
+          <p:cNvPr id="2" name="标题 1"/>
+          <p:cNvSpPr>
+            <a:spLocks noGrp="1"/>
+          </p:cNvSpPr>
+          <p:nvPr>
+            <p:ph type="title"/>
+          </p:nvPr>
+        </p:nvSpPr>
+        <p:spPr/>
+        <p:txBody>
+          <a:bodyPr>
+            <a:normAutofit fontScale="90000"/>
+          </a:bodyPr>
+          <a:lstStyle/>
+          <a:p>
+            <a:r>
+              <a:rPr lang="en-US" altLang="zh-CN"/>
+              <a:t>3.3</a:t>
+            </a:r>
+            <a:r>
+              <a:t>代码实现</a:t>
+            </a:r>
+            <a:r>
+              <a:rPr lang="en-US" altLang="zh-CN"/>
+              <a:t>——</a:t>
+            </a:r>
+            <a:r>
+              <a:t>修改</a:t>
+            </a:r>
+          </a:p>
+        </p:txBody>
+      </p:sp>
+      <p:sp>
+        <p:nvSpPr>
+          <p:cNvPr id="5" name="文本框 4"/>
+          <p:cNvSpPr txBox="1"/>
+          <p:nvPr/>
+        </p:nvSpPr>
+        <p:spPr>
+          <a:xfrm>
+            <a:off x="4098925" y="885190"/>
+            <a:ext cx="7733030" cy="3138170"/>
+          </a:xfrm>
+          <a:prstGeom prst="rect">
+            <a:avLst/>
+          </a:prstGeom>
+          <a:noFill/>
+        </p:spPr>
+        <p:txBody>
+          <a:bodyPr wrap="square" rtlCol="0">
+            <a:spAutoFit/>
+          </a:bodyPr>
+          <a:lstStyle/>
+          <a:p>
+            <a:r>
+              <a:rPr lang="en-US" altLang="zh-CN">
+                <a:solidFill>
+                  <a:schemeClr val="bg1"/>
+                </a:solidFill>
+              </a:rPr>
+              <a:t>1.</a:t>
+            </a:r>
+            <a:r>
+              <a:rPr lang="zh-CN" altLang="en-US">
+                <a:solidFill>
+                  <a:schemeClr val="bg1"/>
+                </a:solidFill>
+              </a:rPr>
+              <a:t>左递归修改</a:t>
+            </a:r>
+          </a:p>
+          <a:p>
+            <a:r>
+              <a:rPr lang="zh-CN" altLang="en-US">
+                <a:solidFill>
+                  <a:schemeClr val="bg1"/>
+                </a:solidFill>
+              </a:rPr>
+              <a:t>遍历当前产生式的右部，找到第一个 |。</a:t>
+            </a:r>
+          </a:p>
+          <a:p>
+            <a:r>
+              <a:rPr lang="zh-CN" altLang="en-US">
+                <a:solidFill>
+                  <a:schemeClr val="bg1"/>
+                </a:solidFill>
+              </a:rPr>
+              <a:t>获取当前产生式的第四位和</a:t>
+            </a:r>
+            <a:r>
+              <a:rPr lang="en-US" altLang="zh-CN">
+                <a:solidFill>
+                  <a:schemeClr val="bg1"/>
+                </a:solidFill>
+              </a:rPr>
+              <a:t>|</a:t>
+            </a:r>
+            <a:r>
+              <a:rPr lang="zh-CN" altLang="en-US">
+                <a:solidFill>
+                  <a:schemeClr val="bg1"/>
+                </a:solidFill>
+              </a:rPr>
+              <a:t>之间的部分</a:t>
+            </a:r>
+          </a:p>
+          <a:p>
+            <a:r>
+              <a:rPr lang="zh-CN" altLang="en-US">
+                <a:solidFill>
+                  <a:schemeClr val="bg1"/>
+                </a:solidFill>
+              </a:rPr>
+              <a:t>根据非终结符集合获取新符号</a:t>
+            </a:r>
+          </a:p>
+          <a:p>
+            <a:r>
+              <a:rPr lang="zh-CN" altLang="en-US">
+                <a:solidFill>
+                  <a:schemeClr val="bg1"/>
+                </a:solidFill>
+              </a:rPr>
+              <a:t>构造新的非终结符对应的产生式</a:t>
+            </a:r>
+          </a:p>
+          <a:p>
+            <a:r>
+              <a:rPr lang="zh-CN" altLang="en-US">
+                <a:solidFill>
+                  <a:schemeClr val="bg1"/>
+                </a:solidFill>
+              </a:rPr>
+              <a:t>继续遍历当前产生式右部，当第</a:t>
+            </a:r>
+            <a:r>
+              <a:rPr lang="en-US" altLang="zh-CN">
+                <a:solidFill>
+                  <a:schemeClr val="bg1"/>
+                </a:solidFill>
+              </a:rPr>
+              <a:t>s</a:t>
+            </a:r>
+            <a:r>
+              <a:rPr lang="zh-CN" altLang="en-US">
+                <a:solidFill>
+                  <a:schemeClr val="bg1"/>
+                </a:solidFill>
+              </a:rPr>
+              <a:t>个是</a:t>
+            </a:r>
+            <a:r>
+              <a:rPr lang="en-US" altLang="zh-CN">
+                <a:solidFill>
+                  <a:schemeClr val="bg1"/>
+                </a:solidFill>
+              </a:rPr>
+              <a:t>“|”</a:t>
+            </a:r>
+            <a:r>
+              <a:rPr lang="zh-CN" altLang="en-US">
+                <a:solidFill>
+                  <a:schemeClr val="bg1"/>
+                </a:solidFill>
+              </a:rPr>
+              <a:t>或者</a:t>
+            </a:r>
+            <a:r>
+              <a:rPr lang="en-US" altLang="zh-CN">
+                <a:solidFill>
+                  <a:schemeClr val="bg1"/>
+                </a:solidFill>
+              </a:rPr>
+              <a:t>s</a:t>
+            </a:r>
+            <a:r>
+              <a:rPr lang="zh-CN" altLang="en-US">
+                <a:solidFill>
+                  <a:schemeClr val="bg1"/>
+                </a:solidFill>
+              </a:rPr>
+              <a:t>后面达到产生式结尾时，提取</a:t>
+            </a:r>
+            <a:r>
+              <a:rPr lang="en-US" altLang="zh-CN">
+                <a:solidFill>
+                  <a:schemeClr val="bg1"/>
+                </a:solidFill>
+              </a:rPr>
+              <a:t>s</a:t>
+            </a:r>
+            <a:r>
+              <a:rPr lang="zh-CN" altLang="en-US">
+                <a:solidFill>
+                  <a:schemeClr val="bg1"/>
+                </a:solidFill>
+              </a:rPr>
+              <a:t>之前</a:t>
+            </a:r>
+            <a:r>
+              <a:rPr lang="en-US" altLang="zh-CN">
+                <a:solidFill>
+                  <a:schemeClr val="bg1"/>
+                </a:solidFill>
+              </a:rPr>
+              <a:t> L+2</a:t>
+            </a:r>
+            <a:r>
+              <a:rPr lang="zh-CN" altLang="en-US">
+                <a:solidFill>
+                  <a:schemeClr val="bg1"/>
+                </a:solidFill>
+              </a:rPr>
+              <a:t>之后的符号（先判断前一个符号是否与初始符号相等）</a:t>
+            </a:r>
+          </a:p>
+          <a:p>
+            <a:r>
+              <a:rPr lang="zh-CN" altLang="en-US">
+                <a:solidFill>
+                  <a:schemeClr val="bg1"/>
+                </a:solidFill>
+                <a:sym typeface="+mn-ea"/>
+              </a:rPr>
+              <a:t>根据非终结符集合获取新符号</a:t>
+            </a:r>
+            <a:endParaRPr lang="zh-CN" altLang="en-US">
+              <a:solidFill>
+                <a:schemeClr val="bg1"/>
+              </a:solidFill>
+            </a:endParaRPr>
+          </a:p>
+          <a:p>
+            <a:r>
+              <a:rPr lang="zh-CN" altLang="en-US">
+                <a:solidFill>
+                  <a:schemeClr val="bg1"/>
+                </a:solidFill>
+                <a:sym typeface="+mn-ea"/>
+              </a:rPr>
+              <a:t>构造新的非终结符对应的产生式</a:t>
+            </a:r>
+            <a:endParaRPr lang="zh-CN" altLang="en-US">
+              <a:solidFill>
+                <a:schemeClr val="bg1"/>
+              </a:solidFill>
+            </a:endParaRPr>
+          </a:p>
+          <a:p>
+            <a:r>
+              <a:rPr lang="zh-CN" altLang="en-US">
+                <a:solidFill>
+                  <a:schemeClr val="bg1"/>
+                </a:solidFill>
+              </a:rPr>
+              <a:t>如果不相等</a:t>
+            </a:r>
+          </a:p>
+          <a:p>
+            <a:r>
+              <a:rPr lang="zh-CN" altLang="en-US">
+                <a:solidFill>
+                  <a:schemeClr val="bg1"/>
+                </a:solidFill>
+              </a:rPr>
+              <a:t>则可知遍历到左递归后半部分</a:t>
+            </a:r>
+          </a:p>
+        </p:txBody>
+      </p:sp>
+      <p:pic>
+        <p:nvPicPr>
+          <p:cNvPr id="4" name="内容占位符 3"/>
+          <p:cNvPicPr>
+            <a:picLocks noGrp="1" noChangeAspect="1"/>
+          </p:cNvPicPr>
+          <p:nvPr>
+            <p:ph idx="1"/>
+            <p:custDataLst>
+              <p:tags r:id="rId1"/>
+            </p:custDataLst>
+          </p:nvPr>
+        </p:nvPicPr>
+        <p:blipFill>
+          <a:blip r:embed="rId4"/>
+          <a:stretch>
+            <a:fillRect/>
+          </a:stretch>
+        </p:blipFill>
+        <p:spPr>
+          <a:xfrm>
+            <a:off x="0" y="885190"/>
+            <a:ext cx="4098925" cy="5388610"/>
+          </a:xfrm>
+          <a:prstGeom prst="rect">
+            <a:avLst/>
+          </a:prstGeom>
+        </p:spPr>
+      </p:pic>
+      <p:pic>
+        <p:nvPicPr>
+          <p:cNvPr id="6" name="图片 5"/>
+          <p:cNvPicPr>
+            <a:picLocks noChangeAspect="1"/>
+          </p:cNvPicPr>
+          <p:nvPr>
+            <p:custDataLst>
+              <p:tags r:id="rId2"/>
+            </p:custDataLst>
+          </p:nvPr>
+        </p:nvPicPr>
+        <p:blipFill>
+          <a:blip r:embed="rId5"/>
+          <a:stretch>
+            <a:fillRect/>
+          </a:stretch>
+        </p:blipFill>
+        <p:spPr>
+          <a:xfrm>
+            <a:off x="7226935" y="3632200"/>
+            <a:ext cx="1638300" cy="406400"/>
+          </a:xfrm>
+          <a:prstGeom prst="rect">
+            <a:avLst/>
+          </a:prstGeom>
+        </p:spPr>
+      </p:pic>
+      <p:sp>
+        <p:nvSpPr>
+          <p:cNvPr id="9" name="文本框 8"/>
+          <p:cNvSpPr txBox="1"/>
+          <p:nvPr/>
+        </p:nvSpPr>
+        <p:spPr>
+          <a:xfrm>
+            <a:off x="4098925" y="4246245"/>
+            <a:ext cx="5455285" cy="368300"/>
+          </a:xfrm>
+          <a:prstGeom prst="rect">
+            <a:avLst/>
+          </a:prstGeom>
+          <a:noFill/>
+        </p:spPr>
+        <p:txBody>
+          <a:bodyPr wrap="square" rtlCol="0">
+            <a:spAutoFit/>
+          </a:bodyPr>
+          <a:lstStyle/>
+          <a:p>
+            <a:r>
+              <a:rPr lang="zh-CN" altLang="en-US">
+                <a:solidFill>
+                  <a:schemeClr val="bg1"/>
+                </a:solidFill>
+              </a:rPr>
+              <a:t>使用 | 将当前右公因子部分添加到已有的产生式中</a:t>
+            </a:r>
+          </a:p>
+        </p:txBody>
+      </p:sp>
+    </p:spTree>
+  </p:cSld>
+  <p:clrMapOvr>
+    <a:masterClrMapping/>
+  </p:clrMapOvr>
+</p:sld>
+</file>
+
+<file path=ppt/slides/slide28.xml><?xml version="1.0" encoding="utf-8"?>
+<p:sld xmlns:a="http://schemas.openxmlformats.org/drawingml/2006/main" xmlns:r="http://schemas.openxmlformats.org/officeDocument/2006/relationships" xmlns:p="http://schemas.openxmlformats.org/presentationml/2006/main">
+  <p:cSld>
+    <p:spTree>
+      <p:nvGrpSpPr>
+        <p:cNvPr id="1" name=""/>
+        <p:cNvGrpSpPr/>
+        <p:nvPr/>
+      </p:nvGrpSpPr>
+      <p:grpSpPr>
+        <a:xfrm>
+          <a:off x="0" y="0"/>
+          <a:ext cx="0" cy="0"/>
+          <a:chOff x="0" y="0"/>
+          <a:chExt cx="0" cy="0"/>
+        </a:xfrm>
+      </p:grpSpPr>
+      <p:sp>
+        <p:nvSpPr>
+          <p:cNvPr id="2" name="标题 1"/>
+          <p:cNvSpPr>
+            <a:spLocks noGrp="1"/>
+          </p:cNvSpPr>
+          <p:nvPr>
+            <p:ph type="title"/>
+          </p:nvPr>
+        </p:nvSpPr>
+        <p:spPr/>
+        <p:txBody>
+          <a:bodyPr>
+            <a:normAutofit fontScale="90000"/>
+          </a:bodyPr>
+          <a:lstStyle/>
+          <a:p>
+            <a:r>
+              <a:rPr lang="en-US" altLang="zh-CN"/>
+              <a:t>3.3</a:t>
+            </a:r>
+            <a:r>
+              <a:t>代码实现</a:t>
+            </a:r>
+            <a:r>
+              <a:rPr lang="en-US" altLang="zh-CN"/>
+              <a:t>——</a:t>
+            </a:r>
+            <a:r>
+              <a:t>修改</a:t>
+            </a:r>
+          </a:p>
+        </p:txBody>
+      </p:sp>
+      <p:sp>
+        <p:nvSpPr>
+          <p:cNvPr id="5" name="文本框 4"/>
+          <p:cNvSpPr txBox="1"/>
+          <p:nvPr/>
+        </p:nvSpPr>
+        <p:spPr>
+          <a:xfrm>
+            <a:off x="4098925" y="885190"/>
+            <a:ext cx="7733030" cy="2861310"/>
+          </a:xfrm>
+          <a:prstGeom prst="rect">
+            <a:avLst/>
+          </a:prstGeom>
+          <a:noFill/>
+        </p:spPr>
+        <p:txBody>
+          <a:bodyPr wrap="square" rtlCol="0">
+            <a:spAutoFit/>
+          </a:bodyPr>
+          <a:lstStyle/>
+          <a:p>
+            <a:r>
+              <a:rPr lang="en-US" altLang="zh-CN">
+                <a:solidFill>
+                  <a:schemeClr val="bg1"/>
+                </a:solidFill>
+              </a:rPr>
+              <a:t>2.</a:t>
+            </a:r>
+            <a:r>
+              <a:rPr lang="zh-CN" altLang="en-US">
+                <a:solidFill>
+                  <a:schemeClr val="bg1"/>
+                </a:solidFill>
+              </a:rPr>
+              <a:t>左公因子修改</a:t>
+            </a:r>
+          </a:p>
+          <a:p>
+            <a:r>
+              <a:rPr lang="zh-CN" altLang="en-US">
+                <a:solidFill>
+                  <a:schemeClr val="bg1"/>
+                </a:solidFill>
+              </a:rPr>
+              <a:t>遍历文法中当前产生式之后的产生式，查找是否存在左公因子</a:t>
+            </a:r>
+          </a:p>
+          <a:p>
+            <a:r>
+              <a:rPr lang="zh-CN" altLang="en-US">
+                <a:solidFill>
+                  <a:schemeClr val="bg1"/>
+                </a:solidFill>
+              </a:rPr>
+              <a:t>找到左公因子的部分，如果 k 等于产生式 Gram[i] 的长度，说明 Gram[</a:t>
+            </a:r>
+            <a:r>
+              <a:rPr lang="en-US" altLang="zh-CN">
+                <a:solidFill>
+                  <a:schemeClr val="bg1"/>
+                </a:solidFill>
+              </a:rPr>
+              <a:t>i</a:t>
+            </a:r>
+            <a:r>
+              <a:rPr lang="zh-CN" altLang="en-US">
+                <a:solidFill>
+                  <a:schemeClr val="bg1"/>
+                </a:solidFill>
+              </a:rPr>
+              <a:t>] 是 Gram[</a:t>
+            </a:r>
+            <a:r>
+              <a:rPr lang="en-US" altLang="zh-CN">
+                <a:solidFill>
+                  <a:schemeClr val="bg1"/>
+                </a:solidFill>
+              </a:rPr>
+              <a:t>j</a:t>
+            </a:r>
+            <a:r>
+              <a:rPr lang="zh-CN" altLang="en-US">
+                <a:solidFill>
+                  <a:schemeClr val="bg1"/>
+                </a:solidFill>
+              </a:rPr>
+              <a:t>] 的前缀，将 ɛ 添加到 Gram[i] 的右部。</a:t>
+            </a:r>
+          </a:p>
+          <a:p>
+            <a:r>
+              <a:rPr lang="zh-CN" altLang="en-US">
+                <a:solidFill>
+                  <a:schemeClr val="bg1"/>
+                </a:solidFill>
+              </a:rPr>
+              <a:t>获取左公因子的部分，即 Gram[i] 和 Gram[j] 相同的前缀</a:t>
+            </a:r>
+          </a:p>
+          <a:p>
+            <a:r>
+              <a:rPr lang="zh-CN" altLang="en-US">
+                <a:solidFill>
+                  <a:schemeClr val="bg1"/>
+                </a:solidFill>
+              </a:rPr>
+              <a:t>获取 Gram[i] 中剩余的部分</a:t>
+            </a:r>
+          </a:p>
+          <a:p>
+            <a:r>
+              <a:rPr lang="zh-CN" altLang="en-US">
+                <a:solidFill>
+                  <a:schemeClr val="bg1"/>
+                </a:solidFill>
+              </a:rPr>
+              <a:t>获取 Gram[j] 中剩余的部分</a:t>
+            </a:r>
+          </a:p>
+          <a:p>
+            <a:r>
+              <a:rPr lang="zh-CN" altLang="en-US">
+                <a:solidFill>
+                  <a:schemeClr val="bg1"/>
+                </a:solidFill>
+              </a:rPr>
+              <a:t>将 Gram[i] 的右部更新为左公因子的部分加上新的非终结符。</a:t>
+            </a:r>
+          </a:p>
+          <a:p>
+            <a:r>
+              <a:rPr lang="zh-CN" altLang="en-US">
+                <a:solidFill>
+                  <a:schemeClr val="bg1"/>
+                </a:solidFill>
+              </a:rPr>
+              <a:t>将 Gram[j] 更新为新的非终结符加上剩余部分</a:t>
+            </a:r>
+          </a:p>
+          <a:p>
+            <a:r>
+              <a:rPr lang="zh-CN" altLang="en-US">
+                <a:solidFill>
+                  <a:schemeClr val="bg1"/>
+                </a:solidFill>
+              </a:rPr>
+              <a:t>如果还存在左公因子，递归调用 changeLeft() 继续处理。</a:t>
+            </a:r>
+          </a:p>
+        </p:txBody>
+      </p:sp>
+      <p:pic>
+        <p:nvPicPr>
+          <p:cNvPr id="10" name="内容占位符 9"/>
+          <p:cNvPicPr>
+            <a:picLocks noGrp="1" noChangeAspect="1"/>
+          </p:cNvPicPr>
+          <p:nvPr>
+            <p:ph idx="1"/>
+            <p:custDataLst>
+              <p:tags r:id="rId1"/>
+            </p:custDataLst>
+          </p:nvPr>
+        </p:nvPicPr>
+        <p:blipFill>
+          <a:blip r:embed="rId3"/>
+          <a:stretch>
+            <a:fillRect/>
+          </a:stretch>
+        </p:blipFill>
+        <p:spPr>
+          <a:xfrm>
+            <a:off x="0" y="952500"/>
+            <a:ext cx="4097655" cy="5388610"/>
+          </a:xfrm>
+          <a:prstGeom prst="rect">
+            <a:avLst/>
+          </a:prstGeom>
+        </p:spPr>
+      </p:pic>
+    </p:spTree>
   </p:cSld>
   <p:clrMapOvr>
     <a:masterClrMapping/>
@@ -23947,7 +25980,7 @@
           </p:nvPr>
         </p:nvPicPr>
         <p:blipFill>
-          <a:blip r:embed="rId5"/>
+          <a:blip r:embed="rId4"/>
           <a:stretch>
             <a:fillRect/>
           </a:stretch>
@@ -23964,27 +25997,28 @@
       </p:pic>
       <p:pic>
         <p:nvPicPr>
-          <p:cNvPr id="5" name="图片 4"/>
+          <p:cNvPr id="8" name="图片 7">
+            <a:extLst>
+              <a:ext uri="{FF2B5EF4-FFF2-40B4-BE49-F238E27FC236}">
+                <a16:creationId xmlns:a16="http://schemas.microsoft.com/office/drawing/2014/main" id="{D1138C2B-7704-8CB5-9895-64AFC6F55608}"/>
+              </a:ext>
+            </a:extLst>
+          </p:cNvPr>
           <p:cNvPicPr>
             <a:picLocks noChangeAspect="1"/>
           </p:cNvPicPr>
-          <p:nvPr>
-            <p:custDataLst>
-              <p:tags r:id="rId3"/>
-            </p:custDataLst>
-          </p:nvPr>
+          <p:nvPr/>
         </p:nvPicPr>
         <p:blipFill>
-          <a:blip r:embed="rId6"/>
-          <a:srcRect r="50253"/>
+          <a:blip r:embed="rId5"/>
           <a:stretch>
             <a:fillRect/>
           </a:stretch>
         </p:blipFill>
         <p:spPr>
           <a:xfrm>
-            <a:off x="7839075" y="1356360"/>
-            <a:ext cx="3913505" cy="4773930"/>
+            <a:off x="7788501" y="885198"/>
+            <a:ext cx="3844910" cy="5837528"/>
           </a:xfrm>
           <a:prstGeom prst="rect">
             <a:avLst/>
@@ -24003,6 +26037,158 @@
 </file>
 
 <file path=ppt/slides/slide5.xml><?xml version="1.0" encoding="utf-8"?>
+<p:sld xmlns:a="http://schemas.openxmlformats.org/drawingml/2006/main" xmlns:r="http://schemas.openxmlformats.org/officeDocument/2006/relationships" xmlns:p="http://schemas.openxmlformats.org/presentationml/2006/main">
+  <p:cSld>
+    <p:spTree>
+      <p:nvGrpSpPr>
+        <p:cNvPr id="1" name=""/>
+        <p:cNvGrpSpPr/>
+        <p:nvPr/>
+      </p:nvGrpSpPr>
+      <p:grpSpPr>
+        <a:xfrm>
+          <a:off x="0" y="0"/>
+          <a:ext cx="0" cy="0"/>
+          <a:chOff x="0" y="0"/>
+          <a:chExt cx="0" cy="0"/>
+        </a:xfrm>
+      </p:grpSpPr>
+      <p:sp>
+        <p:nvSpPr>
+          <p:cNvPr id="2" name="标题 1">
+            <a:extLst>
+              <a:ext uri="{FF2B5EF4-FFF2-40B4-BE49-F238E27FC236}">
+                <a16:creationId xmlns:a16="http://schemas.microsoft.com/office/drawing/2014/main" id="{618532D5-199F-8912-8DC2-5A77871354A5}"/>
+              </a:ext>
+            </a:extLst>
+          </p:cNvPr>
+          <p:cNvSpPr>
+            <a:spLocks noGrp="1"/>
+          </p:cNvSpPr>
+          <p:nvPr>
+            <p:ph type="title"/>
+          </p:nvPr>
+        </p:nvSpPr>
+        <p:spPr/>
+        <p:txBody>
+          <a:bodyPr>
+            <a:normAutofit fontScale="90000"/>
+          </a:bodyPr>
+          <a:lstStyle/>
+          <a:p>
+            <a:r>
+              <a:rPr lang="zh-CN" altLang="en-US" dirty="0"/>
+              <a:t>实验仓库</a:t>
+            </a:r>
+          </a:p>
+        </p:txBody>
+      </p:sp>
+      <p:sp>
+        <p:nvSpPr>
+          <p:cNvPr id="3" name="内容占位符 2">
+            <a:extLst>
+              <a:ext uri="{FF2B5EF4-FFF2-40B4-BE49-F238E27FC236}">
+                <a16:creationId xmlns:a16="http://schemas.microsoft.com/office/drawing/2014/main" id="{C4379B40-89CE-1D48-9643-5EB6592FF4E5}"/>
+              </a:ext>
+            </a:extLst>
+          </p:cNvPr>
+          <p:cNvSpPr>
+            <a:spLocks noGrp="1"/>
+          </p:cNvSpPr>
+          <p:nvPr>
+            <p:ph idx="1"/>
+          </p:nvPr>
+        </p:nvSpPr>
+        <p:spPr/>
+        <p:txBody>
+          <a:bodyPr/>
+          <a:lstStyle/>
+          <a:p>
+            <a:r>
+              <a:rPr lang="zh-CN" altLang="en-US" dirty="0">
+                <a:hlinkClick r:id="rId2"/>
+              </a:rPr>
+              <a:t>实验三 自顶向下语法分析程序</a:t>
+            </a:r>
+            <a:endParaRPr lang="en-US" altLang="zh-CN" dirty="0"/>
+          </a:p>
+          <a:p>
+            <a:endParaRPr lang="zh-CN" altLang="en-US" dirty="0"/>
+          </a:p>
+        </p:txBody>
+      </p:sp>
+      <p:pic>
+        <p:nvPicPr>
+          <p:cNvPr id="7" name="图片 6">
+            <a:extLst>
+              <a:ext uri="{FF2B5EF4-FFF2-40B4-BE49-F238E27FC236}">
+                <a16:creationId xmlns:a16="http://schemas.microsoft.com/office/drawing/2014/main" id="{20BEE13F-20C7-AEC0-5663-F1B46ACF3829}"/>
+              </a:ext>
+            </a:extLst>
+          </p:cNvPr>
+          <p:cNvPicPr>
+            <a:picLocks noChangeAspect="1"/>
+          </p:cNvPicPr>
+          <p:nvPr/>
+        </p:nvPicPr>
+        <p:blipFill rotWithShape="1">
+          <a:blip r:embed="rId3"/>
+          <a:srcRect r="65319"/>
+          <a:stretch/>
+        </p:blipFill>
+        <p:spPr>
+          <a:xfrm>
+            <a:off x="669881" y="1478102"/>
+            <a:ext cx="2862213" cy="4930623"/>
+          </a:xfrm>
+          <a:prstGeom prst="rect">
+            <a:avLst/>
+          </a:prstGeom>
+        </p:spPr>
+      </p:pic>
+      <p:pic>
+        <p:nvPicPr>
+          <p:cNvPr id="9" name="图片 8">
+            <a:extLst>
+              <a:ext uri="{FF2B5EF4-FFF2-40B4-BE49-F238E27FC236}">
+                <a16:creationId xmlns:a16="http://schemas.microsoft.com/office/drawing/2014/main" id="{985003D9-C655-B01B-4555-992A06170327}"/>
+              </a:ext>
+            </a:extLst>
+          </p:cNvPr>
+          <p:cNvPicPr>
+            <a:picLocks noChangeAspect="1"/>
+          </p:cNvPicPr>
+          <p:nvPr/>
+        </p:nvPicPr>
+        <p:blipFill rotWithShape="1">
+          <a:blip r:embed="rId4"/>
+          <a:srcRect r="51015"/>
+          <a:stretch/>
+        </p:blipFill>
+        <p:spPr>
+          <a:xfrm>
+            <a:off x="6268111" y="443234"/>
+            <a:ext cx="5188783" cy="6332769"/>
+          </a:xfrm>
+          <a:prstGeom prst="rect">
+            <a:avLst/>
+          </a:prstGeom>
+        </p:spPr>
+      </p:pic>
+    </p:spTree>
+    <p:extLst>
+      <p:ext uri="{BB962C8B-B14F-4D97-AF65-F5344CB8AC3E}">
+        <p14:creationId xmlns:p14="http://schemas.microsoft.com/office/powerpoint/2010/main" val="3729547398"/>
+      </p:ext>
+    </p:extLst>
+  </p:cSld>
+  <p:clrMapOvr>
+    <a:masterClrMapping/>
+  </p:clrMapOvr>
+</p:sld>
+</file>
+
+<file path=ppt/slides/slide6.xml><?xml version="1.0" encoding="utf-8"?>
 <p:sld xmlns:a="http://schemas.openxmlformats.org/drawingml/2006/main" xmlns:r="http://schemas.openxmlformats.org/officeDocument/2006/relationships" xmlns:p="http://schemas.openxmlformats.org/presentationml/2006/main">
   <p:cSld>
     <p:spTree>
@@ -24253,7 +26439,7 @@
 </p:sld>
 </file>
 
-<file path=ppt/slides/slide6.xml><?xml version="1.0" encoding="utf-8"?>
+<file path=ppt/slides/slide7.xml><?xml version="1.0" encoding="utf-8"?>
 <p:sld xmlns:a="http://schemas.openxmlformats.org/drawingml/2006/main" xmlns:r="http://schemas.openxmlformats.org/officeDocument/2006/relationships" xmlns:p="http://schemas.openxmlformats.org/presentationml/2006/main">
   <p:cSld>
     <p:spTree>
@@ -24377,7 +26563,7 @@
 </p:sld>
 </file>
 
-<file path=ppt/slides/slide7.xml><?xml version="1.0" encoding="utf-8"?>
+<file path=ppt/slides/slide8.xml><?xml version="1.0" encoding="utf-8"?>
 <p:sld xmlns:a="http://schemas.openxmlformats.org/drawingml/2006/main" xmlns:r="http://schemas.openxmlformats.org/officeDocument/2006/relationships" xmlns:p="http://schemas.openxmlformats.org/presentationml/2006/main">
   <p:cSld>
     <p:spTree>
@@ -24548,7 +26734,7 @@
 </p:sld>
 </file>
 
-<file path=ppt/slides/slide8.xml><?xml version="1.0" encoding="utf-8"?>
+<file path=ppt/slides/slide9.xml><?xml version="1.0" encoding="utf-8"?>
 <p:sld xmlns:a="http://schemas.openxmlformats.org/drawingml/2006/main" xmlns:r="http://schemas.openxmlformats.org/officeDocument/2006/relationships" xmlns:p="http://schemas.openxmlformats.org/presentationml/2006/main">
   <p:cSld>
     <p:spTree>
@@ -24806,309 +26992,9 @@
 </p:sld>
 </file>
 
-<file path=ppt/slides/slide9.xml><?xml version="1.0" encoding="utf-8"?>
-<p:sld xmlns:a="http://schemas.openxmlformats.org/drawingml/2006/main" xmlns:r="http://schemas.openxmlformats.org/officeDocument/2006/relationships" xmlns:p="http://schemas.openxmlformats.org/presentationml/2006/main">
-  <p:cSld>
-    <p:spTree>
-      <p:nvGrpSpPr>
-        <p:cNvPr id="1" name=""/>
-        <p:cNvGrpSpPr/>
-        <p:nvPr/>
-      </p:nvGrpSpPr>
-      <p:grpSpPr>
-        <a:xfrm>
-          <a:off x="0" y="0"/>
-          <a:ext cx="0" cy="0"/>
-          <a:chOff x="0" y="0"/>
-          <a:chExt cx="0" cy="0"/>
-        </a:xfrm>
-      </p:grpSpPr>
-      <p:sp>
-        <p:nvSpPr>
-          <p:cNvPr id="2" name="标题 1"/>
-          <p:cNvSpPr>
-            <a:spLocks noGrp="1"/>
-          </p:cNvSpPr>
-          <p:nvPr>
-            <p:ph type="title"/>
-          </p:nvPr>
-        </p:nvSpPr>
-        <p:spPr/>
-        <p:txBody>
-          <a:bodyPr>
-            <a:normAutofit fontScale="90000"/>
-          </a:bodyPr>
-          <a:lstStyle/>
-          <a:p>
-            <a:r>
-              <a:rPr lang="en-US" altLang="zh-CN"/>
-              <a:t>1.2 </a:t>
-            </a:r>
-            <a:r>
-              <a:t>代码实现</a:t>
-            </a:r>
-            <a:r>
-              <a:rPr lang="en-US" altLang="zh-CN"/>
-              <a:t> </a:t>
-            </a:r>
-            <a:r>
-              <a:t>计算</a:t>
-            </a:r>
-            <a:r>
-              <a:rPr lang="en-US" altLang="zh-CN"/>
-              <a:t>First</a:t>
-            </a:r>
-            <a:r>
-              <a:t>集</a:t>
-            </a:r>
-          </a:p>
-        </p:txBody>
-      </p:sp>
-      <p:pic>
-        <p:nvPicPr>
-          <p:cNvPr id="4" name="图片 3"/>
-          <p:cNvPicPr>
-            <a:picLocks noChangeAspect="1"/>
-          </p:cNvPicPr>
-          <p:nvPr/>
-        </p:nvPicPr>
-        <p:blipFill>
-          <a:blip r:embed="rId2"/>
-          <a:srcRect t="4217"/>
-          <a:stretch>
-            <a:fillRect/>
-          </a:stretch>
-        </p:blipFill>
-        <p:spPr>
-          <a:xfrm>
-            <a:off x="243840" y="2311400"/>
-            <a:ext cx="6965950" cy="4197350"/>
-          </a:xfrm>
-          <a:prstGeom prst="rect">
-            <a:avLst/>
-          </a:prstGeom>
-        </p:spPr>
-      </p:pic>
-      <p:sp>
-        <p:nvSpPr>
-          <p:cNvPr id="6" name="文本框 5"/>
-          <p:cNvSpPr txBox="1"/>
-          <p:nvPr/>
-        </p:nvSpPr>
-        <p:spPr>
-          <a:xfrm>
-            <a:off x="7661275" y="691515"/>
-            <a:ext cx="4064000" cy="6069965"/>
-          </a:xfrm>
-          <a:prstGeom prst="rect">
-            <a:avLst/>
-          </a:prstGeom>
-          <a:noFill/>
-        </p:spPr>
-        <p:txBody>
-          <a:bodyPr wrap="square" rtlCol="0">
-            <a:spAutoFit/>
-          </a:bodyPr>
-          <a:lstStyle/>
-          <a:p>
-            <a:pPr>
-              <a:lnSpc>
-                <a:spcPct val="120000"/>
-              </a:lnSpc>
-            </a:pPr>
-            <a:r>
-              <a:rPr lang="zh-CN" altLang="en-US">
-                <a:solidFill>
-                  <a:schemeClr val="bg1"/>
-                </a:solidFill>
-              </a:rPr>
-              <a:t>非终结符集合non_term：对于每个非终结符X，遍历其对应的产生式集合production[X]中的每个产生式Y。</a:t>
-            </a:r>
-          </a:p>
-          <a:p>
-            <a:pPr>
-              <a:lnSpc>
-                <a:spcPct val="120000"/>
-              </a:lnSpc>
-            </a:pPr>
-            <a:r>
-              <a:rPr lang="zh-CN" altLang="en-US">
-                <a:solidFill>
-                  <a:schemeClr val="bg1"/>
-                </a:solidFill>
-              </a:rPr>
-              <a:t>进入</a:t>
-            </a:r>
-            <a:r>
-              <a:rPr lang="zh-CN" altLang="en-US" b="1">
-                <a:solidFill>
-                  <a:schemeClr val="bg1"/>
-                </a:solidFill>
-              </a:rPr>
-              <a:t>内层循环</a:t>
-            </a:r>
-            <a:r>
-              <a:rPr lang="zh-CN" altLang="en-US">
-                <a:solidFill>
-                  <a:schemeClr val="bg1"/>
-                </a:solidFill>
-              </a:rPr>
-              <a:t>，当标记变量mark为True且i小于产生式Y的长度时：</a:t>
-            </a:r>
-          </a:p>
-          <a:p>
-            <a:pPr indent="457200">
-              <a:lnSpc>
-                <a:spcPct val="120000"/>
-              </a:lnSpc>
-            </a:pPr>
-            <a:r>
-              <a:rPr lang="zh-CN" altLang="en-US">
-                <a:solidFill>
-                  <a:schemeClr val="bg1"/>
-                </a:solidFill>
-              </a:rPr>
-              <a:t>如果First[Y[i]]中的元素减去集合epsilon的结果不是First[X]的子集，说明还存在没有添加到First[X]中的元素。</a:t>
-            </a:r>
-          </a:p>
-          <a:p>
-            <a:pPr indent="457200">
-              <a:lnSpc>
-                <a:spcPct val="120000"/>
-              </a:lnSpc>
-            </a:pPr>
-            <a:r>
-              <a:rPr lang="zh-CN" altLang="en-US">
-                <a:solidFill>
-                  <a:schemeClr val="bg1"/>
-                </a:solidFill>
-              </a:rPr>
-              <a:t>如果First[Y[i]]中不包含epsilon且Y[i]是非终结符且i大于0，则将First[Y[i]]添加到First[X]中。</a:t>
-            </a:r>
-          </a:p>
-          <a:p>
-            <a:pPr indent="457200">
-              <a:lnSpc>
-                <a:spcPct val="120000"/>
-              </a:lnSpc>
-            </a:pPr>
-            <a:r>
-              <a:rPr lang="zh-CN" altLang="en-US">
-                <a:solidFill>
-                  <a:schemeClr val="bg1"/>
-                </a:solidFill>
-              </a:rPr>
-              <a:t>否则，将First[Y[i]]减去集合epsilon后的结果添加到First[X]中。</a:t>
-            </a:r>
-          </a:p>
-          <a:p>
-            <a:pPr>
-              <a:lnSpc>
-                <a:spcPct val="120000"/>
-              </a:lnSpc>
-            </a:pPr>
-            <a:r>
-              <a:rPr lang="zh-CN" altLang="en-US">
-                <a:solidFill>
-                  <a:schemeClr val="bg1"/>
-                </a:solidFill>
-              </a:rPr>
-              <a:t>如果不能退出</a:t>
-            </a:r>
-            <a:r>
-              <a:rPr lang="en-US" altLang="zh-CN">
-                <a:solidFill>
-                  <a:schemeClr val="bg1"/>
-                </a:solidFill>
-              </a:rPr>
-              <a:t>epsilon</a:t>
-            </a:r>
-            <a:r>
-              <a:rPr lang="zh-CN" altLang="en-US">
-                <a:solidFill>
-                  <a:schemeClr val="bg1"/>
-                </a:solidFill>
-              </a:rPr>
-              <a:t>，则将标记变量mark设为False。</a:t>
-            </a:r>
-          </a:p>
-          <a:p>
-            <a:pPr>
-              <a:lnSpc>
-                <a:spcPct val="120000"/>
-              </a:lnSpc>
-            </a:pPr>
-            <a:r>
-              <a:rPr lang="zh-CN" altLang="en-US">
-                <a:solidFill>
-                  <a:schemeClr val="bg1"/>
-                </a:solidFill>
-              </a:rPr>
-              <a:t>如果标记变量mark为True，说明产生式Y可以推导出epsilon，则将epsilon添加到First[X]中。</a:t>
-            </a:r>
-          </a:p>
-        </p:txBody>
-      </p:sp>
-      <p:sp>
-        <p:nvSpPr>
-          <p:cNvPr id="7" name="文本框 6"/>
-          <p:cNvSpPr txBox="1"/>
-          <p:nvPr/>
-        </p:nvSpPr>
-        <p:spPr>
-          <a:xfrm>
-            <a:off x="375920" y="1203960"/>
-            <a:ext cx="6573520" cy="922020"/>
-          </a:xfrm>
-          <a:prstGeom prst="rect">
-            <a:avLst/>
-          </a:prstGeom>
-          <a:noFill/>
-        </p:spPr>
-        <p:txBody>
-          <a:bodyPr wrap="square" rtlCol="0">
-            <a:spAutoFit/>
-          </a:bodyPr>
-          <a:lstStyle/>
-          <a:p>
-            <a:r>
-              <a:rPr lang="zh-CN" altLang="en-US">
-                <a:solidFill>
-                  <a:schemeClr val="bg1"/>
-                </a:solidFill>
-              </a:rPr>
-              <a:t>设计思路：通过遍历文法的产生式，逐步计算每个非终结符的First集合，并在需要的情况下更新First集合，直到所有的First集合不再更新为止，最终得到输入文法的</a:t>
-            </a:r>
-            <a:r>
-              <a:rPr lang="en-US" altLang="zh-CN">
-                <a:solidFill>
-                  <a:schemeClr val="bg1"/>
-                </a:solidFill>
-              </a:rPr>
-              <a:t>First</a:t>
-            </a:r>
-            <a:r>
-              <a:rPr lang="zh-CN" altLang="en-US">
-                <a:solidFill>
-                  <a:schemeClr val="bg1"/>
-                </a:solidFill>
-              </a:rPr>
-              <a:t>集。</a:t>
-            </a:r>
-          </a:p>
-        </p:txBody>
-      </p:sp>
-    </p:spTree>
-  </p:cSld>
-  <p:clrMapOvr>
-    <a:masterClrMapping/>
-  </p:clrMapOvr>
-</p:sld>
-</file>
-
 <file path=ppt/tags/tag1.xml><?xml version="1.0" encoding="utf-8"?>
 <p:tagLst xmlns:a="http://schemas.openxmlformats.org/drawingml/2006/main" xmlns:r="http://schemas.openxmlformats.org/officeDocument/2006/relationships" xmlns:p="http://schemas.openxmlformats.org/presentationml/2006/main">
-  <p:tag name="COMMONDATA" val="eyJoZGlkIjoiYWJmNTAxYTA0NTllZTU0OWY5NWY0MWNlMzBjNGU2OTYifQ=="/>
+  <p:tag name="COMMONDATA" val="eyJoZGlkIjoiYjI5NTQ3YjI3Nzg3M2MwMmJlMGRhODNiYzJkYTNjN2UifQ=="/>
 </p:tagLst>
 </file>
 
@@ -28674,19 +30560,13 @@
 
 <file path=ppt/tags/tag320.xml><?xml version="1.0" encoding="utf-8"?>
 <p:tagLst xmlns:a="http://schemas.openxmlformats.org/drawingml/2006/main" xmlns:r="http://schemas.openxmlformats.org/officeDocument/2006/relationships" xmlns:p="http://schemas.openxmlformats.org/presentationml/2006/main">
-  <p:tag name="KSO_WM_BEAUTIFY_FLAG" val=""/>
-</p:tagLst>
-</file>
-
-<file path=ppt/tags/tag321.xml><?xml version="1.0" encoding="utf-8"?>
-<p:tagLst xmlns:a="http://schemas.openxmlformats.org/drawingml/2006/main" xmlns:r="http://schemas.openxmlformats.org/officeDocument/2006/relationships" xmlns:p="http://schemas.openxmlformats.org/presentationml/2006/main">
   <p:tag name="KSO_WM_BEAUTIFY_FLAG" val="#wm#"/>
   <p:tag name="KSO_WM_TEMPLATE_CATEGORY" val="custom"/>
   <p:tag name="KSO_WM_TEMPLATE_INDEX" val="20204318"/>
 </p:tagLst>
 </file>
 
-<file path=ppt/tags/tag322.xml><?xml version="1.0" encoding="utf-8"?>
+<file path=ppt/tags/tag321.xml><?xml version="1.0" encoding="utf-8"?>
 <p:tagLst xmlns:a="http://schemas.openxmlformats.org/drawingml/2006/main" xmlns:r="http://schemas.openxmlformats.org/officeDocument/2006/relationships" xmlns:p="http://schemas.openxmlformats.org/presentationml/2006/main">
   <p:tag name="KSO_WM_SLIDE_ID" val="custom20204566_7"/>
   <p:tag name="KSO_WM_TEMPLATE_SUBCATEGORY" val="0"/>
@@ -28705,7 +30585,7 @@
 </p:tagLst>
 </file>
 
-<file path=ppt/tags/tag323.xml><?xml version="1.0" encoding="utf-8"?>
+<file path=ppt/tags/tag322.xml><?xml version="1.0" encoding="utf-8"?>
 <p:tagLst xmlns:a="http://schemas.openxmlformats.org/drawingml/2006/main" xmlns:r="http://schemas.openxmlformats.org/officeDocument/2006/relationships" xmlns:p="http://schemas.openxmlformats.org/presentationml/2006/main">
   <p:tag name="KSO_WM_UNIT_NOCLEAR" val="0"/>
   <p:tag name="KSO_WM_UNIT_VALUE" val="1"/>
@@ -28725,7 +30605,7 @@
 </p:tagLst>
 </file>
 
-<file path=ppt/tags/tag324.xml><?xml version="1.0" encoding="utf-8"?>
+<file path=ppt/tags/tag323.xml><?xml version="1.0" encoding="utf-8"?>
 <p:tagLst xmlns:a="http://schemas.openxmlformats.org/drawingml/2006/main" xmlns:r="http://schemas.openxmlformats.org/officeDocument/2006/relationships" xmlns:p="http://schemas.openxmlformats.org/presentationml/2006/main">
   <p:tag name="KSO_WM_UNIT_ISCONTENTSTITLE" val="0"/>
   <p:tag name="KSO_WM_UNIT_NOCLEAR" val="0"/>
@@ -28746,6 +30626,12 @@
 </p:tagLst>
 </file>
 
+<file path=ppt/tags/tag324.xml><?xml version="1.0" encoding="utf-8"?>
+<p:tagLst xmlns:a="http://schemas.openxmlformats.org/drawingml/2006/main" xmlns:r="http://schemas.openxmlformats.org/officeDocument/2006/relationships" xmlns:p="http://schemas.openxmlformats.org/presentationml/2006/main">
+  <p:tag name="KSO_WM_BEAUTIFY_FLAG" val=""/>
+</p:tagLst>
+</file>
+
 <file path=ppt/tags/tag325.xml><?xml version="1.0" encoding="utf-8"?>
 <p:tagLst xmlns:a="http://schemas.openxmlformats.org/drawingml/2006/main" xmlns:r="http://schemas.openxmlformats.org/officeDocument/2006/relationships" xmlns:p="http://schemas.openxmlformats.org/presentationml/2006/main">
   <p:tag name="KSO_WM_BEAUTIFY_FLAG" val=""/>
@@ -28753,12 +30639,6 @@
 </file>
 
 <file path=ppt/tags/tag326.xml><?xml version="1.0" encoding="utf-8"?>
-<p:tagLst xmlns:a="http://schemas.openxmlformats.org/drawingml/2006/main" xmlns:r="http://schemas.openxmlformats.org/officeDocument/2006/relationships" xmlns:p="http://schemas.openxmlformats.org/presentationml/2006/main">
-  <p:tag name="KSO_WM_BEAUTIFY_FLAG" val=""/>
-</p:tagLst>
-</file>
-
-<file path=ppt/tags/tag327.xml><?xml version="1.0" encoding="utf-8"?>
 <p:tagLst xmlns:a="http://schemas.openxmlformats.org/drawingml/2006/main" xmlns:r="http://schemas.openxmlformats.org/officeDocument/2006/relationships" xmlns:p="http://schemas.openxmlformats.org/presentationml/2006/main">
   <p:tag name="KSO_WM_SLIDE_ID" val="custom20204566_7"/>
   <p:tag name="KSO_WM_TEMPLATE_SUBCATEGORY" val="0"/>
@@ -28777,7 +30657,7 @@
 </p:tagLst>
 </file>
 
-<file path=ppt/tags/tag328.xml><?xml version="1.0" encoding="utf-8"?>
+<file path=ppt/tags/tag327.xml><?xml version="1.0" encoding="utf-8"?>
 <p:tagLst xmlns:a="http://schemas.openxmlformats.org/drawingml/2006/main" xmlns:r="http://schemas.openxmlformats.org/officeDocument/2006/relationships" xmlns:p="http://schemas.openxmlformats.org/presentationml/2006/main">
   <p:tag name="KSO_WM_UNIT_NOCLEAR" val="0"/>
   <p:tag name="KSO_WM_UNIT_VALUE" val="1"/>
@@ -28797,7 +30677,7 @@
 </p:tagLst>
 </file>
 
-<file path=ppt/tags/tag329.xml><?xml version="1.0" encoding="utf-8"?>
+<file path=ppt/tags/tag328.xml><?xml version="1.0" encoding="utf-8"?>
 <p:tagLst xmlns:a="http://schemas.openxmlformats.org/drawingml/2006/main" xmlns:r="http://schemas.openxmlformats.org/officeDocument/2006/relationships" xmlns:p="http://schemas.openxmlformats.org/presentationml/2006/main">
   <p:tag name="KSO_WM_UNIT_ISCONTENTSTITLE" val="0"/>
   <p:tag name="KSO_WM_UNIT_NOCLEAR" val="0"/>
@@ -28818,20 +30698,7 @@
 </p:tagLst>
 </file>
 
-<file path=ppt/tags/tag33.xml><?xml version="1.0" encoding="utf-8"?>
-<p:tagLst xmlns:a="http://schemas.openxmlformats.org/drawingml/2006/main" xmlns:r="http://schemas.openxmlformats.org/officeDocument/2006/relationships" xmlns:p="http://schemas.openxmlformats.org/presentationml/2006/main">
-  <p:tag name="KSO_WM_UNIT_HIGHLIGHT" val="0"/>
-  <p:tag name="KSO_WM_UNIT_COMPATIBLE" val="0"/>
-  <p:tag name="KSO_WM_UNIT_DIAGRAM_ISNUMVISUAL" val="0"/>
-  <p:tag name="KSO_WM_UNIT_DIAGRAM_ISREFERUNIT" val="0"/>
-  <p:tag name="KSO_WM_UNIT_ID" val="_4**"/>
-  <p:tag name="KSO_WM_UNIT_LAYERLEVEL" val="1"/>
-  <p:tag name="KSO_WM_TAG_VERSION" val="1.0"/>
-  <p:tag name="KSO_WM_BEAUTIFY_FLAG" val="#wm#"/>
-</p:tagLst>
-</file>
-
-<file path=ppt/tags/tag330.xml><?xml version="1.0" encoding="utf-8"?>
+<file path=ppt/tags/tag329.xml><?xml version="1.0" encoding="utf-8"?>
 <p:tagLst xmlns:a="http://schemas.openxmlformats.org/drawingml/2006/main" xmlns:r="http://schemas.openxmlformats.org/officeDocument/2006/relationships" xmlns:p="http://schemas.openxmlformats.org/presentationml/2006/main">
   <p:tag name="KSO_WM_SLIDE_ID" val="custom20204566_7"/>
   <p:tag name="KSO_WM_TEMPLATE_SUBCATEGORY" val="0"/>
@@ -28850,7 +30717,20 @@
 </p:tagLst>
 </file>
 
-<file path=ppt/tags/tag331.xml><?xml version="1.0" encoding="utf-8"?>
+<file path=ppt/tags/tag33.xml><?xml version="1.0" encoding="utf-8"?>
+<p:tagLst xmlns:a="http://schemas.openxmlformats.org/drawingml/2006/main" xmlns:r="http://schemas.openxmlformats.org/officeDocument/2006/relationships" xmlns:p="http://schemas.openxmlformats.org/presentationml/2006/main">
+  <p:tag name="KSO_WM_UNIT_HIGHLIGHT" val="0"/>
+  <p:tag name="KSO_WM_UNIT_COMPATIBLE" val="0"/>
+  <p:tag name="KSO_WM_UNIT_DIAGRAM_ISNUMVISUAL" val="0"/>
+  <p:tag name="KSO_WM_UNIT_DIAGRAM_ISREFERUNIT" val="0"/>
+  <p:tag name="KSO_WM_UNIT_ID" val="_4**"/>
+  <p:tag name="KSO_WM_UNIT_LAYERLEVEL" val="1"/>
+  <p:tag name="KSO_WM_TAG_VERSION" val="1.0"/>
+  <p:tag name="KSO_WM_BEAUTIFY_FLAG" val="#wm#"/>
+</p:tagLst>
+</file>
+
+<file path=ppt/tags/tag330.xml><?xml version="1.0" encoding="utf-8"?>
 <p:tagLst xmlns:a="http://schemas.openxmlformats.org/drawingml/2006/main" xmlns:r="http://schemas.openxmlformats.org/officeDocument/2006/relationships" xmlns:p="http://schemas.openxmlformats.org/presentationml/2006/main">
   <p:tag name="KSO_WM_UNIT_NOCLEAR" val="0"/>
   <p:tag name="KSO_WM_UNIT_VALUE" val="1"/>
@@ -28870,7 +30750,7 @@
 </p:tagLst>
 </file>
 
-<file path=ppt/tags/tag332.xml><?xml version="1.0" encoding="utf-8"?>
+<file path=ppt/tags/tag331.xml><?xml version="1.0" encoding="utf-8"?>
 <p:tagLst xmlns:a="http://schemas.openxmlformats.org/drawingml/2006/main" xmlns:r="http://schemas.openxmlformats.org/officeDocument/2006/relationships" xmlns:p="http://schemas.openxmlformats.org/presentationml/2006/main">
   <p:tag name="KSO_WM_UNIT_ISCONTENTSTITLE" val="0"/>
   <p:tag name="KSO_WM_UNIT_NOCLEAR" val="0"/>
@@ -28888,6 +30768,42 @@
   <p:tag name="KSO_WM_TAG_VERSION" val="1.0"/>
   <p:tag name="KSO_WM_BEAUTIFY_FLAG" val="#wm#"/>
   <p:tag name="KSO_WM_UNIT_PRESET_TEXT" val="单击此处添加标题"/>
+</p:tagLst>
+</file>
+
+<file path=ppt/tags/tag332.xml><?xml version="1.0" encoding="utf-8"?>
+<p:tagLst xmlns:a="http://schemas.openxmlformats.org/drawingml/2006/main" xmlns:r="http://schemas.openxmlformats.org/officeDocument/2006/relationships" xmlns:p="http://schemas.openxmlformats.org/presentationml/2006/main">
+  <p:tag name="KSO_WM_BEAUTIFY_FLAG" val=""/>
+</p:tagLst>
+</file>
+
+<file path=ppt/tags/tag333.xml><?xml version="1.0" encoding="utf-8"?>
+<p:tagLst xmlns:a="http://schemas.openxmlformats.org/drawingml/2006/main" xmlns:r="http://schemas.openxmlformats.org/officeDocument/2006/relationships" xmlns:p="http://schemas.openxmlformats.org/presentationml/2006/main">
+  <p:tag name="KSO_WM_BEAUTIFY_FLAG" val=""/>
+</p:tagLst>
+</file>
+
+<file path=ppt/tags/tag334.xml><?xml version="1.0" encoding="utf-8"?>
+<p:tagLst xmlns:a="http://schemas.openxmlformats.org/drawingml/2006/main" xmlns:r="http://schemas.openxmlformats.org/officeDocument/2006/relationships" xmlns:p="http://schemas.openxmlformats.org/presentationml/2006/main">
+  <p:tag name="KSO_WM_BEAUTIFY_FLAG" val=""/>
+</p:tagLst>
+</file>
+
+<file path=ppt/tags/tag335.xml><?xml version="1.0" encoding="utf-8"?>
+<p:tagLst xmlns:a="http://schemas.openxmlformats.org/drawingml/2006/main" xmlns:r="http://schemas.openxmlformats.org/officeDocument/2006/relationships" xmlns:p="http://schemas.openxmlformats.org/presentationml/2006/main">
+  <p:tag name="KSO_WM_BEAUTIFY_FLAG" val=""/>
+</p:tagLst>
+</file>
+
+<file path=ppt/tags/tag336.xml><?xml version="1.0" encoding="utf-8"?>
+<p:tagLst xmlns:a="http://schemas.openxmlformats.org/drawingml/2006/main" xmlns:r="http://schemas.openxmlformats.org/officeDocument/2006/relationships" xmlns:p="http://schemas.openxmlformats.org/presentationml/2006/main">
+  <p:tag name="KSO_WM_BEAUTIFY_FLAG" val=""/>
+</p:tagLst>
+</file>
+
+<file path=ppt/tags/tag337.xml><?xml version="1.0" encoding="utf-8"?>
+<p:tagLst xmlns:a="http://schemas.openxmlformats.org/drawingml/2006/main" xmlns:r="http://schemas.openxmlformats.org/officeDocument/2006/relationships" xmlns:p="http://schemas.openxmlformats.org/presentationml/2006/main">
+  <p:tag name="KSO_WM_BEAUTIFY_FLAG" val=""/>
 </p:tagLst>
 </file>
 

--- a/chap0x03/PPT/实验三  自顶向下语法分析程序.pptx
+++ b/chap0x03/PPT/实验三  自顶向下语法分析程序.pptx
@@ -17,9 +17,9 @@
     <p:sldId id="274" r:id="rId8"/>
     <p:sldId id="260" r:id="rId9"/>
     <p:sldId id="269" r:id="rId10"/>
-    <p:sldId id="275" r:id="rId11"/>
-    <p:sldId id="270" r:id="rId12"/>
-    <p:sldId id="276" r:id="rId13"/>
+    <p:sldId id="270" r:id="rId11"/>
+    <p:sldId id="276" r:id="rId12"/>
+    <p:sldId id="275" r:id="rId13"/>
     <p:sldId id="261" r:id="rId14"/>
     <p:sldId id="277" r:id="rId15"/>
     <p:sldId id="292" r:id="rId16"/>
@@ -242,7 +242,7 @@
           <a:p>
             <a:fld id="{D2A48B96-639E-45A3-A0BA-2464DFDB1FAA}" type="datetimeFigureOut">
               <a:rPr lang="zh-CN" altLang="en-US" smtClean="0"/>
-              <a:t>2023/11/23</a:t>
+              <a:t>2023/11/27</a:t>
             </a:fld>
             <a:endParaRPr lang="zh-CN" altLang="en-US"/>
           </a:p>
@@ -758,7 +758,7 @@
           <a:p>
             <a:fld id="{760FBDFE-C587-4B4C-A407-44438C67B59E}" type="datetimeFigureOut">
               <a:rPr lang="zh-CN" altLang="en-US" smtClean="0"/>
-              <a:t>2023/11/23</a:t>
+              <a:t>2023/11/27</a:t>
             </a:fld>
             <a:endParaRPr lang="zh-CN" altLang="en-US"/>
           </a:p>
@@ -1110,7 +1110,7 @@
           <a:p>
             <a:fld id="{760FBDFE-C587-4B4C-A407-44438C67B59E}" type="datetimeFigureOut">
               <a:rPr lang="zh-CN" altLang="en-US" smtClean="0"/>
-              <a:t>2023/11/23</a:t>
+              <a:t>2023/11/27</a:t>
             </a:fld>
             <a:endParaRPr lang="zh-CN" altLang="en-US"/>
           </a:p>
@@ -1377,7 +1377,7 @@
           <a:p>
             <a:fld id="{760FBDFE-C587-4B4C-A407-44438C67B59E}" type="datetimeFigureOut">
               <a:rPr lang="zh-CN" altLang="en-US" smtClean="0"/>
-              <a:t>2023/11/23</a:t>
+              <a:t>2023/11/27</a:t>
             </a:fld>
             <a:endParaRPr lang="zh-CN" altLang="en-US"/>
           </a:p>
@@ -1805,7 +1805,7 @@
           <a:p>
             <a:fld id="{760FBDFE-C587-4B4C-A407-44438C67B59E}" type="datetimeFigureOut">
               <a:rPr lang="zh-CN" altLang="en-US" smtClean="0"/>
-              <a:t>2023/11/23</a:t>
+              <a:t>2023/11/27</a:t>
             </a:fld>
             <a:endParaRPr lang="zh-CN" altLang="en-US"/>
           </a:p>
@@ -2201,7 +2201,7 @@
           <a:p>
             <a:fld id="{760FBDFE-C587-4B4C-A407-44438C67B59E}" type="datetimeFigureOut">
               <a:rPr lang="zh-CN" altLang="en-US" smtClean="0"/>
-              <a:t>2023/11/23</a:t>
+              <a:t>2023/11/27</a:t>
             </a:fld>
             <a:endParaRPr lang="zh-CN" altLang="en-US"/>
           </a:p>
@@ -2464,7 +2464,7 @@
           <a:p>
             <a:fld id="{760FBDFE-C587-4B4C-A407-44438C67B59E}" type="datetimeFigureOut">
               <a:rPr lang="zh-CN" altLang="en-US" smtClean="0"/>
-              <a:t>2023/11/23</a:t>
+              <a:t>2023/11/27</a:t>
             </a:fld>
             <a:endParaRPr lang="zh-CN" altLang="en-US"/>
           </a:p>
@@ -2967,7 +2967,7 @@
           <a:p>
             <a:fld id="{760FBDFE-C587-4B4C-A407-44438C67B59E}" type="datetimeFigureOut">
               <a:rPr lang="zh-CN" altLang="en-US" smtClean="0"/>
-              <a:t>2023/11/23</a:t>
+              <a:t>2023/11/27</a:t>
             </a:fld>
             <a:endParaRPr lang="zh-CN" altLang="en-US"/>
           </a:p>
@@ -3406,7 +3406,7 @@
           <a:p>
             <a:fld id="{760FBDFE-C587-4B4C-A407-44438C67B59E}" type="datetimeFigureOut">
               <a:rPr lang="zh-CN" altLang="en-US" smtClean="0"/>
-              <a:t>2023/11/23</a:t>
+              <a:t>2023/11/27</a:t>
             </a:fld>
             <a:endParaRPr lang="zh-CN" altLang="en-US"/>
           </a:p>
@@ -3845,7 +3845,7 @@
           <a:p>
             <a:fld id="{760FBDFE-C587-4B4C-A407-44438C67B59E}" type="datetimeFigureOut">
               <a:rPr lang="zh-CN" altLang="en-US" smtClean="0"/>
-              <a:t>2023/11/23</a:t>
+              <a:t>2023/11/27</a:t>
             </a:fld>
             <a:endParaRPr lang="zh-CN" altLang="en-US"/>
           </a:p>
@@ -4434,7 +4434,7 @@
           <a:p>
             <a:fld id="{760FBDFE-C587-4B4C-A407-44438C67B59E}" type="datetimeFigureOut">
               <a:rPr lang="zh-CN" altLang="en-US" smtClean="0"/>
-              <a:t>2023/11/23</a:t>
+              <a:t>2023/11/27</a:t>
             </a:fld>
             <a:endParaRPr lang="zh-CN" altLang="en-US"/>
           </a:p>
@@ -4668,7 +4668,7 @@
           <a:p>
             <a:fld id="{760FBDFE-C587-4B4C-A407-44438C67B59E}" type="datetimeFigureOut">
               <a:rPr lang="zh-CN" altLang="en-US" smtClean="0"/>
-              <a:t>2023/11/23</a:t>
+              <a:t>2023/11/27</a:t>
             </a:fld>
             <a:endParaRPr lang="zh-CN" altLang="en-US"/>
           </a:p>
@@ -5258,7 +5258,7 @@
           <a:p>
             <a:fld id="{760FBDFE-C587-4B4C-A407-44438C67B59E}" type="datetimeFigureOut">
               <a:rPr lang="zh-CN" altLang="en-US" smtClean="0"/>
-              <a:t>2023/11/23</a:t>
+              <a:t>2023/11/27</a:t>
             </a:fld>
             <a:endParaRPr lang="zh-CN" altLang="en-US"/>
           </a:p>
@@ -5691,7 +5691,7 @@
           <a:p>
             <a:fld id="{760FBDFE-C587-4B4C-A407-44438C67B59E}" type="datetimeFigureOut">
               <a:rPr lang="zh-CN" altLang="en-US" smtClean="0"/>
-              <a:t>2023/11/23</a:t>
+              <a:t>2023/11/27</a:t>
             </a:fld>
             <a:endParaRPr lang="zh-CN" altLang="en-US"/>
           </a:p>
@@ -5866,7 +5866,7 @@
           <a:p>
             <a:fld id="{760FBDFE-C587-4B4C-A407-44438C67B59E}" type="datetimeFigureOut">
               <a:rPr lang="zh-CN" altLang="en-US" smtClean="0"/>
-              <a:t>2023/11/23</a:t>
+              <a:t>2023/11/27</a:t>
             </a:fld>
             <a:endParaRPr lang="zh-CN" altLang="en-US"/>
           </a:p>
@@ -6585,7 +6585,7 @@
           <a:p>
             <a:fld id="{760FBDFE-C587-4B4C-A407-44438C67B59E}" type="datetimeFigureOut">
               <a:rPr lang="zh-CN" altLang="en-US" smtClean="0"/>
-              <a:t>2023/11/23</a:t>
+              <a:t>2023/11/27</a:t>
             </a:fld>
             <a:endParaRPr lang="zh-CN" altLang="en-US"/>
           </a:p>
@@ -7392,7 +7392,7 @@
           <a:p>
             <a:fld id="{760FBDFE-C587-4B4C-A407-44438C67B59E}" type="datetimeFigureOut">
               <a:rPr lang="zh-CN" altLang="en-US" smtClean="0"/>
-              <a:t>2023/11/23</a:t>
+              <a:t>2023/11/27</a:t>
             </a:fld>
             <a:endParaRPr lang="zh-CN" altLang="en-US"/>
           </a:p>
@@ -7855,7 +7855,7 @@
           <a:p>
             <a:fld id="{760FBDFE-C587-4B4C-A407-44438C67B59E}" type="datetimeFigureOut">
               <a:rPr lang="zh-CN" altLang="en-US" smtClean="0"/>
-              <a:t>2023/11/23</a:t>
+              <a:t>2023/11/27</a:t>
             </a:fld>
             <a:endParaRPr lang="zh-CN" altLang="en-US"/>
           </a:p>
@@ -8004,7 +8004,7 @@
           <a:p>
             <a:fld id="{760FBDFE-C587-4B4C-A407-44438C67B59E}" type="datetimeFigureOut">
               <a:rPr lang="zh-CN" altLang="en-US" smtClean="0"/>
-              <a:t>2023/11/23</a:t>
+              <a:t>2023/11/27</a:t>
             </a:fld>
             <a:endParaRPr lang="zh-CN" altLang="en-US"/>
           </a:p>
@@ -8467,7 +8467,7 @@
           <a:p>
             <a:fld id="{9EFD9D74-47D9-4702-A33C-335B63B48DBF}" type="datetimeFigureOut">
               <a:rPr lang="zh-CN" altLang="en-US" smtClean="0"/>
-              <a:t>2023/11/23</a:t>
+              <a:t>2023/11/27</a:t>
             </a:fld>
             <a:endParaRPr lang="zh-CN" altLang="en-US" dirty="0"/>
           </a:p>
@@ -8830,7 +8830,7 @@
           <a:p>
             <a:fld id="{760FBDFE-C587-4B4C-A407-44438C67B59E}" type="datetimeFigureOut">
               <a:rPr lang="zh-CN" altLang="en-US" smtClean="0"/>
-              <a:t>2023/11/23</a:t>
+              <a:t>2023/11/27</a:t>
             </a:fld>
             <a:endParaRPr lang="zh-CN" altLang="en-US"/>
           </a:p>
@@ -9031,7 +9031,7 @@
           <a:p>
             <a:fld id="{760FBDFE-C587-4B4C-A407-44438C67B59E}" type="datetimeFigureOut">
               <a:rPr lang="zh-CN" altLang="en-US" smtClean="0"/>
-              <a:t>2023/11/23</a:t>
+              <a:t>2023/11/27</a:t>
             </a:fld>
             <a:endParaRPr lang="zh-CN" altLang="en-US"/>
           </a:p>
@@ -9339,7 +9339,7 @@
           <a:p>
             <a:fld id="{760FBDFE-C587-4B4C-A407-44438C67B59E}" type="datetimeFigureOut">
               <a:rPr lang="zh-CN" altLang="en-US" smtClean="0"/>
-              <a:t>2023/11/23</a:t>
+              <a:t>2023/11/27</a:t>
             </a:fld>
             <a:endParaRPr lang="zh-CN" altLang="en-US"/>
           </a:p>
@@ -9638,7 +9638,7 @@
           <a:p>
             <a:fld id="{760FBDFE-C587-4B4C-A407-44438C67B59E}" type="datetimeFigureOut">
               <a:rPr lang="zh-CN" altLang="en-US" smtClean="0"/>
-              <a:t>2023/11/23</a:t>
+              <a:t>2023/11/27</a:t>
             </a:fld>
             <a:endParaRPr lang="zh-CN" altLang="en-US"/>
           </a:p>
@@ -9966,7 +9966,7 @@
           <a:p>
             <a:fld id="{760FBDFE-C587-4B4C-A407-44438C67B59E}" type="datetimeFigureOut">
               <a:rPr lang="zh-CN" altLang="en-US" smtClean="0"/>
-              <a:t>2023/11/23</a:t>
+              <a:t>2023/11/27</a:t>
             </a:fld>
             <a:endParaRPr lang="zh-CN" altLang="en-US"/>
           </a:p>
@@ -10377,7 +10377,7 @@
           <a:p>
             <a:fld id="{760FBDFE-C587-4B4C-A407-44438C67B59E}" type="datetimeFigureOut">
               <a:rPr lang="zh-CN" altLang="en-US" smtClean="0"/>
-              <a:t>2023/11/23</a:t>
+              <a:t>2023/11/27</a:t>
             </a:fld>
             <a:endParaRPr lang="zh-CN" altLang="en-US"/>
           </a:p>
@@ -10655,7 +10655,7 @@
           <a:p>
             <a:fld id="{760FBDFE-C587-4B4C-A407-44438C67B59E}" type="datetimeFigureOut">
               <a:rPr lang="zh-CN" altLang="en-US" smtClean="0"/>
-              <a:t>2023/11/23</a:t>
+              <a:t>2023/11/27</a:t>
             </a:fld>
             <a:endParaRPr lang="zh-CN" altLang="en-US"/>
           </a:p>
@@ -11173,7 +11173,7 @@
           <a:p>
             <a:fld id="{760FBDFE-C587-4B4C-A407-44438C67B59E}" type="datetimeFigureOut">
               <a:rPr lang="zh-CN" altLang="en-US" smtClean="0"/>
-              <a:t>2023/11/23</a:t>
+              <a:t>2023/11/27</a:t>
             </a:fld>
             <a:endParaRPr lang="zh-CN" altLang="en-US"/>
           </a:p>
@@ -11627,7 +11627,7 @@
           <a:p>
             <a:fld id="{760FBDFE-C587-4B4C-A407-44438C67B59E}" type="datetimeFigureOut">
               <a:rPr lang="zh-CN" altLang="en-US" smtClean="0"/>
-              <a:t>2023/11/23</a:t>
+              <a:t>2023/11/27</a:t>
             </a:fld>
             <a:endParaRPr lang="zh-CN" altLang="en-US"/>
           </a:p>
@@ -12081,7 +12081,7 @@
           <a:p>
             <a:fld id="{760FBDFE-C587-4B4C-A407-44438C67B59E}" type="datetimeFigureOut">
               <a:rPr lang="zh-CN" altLang="en-US" smtClean="0"/>
-              <a:t>2023/11/23</a:t>
+              <a:t>2023/11/27</a:t>
             </a:fld>
             <a:endParaRPr lang="zh-CN" altLang="en-US"/>
           </a:p>
@@ -12685,7 +12685,7 @@
           <a:p>
             <a:fld id="{760FBDFE-C587-4B4C-A407-44438C67B59E}" type="datetimeFigureOut">
               <a:rPr lang="zh-CN" altLang="en-US" smtClean="0"/>
-              <a:t>2023/11/23</a:t>
+              <a:t>2023/11/27</a:t>
             </a:fld>
             <a:endParaRPr lang="zh-CN" altLang="en-US"/>
           </a:p>
@@ -13292,7 +13292,7 @@
           <a:p>
             <a:fld id="{760FBDFE-C587-4B4C-A407-44438C67B59E}" type="datetimeFigureOut">
               <a:rPr lang="zh-CN" altLang="en-US" smtClean="0"/>
-              <a:t>2023/11/23</a:t>
+              <a:t>2023/11/27</a:t>
             </a:fld>
             <a:endParaRPr lang="zh-CN" altLang="en-US"/>
           </a:p>
@@ -14103,7 +14103,7 @@
           <a:p>
             <a:fld id="{760FBDFE-C587-4B4C-A407-44438C67B59E}" type="datetimeFigureOut">
               <a:rPr lang="zh-CN" altLang="en-US" smtClean="0"/>
-              <a:t>2023/11/23</a:t>
+              <a:t>2023/11/27</a:t>
             </a:fld>
             <a:endParaRPr lang="zh-CN" altLang="en-US"/>
           </a:p>
@@ -14397,7 +14397,7 @@
           <a:p>
             <a:fld id="{760FBDFE-C587-4B4C-A407-44438C67B59E}" type="datetimeFigureOut">
               <a:rPr lang="zh-CN" altLang="en-US" smtClean="0"/>
-              <a:t>2023/11/23</a:t>
+              <a:t>2023/11/27</a:t>
             </a:fld>
             <a:endParaRPr lang="zh-CN" altLang="en-US"/>
           </a:p>
@@ -14531,7 +14531,7 @@
           <a:p>
             <a:fld id="{760FBDFE-C587-4B4C-A407-44438C67B59E}" type="datetimeFigureOut">
               <a:rPr lang="zh-CN" altLang="en-US" smtClean="0"/>
-              <a:t>2023/11/23</a:t>
+              <a:t>2023/11/27</a:t>
             </a:fld>
             <a:endParaRPr lang="zh-CN" altLang="en-US"/>
           </a:p>
@@ -14998,7 +14998,7 @@
           <a:p>
             <a:fld id="{9EFD9D74-47D9-4702-A33C-335B63B48DBF}" type="datetimeFigureOut">
               <a:rPr lang="zh-CN" altLang="en-US" smtClean="0"/>
-              <a:t>2023/11/23</a:t>
+              <a:t>2023/11/27</a:t>
             </a:fld>
             <a:endParaRPr lang="zh-CN" altLang="en-US" dirty="0"/>
           </a:p>
@@ -15365,7 +15365,7 @@
           <a:p>
             <a:fld id="{760FBDFE-C587-4B4C-A407-44438C67B59E}" type="datetimeFigureOut">
               <a:rPr lang="zh-CN" altLang="en-US" smtClean="0"/>
-              <a:t>2023/11/23</a:t>
+              <a:t>2023/11/27</a:t>
             </a:fld>
             <a:endParaRPr lang="zh-CN" altLang="en-US"/>
           </a:p>
@@ -15611,7 +15611,7 @@
           <a:p>
             <a:fld id="{760FBDFE-C587-4B4C-A407-44438C67B59E}" type="datetimeFigureOut">
               <a:rPr lang="zh-CN" altLang="en-US" smtClean="0"/>
-              <a:t>2023/11/23</a:t>
+              <a:t>2023/11/27</a:t>
             </a:fld>
             <a:endParaRPr lang="zh-CN" altLang="en-US"/>
           </a:p>
@@ -16249,7 +16249,7 @@
           <a:p>
             <a:fld id="{760FBDFE-C587-4B4C-A407-44438C67B59E}" type="datetimeFigureOut">
               <a:rPr lang="zh-CN" altLang="en-US" smtClean="0"/>
-              <a:t>2023/11/23</a:t>
+              <a:t>2023/11/27</a:t>
             </a:fld>
             <a:endParaRPr lang="zh-CN" altLang="en-US"/>
           </a:p>
@@ -16956,306 +16956,6 @@
             </a:r>
             <a:r>
               <a:rPr lang="en-US" altLang="zh-CN"/>
-              <a:t>First</a:t>
-            </a:r>
-            <a:r>
-              <a:t>集</a:t>
-            </a:r>
-          </a:p>
-        </p:txBody>
-      </p:sp>
-      <p:pic>
-        <p:nvPicPr>
-          <p:cNvPr id="4" name="图片 3"/>
-          <p:cNvPicPr>
-            <a:picLocks noChangeAspect="1"/>
-          </p:cNvPicPr>
-          <p:nvPr/>
-        </p:nvPicPr>
-        <p:blipFill>
-          <a:blip r:embed="rId2"/>
-          <a:srcRect t="4217"/>
-          <a:stretch>
-            <a:fillRect/>
-          </a:stretch>
-        </p:blipFill>
-        <p:spPr>
-          <a:xfrm>
-            <a:off x="243840" y="2311400"/>
-            <a:ext cx="6965950" cy="4197350"/>
-          </a:xfrm>
-          <a:prstGeom prst="rect">
-            <a:avLst/>
-          </a:prstGeom>
-        </p:spPr>
-      </p:pic>
-      <p:sp>
-        <p:nvSpPr>
-          <p:cNvPr id="6" name="文本框 5"/>
-          <p:cNvSpPr txBox="1"/>
-          <p:nvPr/>
-        </p:nvSpPr>
-        <p:spPr>
-          <a:xfrm>
-            <a:off x="7661275" y="691515"/>
-            <a:ext cx="4064000" cy="6069965"/>
-          </a:xfrm>
-          <a:prstGeom prst="rect">
-            <a:avLst/>
-          </a:prstGeom>
-          <a:noFill/>
-        </p:spPr>
-        <p:txBody>
-          <a:bodyPr wrap="square" rtlCol="0">
-            <a:spAutoFit/>
-          </a:bodyPr>
-          <a:lstStyle/>
-          <a:p>
-            <a:pPr>
-              <a:lnSpc>
-                <a:spcPct val="120000"/>
-              </a:lnSpc>
-            </a:pPr>
-            <a:r>
-              <a:rPr lang="zh-CN" altLang="en-US">
-                <a:solidFill>
-                  <a:schemeClr val="bg1"/>
-                </a:solidFill>
-              </a:rPr>
-              <a:t>非终结符集合non_term：对于每个非终结符X，遍历其对应的产生式集合production[X]中的每个产生式Y。</a:t>
-            </a:r>
-          </a:p>
-          <a:p>
-            <a:pPr>
-              <a:lnSpc>
-                <a:spcPct val="120000"/>
-              </a:lnSpc>
-            </a:pPr>
-            <a:r>
-              <a:rPr lang="zh-CN" altLang="en-US">
-                <a:solidFill>
-                  <a:schemeClr val="bg1"/>
-                </a:solidFill>
-              </a:rPr>
-              <a:t>进入</a:t>
-            </a:r>
-            <a:r>
-              <a:rPr lang="zh-CN" altLang="en-US" b="1">
-                <a:solidFill>
-                  <a:schemeClr val="bg1"/>
-                </a:solidFill>
-              </a:rPr>
-              <a:t>内层循环</a:t>
-            </a:r>
-            <a:r>
-              <a:rPr lang="zh-CN" altLang="en-US">
-                <a:solidFill>
-                  <a:schemeClr val="bg1"/>
-                </a:solidFill>
-              </a:rPr>
-              <a:t>，当标记变量mark为True且i小于产生式Y的长度时：</a:t>
-            </a:r>
-          </a:p>
-          <a:p>
-            <a:pPr indent="457200">
-              <a:lnSpc>
-                <a:spcPct val="120000"/>
-              </a:lnSpc>
-            </a:pPr>
-            <a:r>
-              <a:rPr lang="zh-CN" altLang="en-US">
-                <a:solidFill>
-                  <a:schemeClr val="bg1"/>
-                </a:solidFill>
-              </a:rPr>
-              <a:t>如果First[Y[i]]中的元素减去集合epsilon的结果不是First[X]的子集，说明还存在没有添加到First[X]中的元素。</a:t>
-            </a:r>
-          </a:p>
-          <a:p>
-            <a:pPr indent="457200">
-              <a:lnSpc>
-                <a:spcPct val="120000"/>
-              </a:lnSpc>
-            </a:pPr>
-            <a:r>
-              <a:rPr lang="zh-CN" altLang="en-US">
-                <a:solidFill>
-                  <a:schemeClr val="bg1"/>
-                </a:solidFill>
-              </a:rPr>
-              <a:t>如果First[Y[i]]中不包含epsilon且Y[i]是非终结符且i大于0，则将First[Y[i]]添加到First[X]中。</a:t>
-            </a:r>
-          </a:p>
-          <a:p>
-            <a:pPr indent="457200">
-              <a:lnSpc>
-                <a:spcPct val="120000"/>
-              </a:lnSpc>
-            </a:pPr>
-            <a:r>
-              <a:rPr lang="zh-CN" altLang="en-US">
-                <a:solidFill>
-                  <a:schemeClr val="bg1"/>
-                </a:solidFill>
-              </a:rPr>
-              <a:t>否则，将First[Y[i]]减去集合epsilon后的结果添加到First[X]中。</a:t>
-            </a:r>
-          </a:p>
-          <a:p>
-            <a:pPr>
-              <a:lnSpc>
-                <a:spcPct val="120000"/>
-              </a:lnSpc>
-            </a:pPr>
-            <a:r>
-              <a:rPr lang="zh-CN" altLang="en-US">
-                <a:solidFill>
-                  <a:schemeClr val="bg1"/>
-                </a:solidFill>
-              </a:rPr>
-              <a:t>如果不能退出</a:t>
-            </a:r>
-            <a:r>
-              <a:rPr lang="en-US" altLang="zh-CN">
-                <a:solidFill>
-                  <a:schemeClr val="bg1"/>
-                </a:solidFill>
-              </a:rPr>
-              <a:t>epsilon</a:t>
-            </a:r>
-            <a:r>
-              <a:rPr lang="zh-CN" altLang="en-US">
-                <a:solidFill>
-                  <a:schemeClr val="bg1"/>
-                </a:solidFill>
-              </a:rPr>
-              <a:t>，则将标记变量mark设为False。</a:t>
-            </a:r>
-          </a:p>
-          <a:p>
-            <a:pPr>
-              <a:lnSpc>
-                <a:spcPct val="120000"/>
-              </a:lnSpc>
-            </a:pPr>
-            <a:r>
-              <a:rPr lang="zh-CN" altLang="en-US">
-                <a:solidFill>
-                  <a:schemeClr val="bg1"/>
-                </a:solidFill>
-              </a:rPr>
-              <a:t>如果标记变量mark为True，说明产生式Y可以推导出epsilon，则将epsilon添加到First[X]中。</a:t>
-            </a:r>
-          </a:p>
-        </p:txBody>
-      </p:sp>
-      <p:sp>
-        <p:nvSpPr>
-          <p:cNvPr id="7" name="文本框 6"/>
-          <p:cNvSpPr txBox="1"/>
-          <p:nvPr/>
-        </p:nvSpPr>
-        <p:spPr>
-          <a:xfrm>
-            <a:off x="375920" y="1203960"/>
-            <a:ext cx="6573520" cy="922020"/>
-          </a:xfrm>
-          <a:prstGeom prst="rect">
-            <a:avLst/>
-          </a:prstGeom>
-          <a:noFill/>
-        </p:spPr>
-        <p:txBody>
-          <a:bodyPr wrap="square" rtlCol="0">
-            <a:spAutoFit/>
-          </a:bodyPr>
-          <a:lstStyle/>
-          <a:p>
-            <a:r>
-              <a:rPr lang="zh-CN" altLang="en-US">
-                <a:solidFill>
-                  <a:schemeClr val="bg1"/>
-                </a:solidFill>
-              </a:rPr>
-              <a:t>设计思路：通过遍历文法的产生式，逐步计算每个非终结符的First集合，并在需要的情况下更新First集合，直到所有的First集合不再更新为止，最终得到输入文法的</a:t>
-            </a:r>
-            <a:r>
-              <a:rPr lang="en-US" altLang="zh-CN">
-                <a:solidFill>
-                  <a:schemeClr val="bg1"/>
-                </a:solidFill>
-              </a:rPr>
-              <a:t>First</a:t>
-            </a:r>
-            <a:r>
-              <a:rPr lang="zh-CN" altLang="en-US">
-                <a:solidFill>
-                  <a:schemeClr val="bg1"/>
-                </a:solidFill>
-              </a:rPr>
-              <a:t>集。</a:t>
-            </a:r>
-          </a:p>
-        </p:txBody>
-      </p:sp>
-    </p:spTree>
-  </p:cSld>
-  <p:clrMapOvr>
-    <a:masterClrMapping/>
-  </p:clrMapOvr>
-</p:sld>
-</file>
-
-<file path=ppt/slides/slide11.xml><?xml version="1.0" encoding="utf-8"?>
-<p:sld xmlns:a="http://schemas.openxmlformats.org/drawingml/2006/main" xmlns:r="http://schemas.openxmlformats.org/officeDocument/2006/relationships" xmlns:p="http://schemas.openxmlformats.org/presentationml/2006/main">
-  <p:cSld>
-    <p:spTree>
-      <p:nvGrpSpPr>
-        <p:cNvPr id="1" name=""/>
-        <p:cNvGrpSpPr/>
-        <p:nvPr/>
-      </p:nvGrpSpPr>
-      <p:grpSpPr>
-        <a:xfrm>
-          <a:off x="0" y="0"/>
-          <a:ext cx="0" cy="0"/>
-          <a:chOff x="0" y="0"/>
-          <a:chExt cx="0" cy="0"/>
-        </a:xfrm>
-      </p:grpSpPr>
-      <p:sp>
-        <p:nvSpPr>
-          <p:cNvPr id="2" name="标题 1"/>
-          <p:cNvSpPr>
-            <a:spLocks noGrp="1"/>
-          </p:cNvSpPr>
-          <p:nvPr>
-            <p:ph type="title"/>
-          </p:nvPr>
-        </p:nvSpPr>
-        <p:spPr/>
-        <p:txBody>
-          <a:bodyPr>
-            <a:normAutofit fontScale="90000"/>
-          </a:bodyPr>
-          <a:lstStyle/>
-          <a:p>
-            <a:r>
-              <a:rPr lang="en-US" altLang="zh-CN"/>
-              <a:t>1.2 </a:t>
-            </a:r>
-            <a:r>
-              <a:t>代码实现</a:t>
-            </a:r>
-            <a:r>
-              <a:rPr lang="en-US" altLang="zh-CN"/>
-              <a:t> </a:t>
-            </a:r>
-            <a:r>
-              <a:t>计算</a:t>
-            </a:r>
-            <a:r>
-              <a:rPr lang="en-US" altLang="zh-CN"/>
               <a:t>FOLLOW</a:t>
             </a:r>
             <a:r>
@@ -17439,6 +17139,264 @@
                 </a:solidFill>
               </a:rPr>
               <a:t>将标志变量flag设为True，表示发生了改变。</a:t>
+            </a:r>
+          </a:p>
+        </p:txBody>
+      </p:sp>
+    </p:spTree>
+  </p:cSld>
+  <p:clrMapOvr>
+    <a:masterClrMapping/>
+  </p:clrMapOvr>
+</p:sld>
+</file>
+
+<file path=ppt/slides/slide11.xml><?xml version="1.0" encoding="utf-8"?>
+<p:sld xmlns:a="http://schemas.openxmlformats.org/drawingml/2006/main" xmlns:r="http://schemas.openxmlformats.org/officeDocument/2006/relationships" xmlns:p="http://schemas.openxmlformats.org/presentationml/2006/main">
+  <p:cSld>
+    <p:spTree>
+      <p:nvGrpSpPr>
+        <p:cNvPr id="1" name=""/>
+        <p:cNvGrpSpPr/>
+        <p:nvPr/>
+      </p:nvGrpSpPr>
+      <p:grpSpPr>
+        <a:xfrm>
+          <a:off x="0" y="0"/>
+          <a:ext cx="0" cy="0"/>
+          <a:chOff x="0" y="0"/>
+          <a:chExt cx="0" cy="0"/>
+        </a:xfrm>
+      </p:grpSpPr>
+      <p:sp>
+        <p:nvSpPr>
+          <p:cNvPr id="2" name="标题 1"/>
+          <p:cNvSpPr>
+            <a:spLocks noGrp="1"/>
+          </p:cNvSpPr>
+          <p:nvPr>
+            <p:ph type="title"/>
+          </p:nvPr>
+        </p:nvSpPr>
+        <p:spPr/>
+        <p:txBody>
+          <a:bodyPr>
+            <a:normAutofit fontScale="90000"/>
+          </a:bodyPr>
+          <a:lstStyle/>
+          <a:p>
+            <a:r>
+              <a:rPr lang="en-US" altLang="zh-CN"/>
+              <a:t>1.2 </a:t>
+            </a:r>
+            <a:r>
+              <a:t>代码实现</a:t>
+            </a:r>
+            <a:r>
+              <a:rPr lang="en-US" altLang="zh-CN"/>
+              <a:t> 预测分析表|Select集</a:t>
+            </a:r>
+          </a:p>
+        </p:txBody>
+      </p:sp>
+      <p:pic>
+        <p:nvPicPr>
+          <p:cNvPr id="4" name="内容占位符 3"/>
+          <p:cNvPicPr>
+            <a:picLocks noGrp="1" noChangeAspect="1"/>
+          </p:cNvPicPr>
+          <p:nvPr>
+            <p:ph idx="1"/>
+            <p:custDataLst>
+              <p:tags r:id="rId1"/>
+            </p:custDataLst>
+          </p:nvPr>
+        </p:nvPicPr>
+        <p:blipFill>
+          <a:blip r:embed="rId3"/>
+          <a:stretch>
+            <a:fillRect/>
+          </a:stretch>
+        </p:blipFill>
+        <p:spPr>
+          <a:xfrm>
+            <a:off x="669925" y="956310"/>
+            <a:ext cx="4564380" cy="5379720"/>
+          </a:xfrm>
+          <a:prstGeom prst="rect">
+            <a:avLst/>
+          </a:prstGeom>
+        </p:spPr>
+      </p:pic>
+      <p:sp>
+        <p:nvSpPr>
+          <p:cNvPr id="5" name="文本框 4"/>
+          <p:cNvSpPr txBox="1"/>
+          <p:nvPr/>
+        </p:nvSpPr>
+        <p:spPr>
+          <a:xfrm>
+            <a:off x="5527675" y="1125220"/>
+            <a:ext cx="6389370" cy="4890770"/>
+          </a:xfrm>
+          <a:prstGeom prst="rect">
+            <a:avLst/>
+          </a:prstGeom>
+          <a:noFill/>
+        </p:spPr>
+        <p:txBody>
+          <a:bodyPr wrap="square" rtlCol="0">
+            <a:spAutoFit/>
+          </a:bodyPr>
+          <a:lstStyle/>
+          <a:p>
+            <a:pPr>
+              <a:lnSpc>
+                <a:spcPct val="130000"/>
+              </a:lnSpc>
+            </a:pPr>
+            <a:r>
+              <a:rPr lang="zh-CN" altLang="en-US" sz="1600" dirty="0">
+                <a:solidFill>
+                  <a:schemeClr val="bg1"/>
+                </a:solidFill>
+              </a:rPr>
+              <a:t>使用循环遍历产生式字典production。</a:t>
+            </a:r>
+          </a:p>
+          <a:p>
+            <a:pPr>
+              <a:lnSpc>
+                <a:spcPct val="130000"/>
+              </a:lnSpc>
+            </a:pPr>
+            <a:r>
+              <a:rPr lang="zh-CN" altLang="en-US" sz="1600" dirty="0">
+                <a:solidFill>
+                  <a:schemeClr val="bg1"/>
+                </a:solidFill>
+              </a:rPr>
+              <a:t>初始化标志变量mark为False，用于判断产生式s是否可以推导出空。随后，循环遍历产生式s中的每个符号si。如果si不包含epsilon，则执行以下操作：</a:t>
+            </a:r>
+          </a:p>
+          <a:p>
+            <a:pPr>
+              <a:lnSpc>
+                <a:spcPct val="130000"/>
+              </a:lnSpc>
+            </a:pPr>
+            <a:r>
+              <a:rPr lang="zh-CN" altLang="en-US" sz="1600" dirty="0">
+                <a:solidFill>
+                  <a:schemeClr val="bg1"/>
+                </a:solidFill>
+              </a:rPr>
+              <a:t>使用循环遍历First[si]中的每个终结符j。</a:t>
+            </a:r>
+          </a:p>
+          <a:p>
+            <a:pPr indent="457200">
+              <a:lnSpc>
+                <a:spcPct val="130000"/>
+              </a:lnSpc>
+            </a:pPr>
+            <a:r>
+              <a:rPr lang="zh-CN" altLang="en-US" sz="1600" dirty="0">
+                <a:solidFill>
+                  <a:schemeClr val="bg1"/>
+                </a:solidFill>
+              </a:rPr>
+              <a:t>如果AnalysisList[i][j]不为空，则将产生式s添加到AnalysisList[i][j]中，并将res设为False。</a:t>
+            </a:r>
+          </a:p>
+          <a:p>
+            <a:pPr indent="457200">
+              <a:lnSpc>
+                <a:spcPct val="130000"/>
+              </a:lnSpc>
+            </a:pPr>
+            <a:r>
+              <a:rPr lang="zh-CN" altLang="en-US" sz="1600" dirty="0">
+                <a:solidFill>
+                  <a:schemeClr val="bg1"/>
+                </a:solidFill>
+              </a:rPr>
+              <a:t>否则，将AnalysisList[i][j]设为产生式s。</a:t>
+            </a:r>
+          </a:p>
+          <a:p>
+            <a:pPr>
+              <a:lnSpc>
+                <a:spcPct val="130000"/>
+              </a:lnSpc>
+            </a:pPr>
+            <a:r>
+              <a:rPr lang="zh-CN" altLang="en-US" sz="1600" dirty="0">
+                <a:solidFill>
+                  <a:schemeClr val="bg1"/>
+                </a:solidFill>
+              </a:rPr>
+              <a:t>将标志变量mark设为False，表示产生式s不能推导出空。</a:t>
+            </a:r>
+          </a:p>
+          <a:p>
+            <a:pPr>
+              <a:lnSpc>
+                <a:spcPct val="130000"/>
+              </a:lnSpc>
+            </a:pPr>
+            <a:r>
+              <a:rPr lang="zh-CN" altLang="en-US" sz="1600" dirty="0">
+                <a:solidFill>
+                  <a:schemeClr val="bg1"/>
+                </a:solidFill>
+              </a:rPr>
+              <a:t>跳出当前循环。</a:t>
+            </a:r>
+          </a:p>
+          <a:p>
+            <a:pPr>
+              <a:lnSpc>
+                <a:spcPct val="130000"/>
+              </a:lnSpc>
+            </a:pPr>
+            <a:r>
+              <a:rPr lang="zh-CN" altLang="en-US" sz="1600" dirty="0">
+                <a:solidFill>
+                  <a:schemeClr val="bg1"/>
+                </a:solidFill>
+              </a:rPr>
+              <a:t>如果标志变量mark为True，即产生式s可以推导出空，则使用循环遍历Follow[i]中的每个终结符j。</a:t>
+            </a:r>
+          </a:p>
+          <a:p>
+            <a:pPr indent="457200">
+              <a:lnSpc>
+                <a:spcPct val="130000"/>
+              </a:lnSpc>
+            </a:pPr>
+            <a:r>
+              <a:rPr lang="zh-CN" altLang="en-US" sz="1600" dirty="0">
+                <a:solidFill>
+                  <a:schemeClr val="bg1"/>
+                </a:solidFill>
+              </a:rPr>
+              <a:t>如果AnalysisList[i][j]不为空，则将产生式s添加到AnalysisList[i][j]中，并将res设为False。</a:t>
+            </a:r>
+          </a:p>
+          <a:p>
+            <a:pPr indent="457200">
+              <a:lnSpc>
+                <a:spcPct val="130000"/>
+              </a:lnSpc>
+            </a:pPr>
+            <a:r>
+              <a:rPr lang="zh-CN" altLang="en-US" sz="1600" dirty="0">
+                <a:solidFill>
+                  <a:schemeClr val="bg1"/>
+                </a:solidFill>
+              </a:rPr>
+              <a:t>否则，将AnalysisList[i][j]设为产生式s。</a:t>
             </a:r>
           </a:p>
         </p:txBody>
@@ -25099,6 +25057,36 @@
           </a:prstGeom>
         </p:spPr>
       </p:pic>
+      <p:pic>
+        <p:nvPicPr>
+          <p:cNvPr id="3" name="图片 2">
+            <a:extLst>
+              <a:ext uri="{FF2B5EF4-FFF2-40B4-BE49-F238E27FC236}">
+                <a16:creationId xmlns:a16="http://schemas.microsoft.com/office/drawing/2014/main" id="{3A383A94-980E-5C56-375F-C0C436E0ADE8}"/>
+              </a:ext>
+            </a:extLst>
+          </p:cNvPr>
+          <p:cNvPicPr>
+            <a:picLocks noChangeAspect="1"/>
+          </p:cNvPicPr>
+          <p:nvPr/>
+        </p:nvPicPr>
+        <p:blipFill>
+          <a:blip r:embed="rId4"/>
+          <a:stretch>
+            <a:fillRect/>
+          </a:stretch>
+        </p:blipFill>
+        <p:spPr>
+          <a:xfrm>
+            <a:off x="4344904" y="4357230"/>
+            <a:ext cx="6675698" cy="1615580"/>
+          </a:xfrm>
+          <a:prstGeom prst="rect">
+            <a:avLst/>
+          </a:prstGeom>
+        </p:spPr>
+      </p:pic>
     </p:spTree>
   </p:cSld>
   <p:clrMapOvr>
@@ -25181,7 +25169,7 @@
           <a:lstStyle/>
           <a:p>
             <a:r>
-              <a:rPr lang="en-US" altLang="zh-CN">
+              <a:rPr lang="en-US" altLang="zh-CN" dirty="0">
                 <a:solidFill>
                   <a:schemeClr val="bg1"/>
                 </a:solidFill>
@@ -25189,7 +25177,7 @@
               <a:t>1.</a:t>
             </a:r>
             <a:r>
-              <a:rPr lang="zh-CN" altLang="en-US">
+              <a:rPr lang="zh-CN" altLang="en-US" dirty="0">
                 <a:solidFill>
                   <a:schemeClr val="bg1"/>
                 </a:solidFill>
@@ -25199,7 +25187,7 @@
           </a:p>
           <a:p>
             <a:r>
-              <a:rPr lang="zh-CN" altLang="en-US">
+              <a:rPr lang="zh-CN" altLang="en-US" dirty="0">
                 <a:solidFill>
                   <a:schemeClr val="bg1"/>
                 </a:solidFill>
@@ -25209,7 +25197,7 @@
           </a:p>
           <a:p>
             <a:r>
-              <a:rPr lang="zh-CN" altLang="en-US">
+              <a:rPr lang="zh-CN" altLang="en-US" dirty="0">
                 <a:solidFill>
                   <a:schemeClr val="bg1"/>
                 </a:solidFill>
@@ -25217,7 +25205,7 @@
               <a:t>获取当前产生式的第四位和</a:t>
             </a:r>
             <a:r>
-              <a:rPr lang="en-US" altLang="zh-CN">
+              <a:rPr lang="en-US" altLang="zh-CN" dirty="0">
                 <a:solidFill>
                   <a:schemeClr val="bg1"/>
                 </a:solidFill>
@@ -25225,7 +25213,7 @@
               <a:t>|</a:t>
             </a:r>
             <a:r>
-              <a:rPr lang="zh-CN" altLang="en-US">
+              <a:rPr lang="zh-CN" altLang="en-US" dirty="0">
                 <a:solidFill>
                   <a:schemeClr val="bg1"/>
                 </a:solidFill>
@@ -25235,7 +25223,7 @@
           </a:p>
           <a:p>
             <a:r>
-              <a:rPr lang="zh-CN" altLang="en-US">
+              <a:rPr lang="zh-CN" altLang="en-US" dirty="0">
                 <a:solidFill>
                   <a:schemeClr val="bg1"/>
                 </a:solidFill>
@@ -25245,7 +25233,7 @@
           </a:p>
           <a:p>
             <a:r>
-              <a:rPr lang="zh-CN" altLang="en-US">
+              <a:rPr lang="zh-CN" altLang="en-US" dirty="0">
                 <a:solidFill>
                   <a:schemeClr val="bg1"/>
                 </a:solidFill>
@@ -25255,7 +25243,7 @@
           </a:p>
           <a:p>
             <a:r>
-              <a:rPr lang="zh-CN" altLang="en-US">
+              <a:rPr lang="zh-CN" altLang="en-US" dirty="0">
                 <a:solidFill>
                   <a:schemeClr val="bg1"/>
                 </a:solidFill>
@@ -25263,7 +25251,7 @@
               <a:t>继续遍历当前产生式右部，当第</a:t>
             </a:r>
             <a:r>
-              <a:rPr lang="en-US" altLang="zh-CN">
+              <a:rPr lang="en-US" altLang="zh-CN" dirty="0">
                 <a:solidFill>
                   <a:schemeClr val="bg1"/>
                 </a:solidFill>
@@ -25271,7 +25259,7 @@
               <a:t>s</a:t>
             </a:r>
             <a:r>
-              <a:rPr lang="zh-CN" altLang="en-US">
+              <a:rPr lang="zh-CN" altLang="en-US" dirty="0">
                 <a:solidFill>
                   <a:schemeClr val="bg1"/>
                 </a:solidFill>
@@ -25279,7 +25267,7 @@
               <a:t>个是</a:t>
             </a:r>
             <a:r>
-              <a:rPr lang="en-US" altLang="zh-CN">
+              <a:rPr lang="en-US" altLang="zh-CN" dirty="0">
                 <a:solidFill>
                   <a:schemeClr val="bg1"/>
                 </a:solidFill>
@@ -25287,7 +25275,7 @@
               <a:t>“|”</a:t>
             </a:r>
             <a:r>
-              <a:rPr lang="zh-CN" altLang="en-US">
+              <a:rPr lang="zh-CN" altLang="en-US" dirty="0">
                 <a:solidFill>
                   <a:schemeClr val="bg1"/>
                 </a:solidFill>
@@ -25295,7 +25283,7 @@
               <a:t>或者</a:t>
             </a:r>
             <a:r>
-              <a:rPr lang="en-US" altLang="zh-CN">
+              <a:rPr lang="en-US" altLang="zh-CN" dirty="0">
                 <a:solidFill>
                   <a:schemeClr val="bg1"/>
                 </a:solidFill>
@@ -25303,7 +25291,7 @@
               <a:t>s</a:t>
             </a:r>
             <a:r>
-              <a:rPr lang="zh-CN" altLang="en-US">
+              <a:rPr lang="zh-CN" altLang="en-US" dirty="0">
                 <a:solidFill>
                   <a:schemeClr val="bg1"/>
                 </a:solidFill>
@@ -25311,7 +25299,7 @@
               <a:t>后面达到产生式结尾时，提取</a:t>
             </a:r>
             <a:r>
-              <a:rPr lang="en-US" altLang="zh-CN">
+              <a:rPr lang="en-US" altLang="zh-CN" dirty="0">
                 <a:solidFill>
                   <a:schemeClr val="bg1"/>
                 </a:solidFill>
@@ -25319,7 +25307,7 @@
               <a:t>s</a:t>
             </a:r>
             <a:r>
-              <a:rPr lang="zh-CN" altLang="en-US">
+              <a:rPr lang="zh-CN" altLang="en-US" dirty="0">
                 <a:solidFill>
                   <a:schemeClr val="bg1"/>
                 </a:solidFill>
@@ -25327,7 +25315,7 @@
               <a:t>之前</a:t>
             </a:r>
             <a:r>
-              <a:rPr lang="en-US" altLang="zh-CN">
+              <a:rPr lang="en-US" altLang="zh-CN" dirty="0">
                 <a:solidFill>
                   <a:schemeClr val="bg1"/>
                 </a:solidFill>
@@ -25335,7 +25323,7 @@
               <a:t> L+2</a:t>
             </a:r>
             <a:r>
-              <a:rPr lang="zh-CN" altLang="en-US">
+              <a:rPr lang="zh-CN" altLang="en-US" dirty="0">
                 <a:solidFill>
                   <a:schemeClr val="bg1"/>
                 </a:solidFill>
@@ -25345,7 +25333,7 @@
           </a:p>
           <a:p>
             <a:r>
-              <a:rPr lang="zh-CN" altLang="en-US">
+              <a:rPr lang="zh-CN" altLang="en-US" dirty="0">
                 <a:solidFill>
                   <a:schemeClr val="bg1"/>
                 </a:solidFill>
@@ -25353,7 +25341,7 @@
               </a:rPr>
               <a:t>根据非终结符集合获取新符号</a:t>
             </a:r>
-            <a:endParaRPr lang="zh-CN" altLang="en-US">
+            <a:endParaRPr lang="zh-CN" altLang="en-US" dirty="0">
               <a:solidFill>
                 <a:schemeClr val="bg1"/>
               </a:solidFill>
@@ -25361,7 +25349,7 @@
           </a:p>
           <a:p>
             <a:r>
-              <a:rPr lang="zh-CN" altLang="en-US">
+              <a:rPr lang="zh-CN" altLang="en-US" dirty="0">
                 <a:solidFill>
                   <a:schemeClr val="bg1"/>
                 </a:solidFill>
@@ -25369,7 +25357,7 @@
               </a:rPr>
               <a:t>构造新的非终结符对应的产生式</a:t>
             </a:r>
-            <a:endParaRPr lang="zh-CN" altLang="en-US">
+            <a:endParaRPr lang="zh-CN" altLang="en-US" dirty="0">
               <a:solidFill>
                 <a:schemeClr val="bg1"/>
               </a:solidFill>
@@ -25377,7 +25365,7 @@
           </a:p>
           <a:p>
             <a:r>
-              <a:rPr lang="zh-CN" altLang="en-US">
+              <a:rPr lang="zh-CN" altLang="en-US" dirty="0">
                 <a:solidFill>
                   <a:schemeClr val="bg1"/>
                 </a:solidFill>
@@ -25387,7 +25375,7 @@
           </a:p>
           <a:p>
             <a:r>
-              <a:rPr lang="zh-CN" altLang="en-US">
+              <a:rPr lang="zh-CN" altLang="en-US" dirty="0">
                 <a:solidFill>
                   <a:schemeClr val="bg1"/>
                 </a:solidFill>
@@ -25477,7 +25465,7 @@
           <a:lstStyle/>
           <a:p>
             <a:r>
-              <a:rPr lang="zh-CN" altLang="en-US">
+              <a:rPr lang="zh-CN" altLang="en-US" dirty="0">
                 <a:solidFill>
                   <a:schemeClr val="bg1"/>
                 </a:solidFill>
@@ -25487,6 +25475,36 @@
           </a:p>
         </p:txBody>
       </p:sp>
+      <p:pic>
+        <p:nvPicPr>
+          <p:cNvPr id="8" name="图片 7">
+            <a:extLst>
+              <a:ext uri="{FF2B5EF4-FFF2-40B4-BE49-F238E27FC236}">
+                <a16:creationId xmlns:a16="http://schemas.microsoft.com/office/drawing/2014/main" id="{14B50F4F-0B28-3D46-004E-79EDA449E05A}"/>
+              </a:ext>
+            </a:extLst>
+          </p:cNvPr>
+          <p:cNvPicPr>
+            <a:picLocks noChangeAspect="1"/>
+          </p:cNvPicPr>
+          <p:nvPr/>
+        </p:nvPicPr>
+        <p:blipFill>
+          <a:blip r:embed="rId6"/>
+          <a:stretch>
+            <a:fillRect/>
+          </a:stretch>
+        </p:blipFill>
+        <p:spPr>
+          <a:xfrm>
+            <a:off x="4380763" y="4658220"/>
+            <a:ext cx="6675698" cy="1615580"/>
+          </a:xfrm>
+          <a:prstGeom prst="rect">
+            <a:avLst/>
+          </a:prstGeom>
+        </p:spPr>
+      </p:pic>
     </p:spTree>
   </p:cSld>
   <p:clrMapOvr>
@@ -25722,6 +25740,36 @@
           <a:xfrm>
             <a:off x="0" y="952500"/>
             <a:ext cx="4097655" cy="5388610"/>
+          </a:xfrm>
+          <a:prstGeom prst="rect">
+            <a:avLst/>
+          </a:prstGeom>
+        </p:spPr>
+      </p:pic>
+      <p:pic>
+        <p:nvPicPr>
+          <p:cNvPr id="6" name="图片 5">
+            <a:extLst>
+              <a:ext uri="{FF2B5EF4-FFF2-40B4-BE49-F238E27FC236}">
+                <a16:creationId xmlns:a16="http://schemas.microsoft.com/office/drawing/2014/main" id="{5C97992C-E00F-6CBF-7004-2897CD5BC015}"/>
+              </a:ext>
+            </a:extLst>
+          </p:cNvPr>
+          <p:cNvPicPr>
+            <a:picLocks noChangeAspect="1"/>
+          </p:cNvPicPr>
+          <p:nvPr/>
+        </p:nvPicPr>
+        <p:blipFill>
+          <a:blip r:embed="rId4"/>
+          <a:stretch>
+            <a:fillRect/>
+          </a:stretch>
+        </p:blipFill>
+        <p:spPr>
+          <a:xfrm>
+            <a:off x="4449811" y="4822190"/>
+            <a:ext cx="6721422" cy="1379340"/>
           </a:xfrm>
           <a:prstGeom prst="rect">
             <a:avLst/>
@@ -26777,34 +26825,40 @@
             </a:r>
             <a:r>
               <a:rPr lang="en-US" altLang="zh-CN"/>
-              <a:t> 预测分析表|Select集</a:t>
+              <a:t> </a:t>
+            </a:r>
+            <a:r>
+              <a:t>计算</a:t>
+            </a:r>
+            <a:r>
+              <a:rPr lang="en-US" altLang="zh-CN"/>
+              <a:t>First</a:t>
+            </a:r>
+            <a:r>
+              <a:t>集</a:t>
             </a:r>
           </a:p>
         </p:txBody>
       </p:sp>
       <p:pic>
         <p:nvPicPr>
-          <p:cNvPr id="4" name="内容占位符 3"/>
+          <p:cNvPr id="4" name="图片 3"/>
           <p:cNvPicPr>
-            <a:picLocks noGrp="1" noChangeAspect="1"/>
+            <a:picLocks noChangeAspect="1"/>
           </p:cNvPicPr>
-          <p:nvPr>
-            <p:ph idx="1"/>
-            <p:custDataLst>
-              <p:tags r:id="rId1"/>
-            </p:custDataLst>
-          </p:nvPr>
+          <p:nvPr/>
         </p:nvPicPr>
         <p:blipFill>
-          <a:blip r:embed="rId3"/>
+          <a:blip r:embed="rId2"/>
+          <a:srcRect t="4217"/>
           <a:stretch>
             <a:fillRect/>
           </a:stretch>
         </p:blipFill>
         <p:spPr>
           <a:xfrm>
-            <a:off x="669925" y="956310"/>
-            <a:ext cx="4564380" cy="5379720"/>
+            <a:off x="243840" y="2311400"/>
+            <a:ext cx="6965950" cy="4197350"/>
           </a:xfrm>
           <a:prstGeom prst="rect">
             <a:avLst/>
@@ -26813,14 +26867,14 @@
       </p:pic>
       <p:sp>
         <p:nvSpPr>
-          <p:cNvPr id="5" name="文本框 4"/>
+          <p:cNvPr id="6" name="文本框 5"/>
           <p:cNvSpPr txBox="1"/>
           <p:nvPr/>
         </p:nvSpPr>
         <p:spPr>
           <a:xfrm>
-            <a:off x="5527675" y="1125220"/>
-            <a:ext cx="6389370" cy="4890770"/>
+            <a:off x="7661275" y="691515"/>
+            <a:ext cx="4064000" cy="6069965"/>
           </a:xfrm>
           <a:prstGeom prst="rect">
             <a:avLst/>
@@ -26835,151 +26889,187 @@
           <a:p>
             <a:pPr>
               <a:lnSpc>
-                <a:spcPct val="130000"/>
+                <a:spcPct val="120000"/>
               </a:lnSpc>
             </a:pPr>
             <a:r>
-              <a:rPr lang="zh-CN" altLang="en-US" sz="1600" dirty="0">
+              <a:rPr lang="zh-CN" altLang="en-US">
                 <a:solidFill>
                   <a:schemeClr val="bg1"/>
                 </a:solidFill>
               </a:rPr>
-              <a:t>使用循环遍历产生式字典production。</a:t>
+              <a:t>非终结符集合non_term：对于每个非终结符X，遍历其对应的产生式集合production[X]中的每个产生式Y。</a:t>
             </a:r>
           </a:p>
           <a:p>
             <a:pPr>
               <a:lnSpc>
-                <a:spcPct val="130000"/>
+                <a:spcPct val="120000"/>
               </a:lnSpc>
             </a:pPr>
             <a:r>
-              <a:rPr lang="zh-CN" altLang="en-US" sz="1600" dirty="0">
+              <a:rPr lang="zh-CN" altLang="en-US">
                 <a:solidFill>
                   <a:schemeClr val="bg1"/>
                 </a:solidFill>
               </a:rPr>
-              <a:t>初始化标志变量mark为False，用于判断产生式s是否可以推导出空。随后，循环遍历产生式s中的每个符号si。如果si不包含epsilon，则执行以下操作：</a:t>
+              <a:t>进入</a:t>
+            </a:r>
+            <a:r>
+              <a:rPr lang="zh-CN" altLang="en-US" b="1">
+                <a:solidFill>
+                  <a:schemeClr val="bg1"/>
+                </a:solidFill>
+              </a:rPr>
+              <a:t>内层循环</a:t>
+            </a:r>
+            <a:r>
+              <a:rPr lang="zh-CN" altLang="en-US">
+                <a:solidFill>
+                  <a:schemeClr val="bg1"/>
+                </a:solidFill>
+              </a:rPr>
+              <a:t>，当标记变量mark为True且i小于产生式Y的长度时：</a:t>
+            </a:r>
+          </a:p>
+          <a:p>
+            <a:pPr indent="457200">
+              <a:lnSpc>
+                <a:spcPct val="120000"/>
+              </a:lnSpc>
+            </a:pPr>
+            <a:r>
+              <a:rPr lang="zh-CN" altLang="en-US">
+                <a:solidFill>
+                  <a:schemeClr val="bg1"/>
+                </a:solidFill>
+              </a:rPr>
+              <a:t>如果First[Y[i]]中的元素减去集合epsilon的结果不是First[X]的子集，说明还存在没有添加到First[X]中的元素。</a:t>
+            </a:r>
+          </a:p>
+          <a:p>
+            <a:pPr indent="457200">
+              <a:lnSpc>
+                <a:spcPct val="120000"/>
+              </a:lnSpc>
+            </a:pPr>
+            <a:r>
+              <a:rPr lang="zh-CN" altLang="en-US">
+                <a:solidFill>
+                  <a:schemeClr val="bg1"/>
+                </a:solidFill>
+              </a:rPr>
+              <a:t>如果First[Y[i]]中不包含epsilon且Y[i]是非终结符且i大于0，则将First[Y[i]]添加到First[X]中。</a:t>
+            </a:r>
+          </a:p>
+          <a:p>
+            <a:pPr indent="457200">
+              <a:lnSpc>
+                <a:spcPct val="120000"/>
+              </a:lnSpc>
+            </a:pPr>
+            <a:r>
+              <a:rPr lang="zh-CN" altLang="en-US">
+                <a:solidFill>
+                  <a:schemeClr val="bg1"/>
+                </a:solidFill>
+              </a:rPr>
+              <a:t>否则，将First[Y[i]]减去集合epsilon后的结果添加到First[X]中。</a:t>
             </a:r>
           </a:p>
           <a:p>
             <a:pPr>
               <a:lnSpc>
-                <a:spcPct val="130000"/>
+                <a:spcPct val="120000"/>
               </a:lnSpc>
             </a:pPr>
             <a:r>
-              <a:rPr lang="zh-CN" altLang="en-US" sz="1600" dirty="0">
+              <a:rPr lang="zh-CN" altLang="en-US">
                 <a:solidFill>
                   <a:schemeClr val="bg1"/>
                 </a:solidFill>
               </a:rPr>
-              <a:t>使用循环遍历First[si]中的每个终结符j。</a:t>
-            </a:r>
-          </a:p>
-          <a:p>
-            <a:pPr indent="457200">
+              <a:t>如果不能退出</a:t>
+            </a:r>
+            <a:r>
+              <a:rPr lang="en-US" altLang="zh-CN">
+                <a:solidFill>
+                  <a:schemeClr val="bg1"/>
+                </a:solidFill>
+              </a:rPr>
+              <a:t>epsilon</a:t>
+            </a:r>
+            <a:r>
+              <a:rPr lang="zh-CN" altLang="en-US">
+                <a:solidFill>
+                  <a:schemeClr val="bg1"/>
+                </a:solidFill>
+              </a:rPr>
+              <a:t>，则将标记变量mark设为False。</a:t>
+            </a:r>
+          </a:p>
+          <a:p>
+            <a:pPr>
               <a:lnSpc>
-                <a:spcPct val="130000"/>
+                <a:spcPct val="120000"/>
               </a:lnSpc>
             </a:pPr>
             <a:r>
-              <a:rPr lang="zh-CN" altLang="en-US" sz="1600" dirty="0">
+              <a:rPr lang="zh-CN" altLang="en-US">
                 <a:solidFill>
                   <a:schemeClr val="bg1"/>
                 </a:solidFill>
               </a:rPr>
-              <a:t>如果AnalysisList[i][j]不为空，则将产生式s添加到AnalysisList[i][j]中，并将res设为False。</a:t>
-            </a:r>
-          </a:p>
-          <a:p>
-            <a:pPr indent="457200">
-              <a:lnSpc>
-                <a:spcPct val="130000"/>
-              </a:lnSpc>
-            </a:pPr>
-            <a:r>
-              <a:rPr lang="zh-CN" altLang="en-US" sz="1600" dirty="0">
+              <a:t>如果标记变量mark为True，说明产生式Y可以推导出epsilon，则将epsilon添加到First[X]中。</a:t>
+            </a:r>
+          </a:p>
+        </p:txBody>
+      </p:sp>
+      <p:sp>
+        <p:nvSpPr>
+          <p:cNvPr id="7" name="文本框 6"/>
+          <p:cNvSpPr txBox="1"/>
+          <p:nvPr/>
+        </p:nvSpPr>
+        <p:spPr>
+          <a:xfrm>
+            <a:off x="375920" y="1203960"/>
+            <a:ext cx="6573520" cy="922020"/>
+          </a:xfrm>
+          <a:prstGeom prst="rect">
+            <a:avLst/>
+          </a:prstGeom>
+          <a:noFill/>
+        </p:spPr>
+        <p:txBody>
+          <a:bodyPr wrap="square" rtlCol="0">
+            <a:spAutoFit/>
+          </a:bodyPr>
+          <a:lstStyle/>
+          <a:p>
+            <a:r>
+              <a:rPr lang="zh-CN" altLang="en-US">
                 <a:solidFill>
                   <a:schemeClr val="bg1"/>
                 </a:solidFill>
               </a:rPr>
-              <a:t>否则，将AnalysisList[i][j]设为产生式s。</a:t>
-            </a:r>
-          </a:p>
-          <a:p>
-            <a:pPr>
-              <a:lnSpc>
-                <a:spcPct val="130000"/>
-              </a:lnSpc>
-            </a:pPr>
-            <a:r>
-              <a:rPr lang="zh-CN" altLang="en-US" sz="1600" dirty="0">
+              <a:t>设计思路：通过遍历文法的产生式，逐步计算每个非终结符的First集合，并在需要的情况下更新First集合，直到所有的First集合不再更新为止，最终得到输入文法的</a:t>
+            </a:r>
+            <a:r>
+              <a:rPr lang="en-US" altLang="zh-CN">
                 <a:solidFill>
                   <a:schemeClr val="bg1"/>
                 </a:solidFill>
               </a:rPr>
-              <a:t>将标志变量mark设为False，表示产生式s不能推导出空。</a:t>
-            </a:r>
-          </a:p>
-          <a:p>
-            <a:pPr>
-              <a:lnSpc>
-                <a:spcPct val="130000"/>
-              </a:lnSpc>
-            </a:pPr>
-            <a:r>
-              <a:rPr lang="zh-CN" altLang="en-US" sz="1600" dirty="0">
+              <a:t>First</a:t>
+            </a:r>
+            <a:r>
+              <a:rPr lang="zh-CN" altLang="en-US">
                 <a:solidFill>
                   <a:schemeClr val="bg1"/>
                 </a:solidFill>
               </a:rPr>
-              <a:t>跳出当前循环。</a:t>
-            </a:r>
-          </a:p>
-          <a:p>
-            <a:pPr>
-              <a:lnSpc>
-                <a:spcPct val="130000"/>
-              </a:lnSpc>
-            </a:pPr>
-            <a:r>
-              <a:rPr lang="zh-CN" altLang="en-US" sz="1600" dirty="0">
-                <a:solidFill>
-                  <a:schemeClr val="bg1"/>
-                </a:solidFill>
-              </a:rPr>
-              <a:t>如果标志变量mark为True，即产生式s可以推导出空，则使用循环遍历Follow[i]中的每个终结符j。</a:t>
-            </a:r>
-          </a:p>
-          <a:p>
-            <a:pPr indent="457200">
-              <a:lnSpc>
-                <a:spcPct val="130000"/>
-              </a:lnSpc>
-            </a:pPr>
-            <a:r>
-              <a:rPr lang="zh-CN" altLang="en-US" sz="1600" dirty="0">
-                <a:solidFill>
-                  <a:schemeClr val="bg1"/>
-                </a:solidFill>
-              </a:rPr>
-              <a:t>如果AnalysisList[i][j]不为空，则将产生式s添加到AnalysisList[i][j]中，并将res设为False。</a:t>
-            </a:r>
-          </a:p>
-          <a:p>
-            <a:pPr indent="457200">
-              <a:lnSpc>
-                <a:spcPct val="130000"/>
-              </a:lnSpc>
-            </a:pPr>
-            <a:r>
-              <a:rPr lang="zh-CN" altLang="en-US" sz="1600" dirty="0">
-                <a:solidFill>
-                  <a:schemeClr val="bg1"/>
-                </a:solidFill>
-              </a:rPr>
-              <a:t>否则，将AnalysisList[i][j]设为产生式s。</a:t>
+              <a:t>集。</a:t>
             </a:r>
           </a:p>
         </p:txBody>

--- a/chap0x03/PPT/实验三  自顶向下语法分析程序.pptx
+++ b/chap0x03/PPT/实验三  自顶向下语法分析程序.pptx
@@ -18411,7 +18411,15 @@
             </a:r>
             <a:r>
               <a:rPr lang="zh-CN" altLang="en-US" dirty="0"/>
-              <a:t>，首先利用函数判断栈是否为空，若不为空则返回堆栈顶部元素的值。</a:t>
+              <a:t>，首先利用函数</a:t>
+            </a:r>
+            <a:r>
+              <a:rPr lang="en-US" altLang="zh-CN" dirty="0" err="1"/>
+              <a:t>is_empty</a:t>
+            </a:r>
+            <a:r>
+              <a:rPr lang="zh-CN" altLang="en-US" dirty="0"/>
+              <a:t>判断栈是否为空，若不为空则返回堆栈顶部元素的值。</a:t>
             </a:r>
             <a:endParaRPr lang="en-US" altLang="zh-CN" dirty="0"/>
           </a:p>
@@ -18960,7 +18968,7 @@
               <a:t>· </a:t>
             </a:r>
             <a:r>
-              <a:rPr lang="zh-CN" altLang="en-US" sz="1800" b="1" i="0" dirty="0">
+              <a:rPr lang="zh-CN" altLang="en-US" sz="1800" b="1" i="0">
                 <a:solidFill>
                   <a:srgbClr val="FF0000"/>
                 </a:solidFill>
@@ -18970,30 +18978,11 @@
               <a:t>分析过程</a:t>
             </a:r>
             <a:r>
-              <a:rPr lang="zh-CN" altLang="en-US" sz="1800" b="1" i="0" dirty="0">
+              <a:rPr lang="zh-CN" altLang="en-US" sz="1800" b="1" i="0">
                 <a:effectLst/>
                 <a:latin typeface="Söhne"/>
               </a:rPr>
-              <a:t>（</a:t>
-            </a:r>
-            <a:r>
-              <a:rPr lang="zh-CN" altLang="en-US" sz="1800" b="1" i="0" dirty="0">
-                <a:solidFill>
-                  <a:schemeClr val="accent3">
-                    <a:lumMod val="75000"/>
-                  </a:schemeClr>
-                </a:solidFill>
-                <a:effectLst/>
-                <a:latin typeface="Söhne"/>
-              </a:rPr>
-              <a:t>如图</a:t>
-            </a:r>
-            <a:r>
-              <a:rPr lang="zh-CN" altLang="en-US" sz="1800" b="1" i="0" dirty="0">
-                <a:effectLst/>
-                <a:latin typeface="Söhne"/>
-              </a:rPr>
-              <a:t>）：</a:t>
+              <a:t>：</a:t>
             </a:r>
             <a:endParaRPr lang="zh-CN" altLang="en-US" sz="1800" b="0" i="0" dirty="0">
               <a:effectLst/>
